--- a/submission/SNOW.pptx
+++ b/submission/SNOW.pptx
@@ -1,30 +1,505 @@
 
 <file path=ppt/presentation.xml><?xml version="1.0" encoding="utf-8"?>
-<p:presentation xmlns:a="http://schemas.openxmlformats.org/drawingml/2006/main" xmlns:p="http://schemas.openxmlformats.org/presentationml/2006/main" xmlns:r="http://schemas.openxmlformats.org/officeDocument/2006/relationships" xmlns:p14="http://schemas.microsoft.com/office/powerpoint/2010/main" xmlns:p15="http://schemas.microsoft.com/office/powerpoint/2012/main" xmlns:mc="http://schemas.openxmlformats.org/markup-compatibility/2006">
+<p:presentation xmlns:a="http://schemas.openxmlformats.org/drawingml/2006/main" xmlns:r="http://schemas.openxmlformats.org/officeDocument/2006/relationships" xmlns:p="http://schemas.openxmlformats.org/presentationml/2006/main">
   <p:sldMasterIdLst>
-    <p:sldMasterId id="2147483648" r:id="rId2"/>
-    <p:sldMasterId id="2147483661" r:id="rId3"/>
+    <p:sldMasterId id="2147483648" r:id="rId1"/>
+    <p:sldMasterId id="2147483661" r:id="rId2"/>
   </p:sldMasterIdLst>
   <p:notesMasterIdLst>
-    <p:notesMasterId r:id="rId4"/>
+    <p:notesMasterId r:id="rId11"/>
   </p:notesMasterIdLst>
   <p:sldIdLst>
-    <p:sldId id="256" r:id="rId5"/>
-    <p:sldId id="257" r:id="rId6"/>
-    <p:sldId id="258" r:id="rId7"/>
-    <p:sldId id="259" r:id="rId8"/>
-    <p:sldId id="260" r:id="rId9"/>
-    <p:sldId id="261" r:id="rId10"/>
-    <p:sldId id="262" r:id="rId11"/>
-    <p:sldId id="263" r:id="rId12"/>
+    <p:sldId id="256" r:id="rId3"/>
+    <p:sldId id="257" r:id="rId4"/>
+    <p:sldId id="258" r:id="rId5"/>
+    <p:sldId id="259" r:id="rId6"/>
+    <p:sldId id="260" r:id="rId7"/>
+    <p:sldId id="261" r:id="rId8"/>
+    <p:sldId id="262" r:id="rId9"/>
+    <p:sldId id="263" r:id="rId10"/>
   </p:sldIdLst>
   <p:sldSz cx="12192000" cy="6858000"/>
   <p:notesSz cx="6858000" cy="9144000"/>
+  <p:defaultTextStyle>
+    <a:defPPr>
+      <a:defRPr lang="en-US"/>
+    </a:defPPr>
+    <a:lvl1pPr marL="0" algn="l" defTabSz="914400" rtl="0" eaLnBrk="1" latinLnBrk="0" hangingPunct="1">
+      <a:defRPr sz="1800" kern="1200">
+        <a:solidFill>
+          <a:schemeClr val="tx1"/>
+        </a:solidFill>
+        <a:latin typeface="+mn-lt"/>
+        <a:ea typeface="+mn-ea"/>
+        <a:cs typeface="+mn-cs"/>
+      </a:defRPr>
+    </a:lvl1pPr>
+    <a:lvl2pPr marL="457200" algn="l" defTabSz="914400" rtl="0" eaLnBrk="1" latinLnBrk="0" hangingPunct="1">
+      <a:defRPr sz="1800" kern="1200">
+        <a:solidFill>
+          <a:schemeClr val="tx1"/>
+        </a:solidFill>
+        <a:latin typeface="+mn-lt"/>
+        <a:ea typeface="+mn-ea"/>
+        <a:cs typeface="+mn-cs"/>
+      </a:defRPr>
+    </a:lvl2pPr>
+    <a:lvl3pPr marL="914400" algn="l" defTabSz="914400" rtl="0" eaLnBrk="1" latinLnBrk="0" hangingPunct="1">
+      <a:defRPr sz="1800" kern="1200">
+        <a:solidFill>
+          <a:schemeClr val="tx1"/>
+        </a:solidFill>
+        <a:latin typeface="+mn-lt"/>
+        <a:ea typeface="+mn-ea"/>
+        <a:cs typeface="+mn-cs"/>
+      </a:defRPr>
+    </a:lvl3pPr>
+    <a:lvl4pPr marL="1371600" algn="l" defTabSz="914400" rtl="0" eaLnBrk="1" latinLnBrk="0" hangingPunct="1">
+      <a:defRPr sz="1800" kern="1200">
+        <a:solidFill>
+          <a:schemeClr val="tx1"/>
+        </a:solidFill>
+        <a:latin typeface="+mn-lt"/>
+        <a:ea typeface="+mn-ea"/>
+        <a:cs typeface="+mn-cs"/>
+      </a:defRPr>
+    </a:lvl4pPr>
+    <a:lvl5pPr marL="1828800" algn="l" defTabSz="914400" rtl="0" eaLnBrk="1" latinLnBrk="0" hangingPunct="1">
+      <a:defRPr sz="1800" kern="1200">
+        <a:solidFill>
+          <a:schemeClr val="tx1"/>
+        </a:solidFill>
+        <a:latin typeface="+mn-lt"/>
+        <a:ea typeface="+mn-ea"/>
+        <a:cs typeface="+mn-cs"/>
+      </a:defRPr>
+    </a:lvl5pPr>
+    <a:lvl6pPr marL="2286000" algn="l" defTabSz="914400" rtl="0" eaLnBrk="1" latinLnBrk="0" hangingPunct="1">
+      <a:defRPr sz="1800" kern="1200">
+        <a:solidFill>
+          <a:schemeClr val="tx1"/>
+        </a:solidFill>
+        <a:latin typeface="+mn-lt"/>
+        <a:ea typeface="+mn-ea"/>
+        <a:cs typeface="+mn-cs"/>
+      </a:defRPr>
+    </a:lvl6pPr>
+    <a:lvl7pPr marL="2743200" algn="l" defTabSz="914400" rtl="0" eaLnBrk="1" latinLnBrk="0" hangingPunct="1">
+      <a:defRPr sz="1800" kern="1200">
+        <a:solidFill>
+          <a:schemeClr val="tx1"/>
+        </a:solidFill>
+        <a:latin typeface="+mn-lt"/>
+        <a:ea typeface="+mn-ea"/>
+        <a:cs typeface="+mn-cs"/>
+      </a:defRPr>
+    </a:lvl7pPr>
+    <a:lvl8pPr marL="3200400" algn="l" defTabSz="914400" rtl="0" eaLnBrk="1" latinLnBrk="0" hangingPunct="1">
+      <a:defRPr sz="1800" kern="1200">
+        <a:solidFill>
+          <a:schemeClr val="tx1"/>
+        </a:solidFill>
+        <a:latin typeface="+mn-lt"/>
+        <a:ea typeface="+mn-ea"/>
+        <a:cs typeface="+mn-cs"/>
+      </a:defRPr>
+    </a:lvl8pPr>
+    <a:lvl9pPr marL="3657600" algn="l" defTabSz="914400" rtl="0" eaLnBrk="1" latinLnBrk="0" hangingPunct="1">
+      <a:defRPr sz="1800" kern="1200">
+        <a:solidFill>
+          <a:schemeClr val="tx1"/>
+        </a:solidFill>
+        <a:latin typeface="+mn-lt"/>
+        <a:ea typeface="+mn-ea"/>
+        <a:cs typeface="+mn-cs"/>
+      </a:defRPr>
+    </a:lvl9pPr>
+  </p:defaultTextStyle>
 </p:presentation>
 </file>
 
 <file path=ppt/notesMasters/notesMaster1.xml><?xml version="1.0" encoding="utf-8"?>
-<p:notesMaster xmlns:a="http://schemas.openxmlformats.org/drawingml/2006/main" xmlns:p="http://schemas.openxmlformats.org/presentationml/2006/main" xmlns:r="http://schemas.openxmlformats.org/officeDocument/2006/relationships" xmlns:p14="http://schemas.microsoft.com/office/powerpoint/2010/main" xmlns:p15="http://schemas.microsoft.com/office/powerpoint/2012/main" xmlns:mc="http://schemas.openxmlformats.org/markup-compatibility/2006">
+<p:notesMaster xmlns:a="http://schemas.openxmlformats.org/drawingml/2006/main" xmlns:r="http://schemas.openxmlformats.org/officeDocument/2006/relationships" xmlns:p="http://schemas.openxmlformats.org/presentationml/2006/main">
+  <p:cSld>
+    <p:bg>
+      <p:bgRef idx="1001">
+        <a:schemeClr val="bg1"/>
+      </p:bgRef>
+    </p:bg>
+    <p:spTree>
+      <p:nvGrpSpPr>
+        <p:cNvPr id="1" name=""/>
+        <p:cNvGrpSpPr/>
+        <p:nvPr/>
+      </p:nvGrpSpPr>
+      <p:grpSpPr>
+        <a:xfrm>
+          <a:off x="0" y="0"/>
+          <a:ext cx="0" cy="0"/>
+          <a:chOff x="0" y="0"/>
+          <a:chExt cx="0" cy="0"/>
+        </a:xfrm>
+      </p:grpSpPr>
+      <p:sp>
+        <p:nvSpPr>
+          <p:cNvPr id="82" name="PlaceHolder 1"/>
+          <p:cNvSpPr>
+            <a:spLocks noGrp="1" noRot="1" noChangeAspect="1"/>
+          </p:cNvSpPr>
+          <p:nvPr>
+            <p:ph type="sldImg"/>
+          </p:nvPr>
+        </p:nvSpPr>
+        <p:spPr>
+          <a:xfrm>
+            <a:off x="216000" y="812520"/>
+            <a:ext cx="7127280" cy="4008960"/>
+          </a:xfrm>
+          <a:prstGeom prst="rect">
+            <a:avLst/>
+          </a:prstGeom>
+          <a:noFill/>
+          <a:ln w="0">
+            <a:noFill/>
+          </a:ln>
+        </p:spPr>
+        <p:txBody>
+          <a:bodyPr lIns="0" tIns="0" rIns="0" bIns="0" anchor="ctr">
+            <a:noAutofit/>
+          </a:bodyPr>
+          <a:lstStyle/>
+          <a:p>
+            <a:r>
+              <a:rPr lang="en-US" sz="1800" b="0" strike="noStrike" spc="-1">
+                <a:solidFill>
+                  <a:srgbClr val="000000"/>
+                </a:solidFill>
+                <a:latin typeface="Aptos"/>
+              </a:rPr>
+              <a:t>Click to move the slide</a:t>
+            </a:r>
+          </a:p>
+        </p:txBody>
+      </p:sp>
+      <p:sp>
+        <p:nvSpPr>
+          <p:cNvPr id="83" name="PlaceHolder 2"/>
+          <p:cNvSpPr>
+            <a:spLocks noGrp="1"/>
+          </p:cNvSpPr>
+          <p:nvPr>
+            <p:ph type="body"/>
+          </p:nvPr>
+        </p:nvSpPr>
+        <p:spPr>
+          <a:xfrm>
+            <a:off x="756000" y="5078520"/>
+            <a:ext cx="6047640" cy="4811040"/>
+          </a:xfrm>
+          <a:prstGeom prst="rect">
+            <a:avLst/>
+          </a:prstGeom>
+          <a:noFill/>
+          <a:ln w="0">
+            <a:noFill/>
+          </a:ln>
+        </p:spPr>
+        <p:txBody>
+          <a:bodyPr lIns="0" tIns="0" rIns="0" bIns="0" anchor="t">
+            <a:noAutofit/>
+          </a:bodyPr>
+          <a:lstStyle/>
+          <a:p>
+            <a:r>
+              <a:rPr lang="en-US" sz="2000" b="0" strike="noStrike" spc="-1">
+                <a:latin typeface="Arial"/>
+              </a:rPr>
+              <a:t>Click to edit the notes format</a:t>
+            </a:r>
+          </a:p>
+        </p:txBody>
+      </p:sp>
+      <p:sp>
+        <p:nvSpPr>
+          <p:cNvPr id="84" name="PlaceHolder 3"/>
+          <p:cNvSpPr>
+            <a:spLocks noGrp="1"/>
+          </p:cNvSpPr>
+          <p:nvPr>
+            <p:ph type="hdr"/>
+          </p:nvPr>
+        </p:nvSpPr>
+        <p:spPr>
+          <a:xfrm>
+            <a:off x="0" y="0"/>
+            <a:ext cx="3280680" cy="534240"/>
+          </a:xfrm>
+          <a:prstGeom prst="rect">
+            <a:avLst/>
+          </a:prstGeom>
+          <a:noFill/>
+          <a:ln w="0">
+            <a:noFill/>
+          </a:ln>
+        </p:spPr>
+        <p:txBody>
+          <a:bodyPr lIns="0" tIns="0" rIns="0" bIns="0" anchor="t">
+            <a:noAutofit/>
+          </a:bodyPr>
+          <a:lstStyle/>
+          <a:p>
+            <a:r>
+              <a:rPr lang="en-US" sz="1400" b="0" strike="noStrike" spc="-1">
+                <a:latin typeface="Times New Roman"/>
+              </a:rPr>
+              <a:t>&lt;header&gt;</a:t>
+            </a:r>
+          </a:p>
+        </p:txBody>
+      </p:sp>
+      <p:sp>
+        <p:nvSpPr>
+          <p:cNvPr id="85" name="PlaceHolder 4"/>
+          <p:cNvSpPr>
+            <a:spLocks noGrp="1"/>
+          </p:cNvSpPr>
+          <p:nvPr>
+            <p:ph type="dt" idx="7"/>
+          </p:nvPr>
+        </p:nvSpPr>
+        <p:spPr>
+          <a:xfrm>
+            <a:off x="4278960" y="0"/>
+            <a:ext cx="3280680" cy="534240"/>
+          </a:xfrm>
+          <a:prstGeom prst="rect">
+            <a:avLst/>
+          </a:prstGeom>
+          <a:noFill/>
+          <a:ln w="0">
+            <a:noFill/>
+          </a:ln>
+        </p:spPr>
+        <p:txBody>
+          <a:bodyPr lIns="0" tIns="0" rIns="0" bIns="0" anchor="t">
+            <a:noAutofit/>
+          </a:bodyPr>
+          <a:lstStyle>
+            <a:lvl1pPr algn="r">
+              <a:buNone/>
+              <a:defRPr lang="en-US" sz="1400" b="0" strike="noStrike" spc="-1">
+                <a:latin typeface="Times New Roman"/>
+              </a:defRPr>
+            </a:lvl1pPr>
+          </a:lstStyle>
+          <a:p>
+            <a:pPr algn="r">
+              <a:buNone/>
+            </a:pPr>
+            <a:r>
+              <a:rPr lang="en-US" sz="1400" b="0" strike="noStrike" spc="-1">
+                <a:latin typeface="Times New Roman"/>
+              </a:rPr>
+              <a:t>&lt;date/time&gt;</a:t>
+            </a:r>
+          </a:p>
+        </p:txBody>
+      </p:sp>
+      <p:sp>
+        <p:nvSpPr>
+          <p:cNvPr id="86" name="PlaceHolder 5"/>
+          <p:cNvSpPr>
+            <a:spLocks noGrp="1"/>
+          </p:cNvSpPr>
+          <p:nvPr>
+            <p:ph type="ftr" idx="8"/>
+          </p:nvPr>
+        </p:nvSpPr>
+        <p:spPr>
+          <a:xfrm>
+            <a:off x="0" y="10157400"/>
+            <a:ext cx="3280680" cy="534240"/>
+          </a:xfrm>
+          <a:prstGeom prst="rect">
+            <a:avLst/>
+          </a:prstGeom>
+          <a:noFill/>
+          <a:ln w="0">
+            <a:noFill/>
+          </a:ln>
+        </p:spPr>
+        <p:txBody>
+          <a:bodyPr lIns="0" tIns="0" rIns="0" bIns="0" anchor="b">
+            <a:noAutofit/>
+          </a:bodyPr>
+          <a:lstStyle>
+            <a:lvl1pPr>
+              <a:defRPr lang="en-US" sz="1400" b="0" strike="noStrike" spc="-1">
+                <a:latin typeface="Times New Roman"/>
+              </a:defRPr>
+            </a:lvl1pPr>
+          </a:lstStyle>
+          <a:p>
+            <a:r>
+              <a:rPr lang="en-US" sz="1400" b="0" strike="noStrike" spc="-1">
+                <a:latin typeface="Times New Roman"/>
+              </a:rPr>
+              <a:t>&lt;footer&gt;</a:t>
+            </a:r>
+          </a:p>
+        </p:txBody>
+      </p:sp>
+      <p:sp>
+        <p:nvSpPr>
+          <p:cNvPr id="87" name="PlaceHolder 6"/>
+          <p:cNvSpPr>
+            <a:spLocks noGrp="1"/>
+          </p:cNvSpPr>
+          <p:nvPr>
+            <p:ph type="sldNum" idx="9"/>
+          </p:nvPr>
+        </p:nvSpPr>
+        <p:spPr>
+          <a:xfrm>
+            <a:off x="4278960" y="10157400"/>
+            <a:ext cx="3280680" cy="534240"/>
+          </a:xfrm>
+          <a:prstGeom prst="rect">
+            <a:avLst/>
+          </a:prstGeom>
+          <a:noFill/>
+          <a:ln w="0">
+            <a:noFill/>
+          </a:ln>
+        </p:spPr>
+        <p:txBody>
+          <a:bodyPr lIns="0" tIns="0" rIns="0" bIns="0" anchor="b">
+            <a:noAutofit/>
+          </a:bodyPr>
+          <a:lstStyle>
+            <a:lvl1pPr algn="r">
+              <a:buNone/>
+              <a:defRPr lang="en-US" sz="1400" b="0" strike="noStrike" spc="-1">
+                <a:latin typeface="Times New Roman"/>
+              </a:defRPr>
+            </a:lvl1pPr>
+          </a:lstStyle>
+          <a:p>
+            <a:pPr algn="r">
+              <a:buNone/>
+            </a:pPr>
+            <a:fld id="{332A4E18-8607-453A-BB52-3D689334F73B}" type="slidenum">
+              <a:rPr lang="en-US" sz="1400" b="0" strike="noStrike" spc="-1">
+                <a:latin typeface="Times New Roman"/>
+              </a:rPr>
+              <a:t>‹#›</a:t>
+            </a:fld>
+            <a:endParaRPr lang="en-US" sz="1400" b="0" strike="noStrike" spc="-1">
+              <a:latin typeface="Times New Roman"/>
+            </a:endParaRPr>
+          </a:p>
+        </p:txBody>
+      </p:sp>
+    </p:spTree>
+  </p:cSld>
+  <p:clrMap bg1="lt1" tx1="dk1" bg2="lt2" tx2="dk2" accent1="accent1" accent2="accent2" accent3="accent3" accent4="accent4" accent5="accent5" accent6="accent6" hlink="hlink" folHlink="folHlink"/>
+  <p:notesStyle>
+    <a:lvl1pPr marL="0" algn="l" defTabSz="914400" rtl="0" eaLnBrk="1" latinLnBrk="0" hangingPunct="1">
+      <a:defRPr sz="1200" kern="1200">
+        <a:solidFill>
+          <a:schemeClr val="tx1"/>
+        </a:solidFill>
+        <a:latin typeface="+mn-lt"/>
+        <a:ea typeface="+mn-ea"/>
+        <a:cs typeface="+mn-cs"/>
+      </a:defRPr>
+    </a:lvl1pPr>
+    <a:lvl2pPr marL="457200" algn="l" defTabSz="914400" rtl="0" eaLnBrk="1" latinLnBrk="0" hangingPunct="1">
+      <a:defRPr sz="1200" kern="1200">
+        <a:solidFill>
+          <a:schemeClr val="tx1"/>
+        </a:solidFill>
+        <a:latin typeface="+mn-lt"/>
+        <a:ea typeface="+mn-ea"/>
+        <a:cs typeface="+mn-cs"/>
+      </a:defRPr>
+    </a:lvl2pPr>
+    <a:lvl3pPr marL="914400" algn="l" defTabSz="914400" rtl="0" eaLnBrk="1" latinLnBrk="0" hangingPunct="1">
+      <a:defRPr sz="1200" kern="1200">
+        <a:solidFill>
+          <a:schemeClr val="tx1"/>
+        </a:solidFill>
+        <a:latin typeface="+mn-lt"/>
+        <a:ea typeface="+mn-ea"/>
+        <a:cs typeface="+mn-cs"/>
+      </a:defRPr>
+    </a:lvl3pPr>
+    <a:lvl4pPr marL="1371600" algn="l" defTabSz="914400" rtl="0" eaLnBrk="1" latinLnBrk="0" hangingPunct="1">
+      <a:defRPr sz="1200" kern="1200">
+        <a:solidFill>
+          <a:schemeClr val="tx1"/>
+        </a:solidFill>
+        <a:latin typeface="+mn-lt"/>
+        <a:ea typeface="+mn-ea"/>
+        <a:cs typeface="+mn-cs"/>
+      </a:defRPr>
+    </a:lvl4pPr>
+    <a:lvl5pPr marL="1828800" algn="l" defTabSz="914400" rtl="0" eaLnBrk="1" latinLnBrk="0" hangingPunct="1">
+      <a:defRPr sz="1200" kern="1200">
+        <a:solidFill>
+          <a:schemeClr val="tx1"/>
+        </a:solidFill>
+        <a:latin typeface="+mn-lt"/>
+        <a:ea typeface="+mn-ea"/>
+        <a:cs typeface="+mn-cs"/>
+      </a:defRPr>
+    </a:lvl5pPr>
+    <a:lvl6pPr marL="2286000" algn="l" defTabSz="914400" rtl="0" eaLnBrk="1" latinLnBrk="0" hangingPunct="1">
+      <a:defRPr sz="1200" kern="1200">
+        <a:solidFill>
+          <a:schemeClr val="tx1"/>
+        </a:solidFill>
+        <a:latin typeface="+mn-lt"/>
+        <a:ea typeface="+mn-ea"/>
+        <a:cs typeface="+mn-cs"/>
+      </a:defRPr>
+    </a:lvl6pPr>
+    <a:lvl7pPr marL="2743200" algn="l" defTabSz="914400" rtl="0" eaLnBrk="1" latinLnBrk="0" hangingPunct="1">
+      <a:defRPr sz="1200" kern="1200">
+        <a:solidFill>
+          <a:schemeClr val="tx1"/>
+        </a:solidFill>
+        <a:latin typeface="+mn-lt"/>
+        <a:ea typeface="+mn-ea"/>
+        <a:cs typeface="+mn-cs"/>
+      </a:defRPr>
+    </a:lvl7pPr>
+    <a:lvl8pPr marL="3200400" algn="l" defTabSz="914400" rtl="0" eaLnBrk="1" latinLnBrk="0" hangingPunct="1">
+      <a:defRPr sz="1200" kern="1200">
+        <a:solidFill>
+          <a:schemeClr val="tx1"/>
+        </a:solidFill>
+        <a:latin typeface="+mn-lt"/>
+        <a:ea typeface="+mn-ea"/>
+        <a:cs typeface="+mn-cs"/>
+      </a:defRPr>
+    </a:lvl8pPr>
+    <a:lvl9pPr marL="3657600" algn="l" defTabSz="914400" rtl="0" eaLnBrk="1" latinLnBrk="0" hangingPunct="1">
+      <a:defRPr sz="1200" kern="1200">
+        <a:solidFill>
+          <a:schemeClr val="tx1"/>
+        </a:solidFill>
+        <a:latin typeface="+mn-lt"/>
+        <a:ea typeface="+mn-ea"/>
+        <a:cs typeface="+mn-cs"/>
+      </a:defRPr>
+    </a:lvl9pPr>
+  </p:notesStyle>
+</p:notesMaster>
+</file>
+
+<file path=ppt/notesSlides/notesSlide1.xml><?xml version="1.0" encoding="utf-8"?>
+<p:notes xmlns:a="http://schemas.openxmlformats.org/drawingml/2006/main" xmlns:r="http://schemas.openxmlformats.org/officeDocument/2006/relationships" xmlns:p="http://schemas.openxmlformats.org/presentationml/2006/main">
   <p:cSld>
     <p:spTree>
       <p:nvGrpSpPr>
@@ -42,307 +517,9 @@
       </p:grpSpPr>
       <p:sp>
         <p:nvSpPr>
-          <p:cNvPr id="82" name="PlaceHolder 1"/>
-          <p:cNvSpPr>
-            <a:spLocks noGrp="1"/>
-          </p:cNvSpPr>
-          <p:nvPr>
-            <p:ph type="sldImg"/>
-          </p:nvPr>
-        </p:nvSpPr>
-        <p:spPr>
-          <a:xfrm>
-            <a:off x="216000" y="812520"/>
-            <a:ext cx="7127280" cy="4008960"/>
-          </a:xfrm>
-          <a:prstGeom prst="rect">
-            <a:avLst/>
-          </a:prstGeom>
-          <a:noFill/>
-          <a:ln w="0">
-            <a:noFill/>
-          </a:ln>
-        </p:spPr>
-        <p:txBody>
-          <a:bodyPr lIns="0" rIns="0" tIns="0" bIns="0" anchor="ctr">
-            <a:noAutofit/>
-          </a:bodyPr>
-          <a:p>
-            <a:r>
-              <a:rPr b="0" lang="en-US" sz="1800" spc="-1" strike="noStrike">
-                <a:solidFill>
-                  <a:srgbClr val="000000"/>
-                </a:solidFill>
-                <a:latin typeface="Aptos"/>
-              </a:rPr>
-              <a:t>Click to move the slide</a:t>
-            </a:r>
-            <a:endParaRPr b="0" lang="en-US" sz="1800" spc="-1" strike="noStrike">
-              <a:solidFill>
-                <a:srgbClr val="000000"/>
-              </a:solidFill>
-              <a:latin typeface="Aptos"/>
-            </a:endParaRPr>
-          </a:p>
-        </p:txBody>
-      </p:sp>
-      <p:sp>
-        <p:nvSpPr>
-          <p:cNvPr id="83" name="PlaceHolder 2"/>
-          <p:cNvSpPr>
-            <a:spLocks noGrp="1"/>
-          </p:cNvSpPr>
-          <p:nvPr>
-            <p:ph type="body"/>
-          </p:nvPr>
-        </p:nvSpPr>
-        <p:spPr>
-          <a:xfrm>
-            <a:off x="756000" y="5078520"/>
-            <a:ext cx="6047640" cy="4811040"/>
-          </a:xfrm>
-          <a:prstGeom prst="rect">
-            <a:avLst/>
-          </a:prstGeom>
-          <a:noFill/>
-          <a:ln w="0">
-            <a:noFill/>
-          </a:ln>
-        </p:spPr>
-        <p:txBody>
-          <a:bodyPr lIns="0" rIns="0" tIns="0" bIns="0" anchor="t">
-            <a:noAutofit/>
-          </a:bodyPr>
-          <a:p>
-            <a:r>
-              <a:rPr b="0" lang="en-US" sz="2000" spc="-1" strike="noStrike">
-                <a:latin typeface="Arial"/>
-              </a:rPr>
-              <a:t>Click to edit the notes format</a:t>
-            </a:r>
-            <a:endParaRPr b="0" lang="en-US" sz="2000" spc="-1" strike="noStrike">
-              <a:latin typeface="Arial"/>
-            </a:endParaRPr>
-          </a:p>
-        </p:txBody>
-      </p:sp>
-      <p:sp>
-        <p:nvSpPr>
-          <p:cNvPr id="84" name="PlaceHolder 3"/>
-          <p:cNvSpPr>
-            <a:spLocks noGrp="1"/>
-          </p:cNvSpPr>
-          <p:nvPr>
-            <p:ph type="hdr"/>
-          </p:nvPr>
-        </p:nvSpPr>
-        <p:spPr>
-          <a:xfrm>
-            <a:off x="0" y="0"/>
-            <a:ext cx="3280680" cy="534240"/>
-          </a:xfrm>
-          <a:prstGeom prst="rect">
-            <a:avLst/>
-          </a:prstGeom>
-          <a:noFill/>
-          <a:ln w="0">
-            <a:noFill/>
-          </a:ln>
-        </p:spPr>
-        <p:txBody>
-          <a:bodyPr lIns="0" rIns="0" tIns="0" bIns="0" anchor="t">
-            <a:noAutofit/>
-          </a:bodyPr>
-          <a:p>
-            <a:r>
-              <a:rPr b="0" lang="en-US" sz="1400" spc="-1" strike="noStrike">
-                <a:latin typeface="Times New Roman"/>
-              </a:rPr>
-              <a:t>&lt;header&gt;</a:t>
-            </a:r>
-            <a:endParaRPr b="0" lang="en-US" sz="1400" spc="-1" strike="noStrike">
-              <a:latin typeface="Times New Roman"/>
-            </a:endParaRPr>
-          </a:p>
-        </p:txBody>
-      </p:sp>
-      <p:sp>
-        <p:nvSpPr>
-          <p:cNvPr id="85" name="PlaceHolder 4"/>
-          <p:cNvSpPr>
-            <a:spLocks noGrp="1"/>
-          </p:cNvSpPr>
-          <p:nvPr>
-            <p:ph type="dt" idx="7"/>
-          </p:nvPr>
-        </p:nvSpPr>
-        <p:spPr>
-          <a:xfrm>
-            <a:off x="4278960" y="0"/>
-            <a:ext cx="3280680" cy="534240"/>
-          </a:xfrm>
-          <a:prstGeom prst="rect">
-            <a:avLst/>
-          </a:prstGeom>
-          <a:noFill/>
-          <a:ln w="0">
-            <a:noFill/>
-          </a:ln>
-        </p:spPr>
-        <p:txBody>
-          <a:bodyPr lIns="0" rIns="0" tIns="0" bIns="0" anchor="t">
-            <a:noAutofit/>
-          </a:bodyPr>
-          <a:lstStyle>
-            <a:lvl1pPr algn="r">
-              <a:buNone/>
-              <a:defRPr b="0" lang="en-US" sz="1400" spc="-1" strike="noStrike">
-                <a:latin typeface="Times New Roman"/>
-              </a:defRPr>
-            </a:lvl1pPr>
-          </a:lstStyle>
-          <a:p>
-            <a:pPr algn="r">
-              <a:buNone/>
-            </a:pPr>
-            <a:r>
-              <a:rPr b="0" lang="en-US" sz="1400" spc="-1" strike="noStrike">
-                <a:latin typeface="Times New Roman"/>
-              </a:rPr>
-              <a:t>&lt;date/time&gt;</a:t>
-            </a:r>
-            <a:endParaRPr b="0" lang="en-US" sz="1400" spc="-1" strike="noStrike">
-              <a:latin typeface="Times New Roman"/>
-            </a:endParaRPr>
-          </a:p>
-        </p:txBody>
-      </p:sp>
-      <p:sp>
-        <p:nvSpPr>
-          <p:cNvPr id="86" name="PlaceHolder 5"/>
-          <p:cNvSpPr>
-            <a:spLocks noGrp="1"/>
-          </p:cNvSpPr>
-          <p:nvPr>
-            <p:ph type="ftr" idx="8"/>
-          </p:nvPr>
-        </p:nvSpPr>
-        <p:spPr>
-          <a:xfrm>
-            <a:off x="0" y="10157400"/>
-            <a:ext cx="3280680" cy="534240"/>
-          </a:xfrm>
-          <a:prstGeom prst="rect">
-            <a:avLst/>
-          </a:prstGeom>
-          <a:noFill/>
-          <a:ln w="0">
-            <a:noFill/>
-          </a:ln>
-        </p:spPr>
-        <p:txBody>
-          <a:bodyPr lIns="0" rIns="0" tIns="0" bIns="0" anchor="b">
-            <a:noAutofit/>
-          </a:bodyPr>
-          <a:lstStyle>
-            <a:lvl1pPr>
-              <a:defRPr b="0" lang="en-US" sz="1400" spc="-1" strike="noStrike">
-                <a:latin typeface="Times New Roman"/>
-              </a:defRPr>
-            </a:lvl1pPr>
-          </a:lstStyle>
-          <a:p>
-            <a:r>
-              <a:rPr b="0" lang="en-US" sz="1400" spc="-1" strike="noStrike">
-                <a:latin typeface="Times New Roman"/>
-              </a:rPr>
-              <a:t>&lt;footer&gt;</a:t>
-            </a:r>
-            <a:endParaRPr b="0" lang="en-US" sz="1400" spc="-1" strike="noStrike">
-              <a:latin typeface="Times New Roman"/>
-            </a:endParaRPr>
-          </a:p>
-        </p:txBody>
-      </p:sp>
-      <p:sp>
-        <p:nvSpPr>
-          <p:cNvPr id="87" name="PlaceHolder 6"/>
-          <p:cNvSpPr>
-            <a:spLocks noGrp="1"/>
-          </p:cNvSpPr>
-          <p:nvPr>
-            <p:ph type="sldNum" idx="9"/>
-          </p:nvPr>
-        </p:nvSpPr>
-        <p:spPr>
-          <a:xfrm>
-            <a:off x="4278960" y="10157400"/>
-            <a:ext cx="3280680" cy="534240"/>
-          </a:xfrm>
-          <a:prstGeom prst="rect">
-            <a:avLst/>
-          </a:prstGeom>
-          <a:noFill/>
-          <a:ln w="0">
-            <a:noFill/>
-          </a:ln>
-        </p:spPr>
-        <p:txBody>
-          <a:bodyPr lIns="0" rIns="0" tIns="0" bIns="0" anchor="b">
-            <a:noAutofit/>
-          </a:bodyPr>
-          <a:lstStyle>
-            <a:lvl1pPr algn="r">
-              <a:buNone/>
-              <a:defRPr b="0" lang="en-US" sz="1400" spc="-1" strike="noStrike">
-                <a:latin typeface="Times New Roman"/>
-              </a:defRPr>
-            </a:lvl1pPr>
-          </a:lstStyle>
-          <a:p>
-            <a:pPr algn="r">
-              <a:buNone/>
-            </a:pPr>
-            <a:fld id="{332A4E18-8607-453A-BB52-3D689334F73B}" type="slidenum">
-              <a:rPr b="0" lang="en-US" sz="1400" spc="-1" strike="noStrike">
-                <a:latin typeface="Times New Roman"/>
-              </a:rPr>
-              <a:t>&lt;number&gt;</a:t>
-            </a:fld>
-            <a:endParaRPr b="0" lang="en-US" sz="1400" spc="-1" strike="noStrike">
-              <a:latin typeface="Times New Roman"/>
-            </a:endParaRPr>
-          </a:p>
-        </p:txBody>
-      </p:sp>
-    </p:spTree>
-  </p:cSld>
-  <p:clrMap bg1="lt1" bg2="lt2" tx1="dk1" tx2="dk2" accent1="accent1" accent2="accent2" accent3="accent3" accent4="accent4" accent5="accent5" accent6="accent6" hlink="hlink" folHlink="folHlink"/>
-</p:notesMaster>
-</file>
-
-<file path=ppt/notesSlides/notesSlide3.xml><?xml version="1.0" encoding="utf-8"?>
-<p:notes xmlns:a="http://schemas.openxmlformats.org/drawingml/2006/main" xmlns:p="http://schemas.openxmlformats.org/presentationml/2006/main" xmlns:r="http://schemas.openxmlformats.org/officeDocument/2006/relationships" xmlns:p14="http://schemas.microsoft.com/office/powerpoint/2010/main" xmlns:p15="http://schemas.microsoft.com/office/powerpoint/2012/main" xmlns:mc="http://schemas.openxmlformats.org/markup-compatibility/2006">
-  <p:cSld>
-    <p:spTree>
-      <p:nvGrpSpPr>
-        <p:cNvPr id="1" name=""/>
-        <p:cNvGrpSpPr/>
-        <p:nvPr/>
-      </p:nvGrpSpPr>
-      <p:grpSpPr>
-        <a:xfrm>
-          <a:off x="0" y="0"/>
-          <a:ext cx="0" cy="0"/>
-          <a:chOff x="0" y="0"/>
-          <a:chExt cx="0" cy="0"/>
-        </a:xfrm>
-      </p:grpSpPr>
-      <p:sp>
-        <p:nvSpPr>
           <p:cNvPr id="104" name="PlaceHolder 1"/>
           <p:cNvSpPr>
-            <a:spLocks noGrp="1"/>
+            <a:spLocks noGrp="1" noRot="1" noChangeAspect="1"/>
           </p:cNvSpPr>
           <p:nvPr>
             <p:ph type="sldImg"/>
@@ -388,8 +565,9 @@
           <a:bodyPr anchor="t">
             <a:noAutofit/>
           </a:bodyPr>
-          <a:p>
-            <a:endParaRPr b="0" lang="en-US" sz="2000" spc="-1" strike="noStrike">
+          <a:lstStyle/>
+          <a:p>
+            <a:endParaRPr lang="en-US" sz="2000" b="0" strike="noStrike" spc="-1">
               <a:latin typeface="Arial"/>
             </a:endParaRPr>
           </a:p>
@@ -428,7 +606,7 @@
                 <a:spcPct val="100000"/>
               </a:lnSpc>
               <a:buNone/>
-              <a:defRPr b="0" lang="en-US" sz="1200" spc="-1" strike="noStrike">
+              <a:defRPr lang="en-US" sz="1200" b="0" strike="noStrike" spc="-1">
                 <a:latin typeface="Times New Roman"/>
               </a:defRPr>
             </a:lvl1pPr>
@@ -441,12 +619,12 @@
               <a:buNone/>
             </a:pPr>
             <a:fld id="{42722CA0-2680-4358-9E1F-C9B6FA526C2A}" type="slidenum">
-              <a:rPr b="0" lang="en-US" sz="1200" spc="-1" strike="noStrike">
+              <a:rPr lang="en-US" sz="1200" b="0" strike="noStrike" spc="-1">
                 <a:latin typeface="Times New Roman"/>
               </a:rPr>
-              <a:t>&lt;number&gt;</a:t>
+              <a:t>3</a:t>
             </a:fld>
-            <a:endParaRPr b="0" lang="en-US" sz="1200" spc="-1" strike="noStrike">
+            <a:endParaRPr lang="en-US" sz="1200" b="0" strike="noStrike" spc="-1">
               <a:latin typeface="Times New Roman"/>
             </a:endParaRPr>
           </a:p>
@@ -454,11 +632,14 @@
       </p:sp>
     </p:spTree>
   </p:cSld>
+  <p:clrMapOvr>
+    <a:masterClrMapping/>
+  </p:clrMapOvr>
 </p:notes>
 </file>
 
 <file path=ppt/slideLayouts/slideLayout1.xml><?xml version="1.0" encoding="utf-8"?>
-<p:sldLayout xmlns:a="http://schemas.openxmlformats.org/drawingml/2006/main" xmlns:p="http://schemas.openxmlformats.org/presentationml/2006/main" xmlns:r="http://schemas.openxmlformats.org/officeDocument/2006/relationships" xmlns:p14="http://schemas.microsoft.com/office/powerpoint/2010/main" xmlns:p15="http://schemas.microsoft.com/office/powerpoint/2012/main" xmlns:mc="http://schemas.openxmlformats.org/markup-compatibility/2006" type="blank" preserve="1">
+<p:sldLayout xmlns:a="http://schemas.openxmlformats.org/drawingml/2006/main" xmlns:r="http://schemas.openxmlformats.org/officeDocument/2006/relationships" xmlns:p="http://schemas.openxmlformats.org/presentationml/2006/main" type="blank" preserve="1">
   <p:cSld name="Blank Slide">
     <p:spTree>
       <p:nvGrpSpPr>
@@ -487,6 +668,7 @@
         <p:spPr/>
         <p:txBody>
           <a:bodyPr/>
+          <a:lstStyle/>
           <a:p>
             <a:r>
               <a:t>Footer</a:t>
@@ -507,10 +689,12 @@
         <p:spPr/>
         <p:txBody>
           <a:bodyPr/>
+          <a:lstStyle/>
           <a:p>
             <a:fld id="{124BEA61-6ED7-4478-91FF-98A8C3A2FAD9}" type="slidenum">
-              <a:t>&lt;#&gt;</a:t>
+              <a:t>‹#›</a:t>
             </a:fld>
+            <a:endParaRPr/>
           </a:p>
         </p:txBody>
       </p:sp>
@@ -527,21 +711,22 @@
         <p:spPr/>
         <p:txBody>
           <a:bodyPr/>
-          <a:p>
-            <a:r>
-              <a:rPr lang="en-US"/>
-              <a:t/>
-            </a:r>
+          <a:lstStyle/>
+          <a:p>
+            <a:endParaRPr/>
           </a:p>
         </p:txBody>
       </p:sp>
     </p:spTree>
   </p:cSld>
+  <p:clrMapOvr>
+    <a:masterClrMapping/>
+  </p:clrMapOvr>
 </p:sldLayout>
 </file>
 
 <file path=ppt/slideLayouts/slideLayout10.xml><?xml version="1.0" encoding="utf-8"?>
-<p:sldLayout xmlns:a="http://schemas.openxmlformats.org/drawingml/2006/main" xmlns:p="http://schemas.openxmlformats.org/presentationml/2006/main" xmlns:r="http://schemas.openxmlformats.org/officeDocument/2006/relationships" xmlns:p14="http://schemas.microsoft.com/office/powerpoint/2010/main" xmlns:p15="http://schemas.microsoft.com/office/powerpoint/2012/main" xmlns:mc="http://schemas.openxmlformats.org/markup-compatibility/2006" type="objOverTx" preserve="1">
+<p:sldLayout xmlns:a="http://schemas.openxmlformats.org/drawingml/2006/main" xmlns:r="http://schemas.openxmlformats.org/officeDocument/2006/relationships" xmlns:p="http://schemas.openxmlformats.org/presentationml/2006/main" type="objOverTx" preserve="1">
   <p:cSld name="Title, Content over Content">
     <p:spTree>
       <p:nvGrpSpPr>
@@ -581,11 +766,12 @@
           </a:ln>
         </p:spPr>
         <p:txBody>
-          <a:bodyPr lIns="0" rIns="0" tIns="0" bIns="0" anchor="ctr">
+          <a:bodyPr lIns="0" tIns="0" rIns="0" bIns="0" anchor="ctr">
             <a:noAutofit/>
           </a:bodyPr>
-          <a:p>
-            <a:endParaRPr b="0" lang="en-US" sz="1800" spc="-1" strike="noStrike">
+          <a:lstStyle/>
+          <a:p>
+            <a:endParaRPr lang="en-US" sz="1800" b="0" strike="noStrike" spc="-1">
               <a:solidFill>
                 <a:srgbClr val="000000"/>
               </a:solidFill>
@@ -618,9 +804,10 @@
           </a:ln>
         </p:spPr>
         <p:txBody>
-          <a:bodyPr lIns="0" rIns="0" tIns="0" bIns="0" anchor="t">
+          <a:bodyPr lIns="0" tIns="0" rIns="0" bIns="0" anchor="t">
             <a:normAutofit/>
           </a:bodyPr>
+          <a:lstStyle/>
           <a:p>
             <a:pPr>
               <a:lnSpc>
@@ -631,7 +818,7 @@
               </a:spcBef>
               <a:buNone/>
             </a:pPr>
-            <a:endParaRPr b="0" lang="en-US" sz="2800" spc="-1" strike="noStrike">
+            <a:endParaRPr lang="en-US" sz="2800" b="0" strike="noStrike" spc="-1">
               <a:solidFill>
                 <a:srgbClr val="000000"/>
               </a:solidFill>
@@ -664,9 +851,10 @@
           </a:ln>
         </p:spPr>
         <p:txBody>
-          <a:bodyPr lIns="0" rIns="0" tIns="0" bIns="0" anchor="t">
+          <a:bodyPr lIns="0" tIns="0" rIns="0" bIns="0" anchor="t">
             <a:normAutofit/>
           </a:bodyPr>
+          <a:lstStyle/>
           <a:p>
             <a:pPr>
               <a:lnSpc>
@@ -677,7 +865,7 @@
               </a:spcBef>
               <a:buNone/>
             </a:pPr>
-            <a:endParaRPr b="0" lang="en-US" sz="2800" spc="-1" strike="noStrike">
+            <a:endParaRPr lang="en-US" sz="2800" b="0" strike="noStrike" spc="-1">
               <a:solidFill>
                 <a:srgbClr val="000000"/>
               </a:solidFill>
@@ -699,6 +887,7 @@
         <p:spPr/>
         <p:txBody>
           <a:bodyPr/>
+          <a:lstStyle/>
           <a:p>
             <a:r>
               <a:t>Footer</a:t>
@@ -719,10 +908,12 @@
         <p:spPr/>
         <p:txBody>
           <a:bodyPr/>
+          <a:lstStyle/>
           <a:p>
             <a:fld id="{E743F4F7-DC13-4881-87EA-1CB6E4764B83}" type="slidenum">
-              <a:t>&lt;#&gt;</a:t>
+              <a:t>‹#›</a:t>
             </a:fld>
+            <a:endParaRPr/>
           </a:p>
         </p:txBody>
       </p:sp>
@@ -739,21 +930,22 @@
         <p:spPr/>
         <p:txBody>
           <a:bodyPr/>
-          <a:p>
-            <a:r>
-              <a:rPr lang="en-US"/>
-              <a:t/>
-            </a:r>
+          <a:lstStyle/>
+          <a:p>
+            <a:endParaRPr/>
           </a:p>
         </p:txBody>
       </p:sp>
     </p:spTree>
   </p:cSld>
+  <p:clrMapOvr>
+    <a:masterClrMapping/>
+  </p:clrMapOvr>
 </p:sldLayout>
 </file>
 
 <file path=ppt/slideLayouts/slideLayout11.xml><?xml version="1.0" encoding="utf-8"?>
-<p:sldLayout xmlns:a="http://schemas.openxmlformats.org/drawingml/2006/main" xmlns:p="http://schemas.openxmlformats.org/presentationml/2006/main" xmlns:r="http://schemas.openxmlformats.org/officeDocument/2006/relationships" xmlns:p14="http://schemas.microsoft.com/office/powerpoint/2010/main" xmlns:p15="http://schemas.microsoft.com/office/powerpoint/2012/main" xmlns:mc="http://schemas.openxmlformats.org/markup-compatibility/2006" type="fourObj" preserve="1">
+<p:sldLayout xmlns:a="http://schemas.openxmlformats.org/drawingml/2006/main" xmlns:r="http://schemas.openxmlformats.org/officeDocument/2006/relationships" xmlns:p="http://schemas.openxmlformats.org/presentationml/2006/main" type="fourObj" preserve="1">
   <p:cSld name="Title, 4 Content">
     <p:spTree>
       <p:nvGrpSpPr>
@@ -793,11 +985,12 @@
           </a:ln>
         </p:spPr>
         <p:txBody>
-          <a:bodyPr lIns="0" rIns="0" tIns="0" bIns="0" anchor="ctr">
+          <a:bodyPr lIns="0" tIns="0" rIns="0" bIns="0" anchor="ctr">
             <a:noAutofit/>
           </a:bodyPr>
-          <a:p>
-            <a:endParaRPr b="0" lang="en-US" sz="1800" spc="-1" strike="noStrike">
+          <a:lstStyle/>
+          <a:p>
+            <a:endParaRPr lang="en-US" sz="1800" b="0" strike="noStrike" spc="-1">
               <a:solidFill>
                 <a:srgbClr val="000000"/>
               </a:solidFill>
@@ -830,9 +1023,10 @@
           </a:ln>
         </p:spPr>
         <p:txBody>
-          <a:bodyPr lIns="0" rIns="0" tIns="0" bIns="0" anchor="t">
+          <a:bodyPr lIns="0" tIns="0" rIns="0" bIns="0" anchor="t">
             <a:normAutofit/>
           </a:bodyPr>
+          <a:lstStyle/>
           <a:p>
             <a:pPr>
               <a:lnSpc>
@@ -843,7 +1037,7 @@
               </a:spcBef>
               <a:buNone/>
             </a:pPr>
-            <a:endParaRPr b="0" lang="en-US" sz="2800" spc="-1" strike="noStrike">
+            <a:endParaRPr lang="en-US" sz="2800" b="0" strike="noStrike" spc="-1">
               <a:solidFill>
                 <a:srgbClr val="000000"/>
               </a:solidFill>
@@ -876,9 +1070,10 @@
           </a:ln>
         </p:spPr>
         <p:txBody>
-          <a:bodyPr lIns="0" rIns="0" tIns="0" bIns="0" anchor="t">
+          <a:bodyPr lIns="0" tIns="0" rIns="0" bIns="0" anchor="t">
             <a:normAutofit/>
           </a:bodyPr>
+          <a:lstStyle/>
           <a:p>
             <a:pPr>
               <a:lnSpc>
@@ -889,7 +1084,7 @@
               </a:spcBef>
               <a:buNone/>
             </a:pPr>
-            <a:endParaRPr b="0" lang="en-US" sz="2800" spc="-1" strike="noStrike">
+            <a:endParaRPr lang="en-US" sz="2800" b="0" strike="noStrike" spc="-1">
               <a:solidFill>
                 <a:srgbClr val="000000"/>
               </a:solidFill>
@@ -922,9 +1117,10 @@
           </a:ln>
         </p:spPr>
         <p:txBody>
-          <a:bodyPr lIns="0" rIns="0" tIns="0" bIns="0" anchor="t">
+          <a:bodyPr lIns="0" tIns="0" rIns="0" bIns="0" anchor="t">
             <a:normAutofit/>
           </a:bodyPr>
+          <a:lstStyle/>
           <a:p>
             <a:pPr>
               <a:lnSpc>
@@ -935,7 +1131,7 @@
               </a:spcBef>
               <a:buNone/>
             </a:pPr>
-            <a:endParaRPr b="0" lang="en-US" sz="2800" spc="-1" strike="noStrike">
+            <a:endParaRPr lang="en-US" sz="2800" b="0" strike="noStrike" spc="-1">
               <a:solidFill>
                 <a:srgbClr val="000000"/>
               </a:solidFill>
@@ -968,9 +1164,10 @@
           </a:ln>
         </p:spPr>
         <p:txBody>
-          <a:bodyPr lIns="0" rIns="0" tIns="0" bIns="0" anchor="t">
+          <a:bodyPr lIns="0" tIns="0" rIns="0" bIns="0" anchor="t">
             <a:normAutofit/>
           </a:bodyPr>
+          <a:lstStyle/>
           <a:p>
             <a:pPr>
               <a:lnSpc>
@@ -981,7 +1178,7 @@
               </a:spcBef>
               <a:buNone/>
             </a:pPr>
-            <a:endParaRPr b="0" lang="en-US" sz="2800" spc="-1" strike="noStrike">
+            <a:endParaRPr lang="en-US" sz="2800" b="0" strike="noStrike" spc="-1">
               <a:solidFill>
                 <a:srgbClr val="000000"/>
               </a:solidFill>
@@ -1003,6 +1200,7 @@
         <p:spPr/>
         <p:txBody>
           <a:bodyPr/>
+          <a:lstStyle/>
           <a:p>
             <a:r>
               <a:t>Footer</a:t>
@@ -1023,10 +1221,12 @@
         <p:spPr/>
         <p:txBody>
           <a:bodyPr/>
+          <a:lstStyle/>
           <a:p>
             <a:fld id="{A49ACBEA-8338-48C5-B75B-0978AAA6AE7C}" type="slidenum">
-              <a:t>&lt;#&gt;</a:t>
+              <a:t>‹#›</a:t>
             </a:fld>
+            <a:endParaRPr/>
           </a:p>
         </p:txBody>
       </p:sp>
@@ -1043,21 +1243,22 @@
         <p:spPr/>
         <p:txBody>
           <a:bodyPr/>
-          <a:p>
-            <a:r>
-              <a:rPr lang="en-US"/>
-              <a:t/>
-            </a:r>
+          <a:lstStyle/>
+          <a:p>
+            <a:endParaRPr/>
           </a:p>
         </p:txBody>
       </p:sp>
     </p:spTree>
   </p:cSld>
+  <p:clrMapOvr>
+    <a:masterClrMapping/>
+  </p:clrMapOvr>
 </p:sldLayout>
 </file>
 
 <file path=ppt/slideLayouts/slideLayout12.xml><?xml version="1.0" encoding="utf-8"?>
-<p:sldLayout xmlns:a="http://schemas.openxmlformats.org/drawingml/2006/main" xmlns:p="http://schemas.openxmlformats.org/presentationml/2006/main" xmlns:r="http://schemas.openxmlformats.org/officeDocument/2006/relationships" xmlns:p14="http://schemas.microsoft.com/office/powerpoint/2010/main" xmlns:p15="http://schemas.microsoft.com/office/powerpoint/2012/main" xmlns:mc="http://schemas.openxmlformats.org/markup-compatibility/2006" type="blank" preserve="1">
+<p:sldLayout xmlns:a="http://schemas.openxmlformats.org/drawingml/2006/main" xmlns:r="http://schemas.openxmlformats.org/officeDocument/2006/relationships" xmlns:p="http://schemas.openxmlformats.org/presentationml/2006/main" type="blank" preserve="1">
   <p:cSld name="Title, 6 Content">
     <p:spTree>
       <p:nvGrpSpPr>
@@ -1097,11 +1298,12 @@
           </a:ln>
         </p:spPr>
         <p:txBody>
-          <a:bodyPr lIns="0" rIns="0" tIns="0" bIns="0" anchor="ctr">
+          <a:bodyPr lIns="0" tIns="0" rIns="0" bIns="0" anchor="ctr">
             <a:noAutofit/>
           </a:bodyPr>
-          <a:p>
-            <a:endParaRPr b="0" lang="en-US" sz="1800" spc="-1" strike="noStrike">
+          <a:lstStyle/>
+          <a:p>
+            <a:endParaRPr lang="en-US" sz="1800" b="0" strike="noStrike" spc="-1">
               <a:solidFill>
                 <a:srgbClr val="000000"/>
               </a:solidFill>
@@ -1134,9 +1336,10 @@
           </a:ln>
         </p:spPr>
         <p:txBody>
-          <a:bodyPr lIns="0" rIns="0" tIns="0" bIns="0" anchor="t">
+          <a:bodyPr lIns="0" tIns="0" rIns="0" bIns="0" anchor="t">
             <a:normAutofit/>
           </a:bodyPr>
+          <a:lstStyle/>
           <a:p>
             <a:pPr>
               <a:lnSpc>
@@ -1147,7 +1350,7 @@
               </a:spcBef>
               <a:buNone/>
             </a:pPr>
-            <a:endParaRPr b="0" lang="en-US" sz="2800" spc="-1" strike="noStrike">
+            <a:endParaRPr lang="en-US" sz="2800" b="0" strike="noStrike" spc="-1">
               <a:solidFill>
                 <a:srgbClr val="000000"/>
               </a:solidFill>
@@ -1180,9 +1383,10 @@
           </a:ln>
         </p:spPr>
         <p:txBody>
-          <a:bodyPr lIns="0" rIns="0" tIns="0" bIns="0" anchor="t">
+          <a:bodyPr lIns="0" tIns="0" rIns="0" bIns="0" anchor="t">
             <a:normAutofit/>
           </a:bodyPr>
+          <a:lstStyle/>
           <a:p>
             <a:pPr>
               <a:lnSpc>
@@ -1193,7 +1397,7 @@
               </a:spcBef>
               <a:buNone/>
             </a:pPr>
-            <a:endParaRPr b="0" lang="en-US" sz="2800" spc="-1" strike="noStrike">
+            <a:endParaRPr lang="en-US" sz="2800" b="0" strike="noStrike" spc="-1">
               <a:solidFill>
                 <a:srgbClr val="000000"/>
               </a:solidFill>
@@ -1226,9 +1430,10 @@
           </a:ln>
         </p:spPr>
         <p:txBody>
-          <a:bodyPr lIns="0" rIns="0" tIns="0" bIns="0" anchor="t">
+          <a:bodyPr lIns="0" tIns="0" rIns="0" bIns="0" anchor="t">
             <a:normAutofit/>
           </a:bodyPr>
+          <a:lstStyle/>
           <a:p>
             <a:pPr>
               <a:lnSpc>
@@ -1239,7 +1444,7 @@
               </a:spcBef>
               <a:buNone/>
             </a:pPr>
-            <a:endParaRPr b="0" lang="en-US" sz="2800" spc="-1" strike="noStrike">
+            <a:endParaRPr lang="en-US" sz="2800" b="0" strike="noStrike" spc="-1">
               <a:solidFill>
                 <a:srgbClr val="000000"/>
               </a:solidFill>
@@ -1272,9 +1477,10 @@
           </a:ln>
         </p:spPr>
         <p:txBody>
-          <a:bodyPr lIns="0" rIns="0" tIns="0" bIns="0" anchor="t">
+          <a:bodyPr lIns="0" tIns="0" rIns="0" bIns="0" anchor="t">
             <a:normAutofit/>
           </a:bodyPr>
+          <a:lstStyle/>
           <a:p>
             <a:pPr>
               <a:lnSpc>
@@ -1285,7 +1491,7 @@
               </a:spcBef>
               <a:buNone/>
             </a:pPr>
-            <a:endParaRPr b="0" lang="en-US" sz="2800" spc="-1" strike="noStrike">
+            <a:endParaRPr lang="en-US" sz="2800" b="0" strike="noStrike" spc="-1">
               <a:solidFill>
                 <a:srgbClr val="000000"/>
               </a:solidFill>
@@ -1318,9 +1524,10 @@
           </a:ln>
         </p:spPr>
         <p:txBody>
-          <a:bodyPr lIns="0" rIns="0" tIns="0" bIns="0" anchor="t">
+          <a:bodyPr lIns="0" tIns="0" rIns="0" bIns="0" anchor="t">
             <a:normAutofit/>
           </a:bodyPr>
+          <a:lstStyle/>
           <a:p>
             <a:pPr>
               <a:lnSpc>
@@ -1331,7 +1538,7 @@
               </a:spcBef>
               <a:buNone/>
             </a:pPr>
-            <a:endParaRPr b="0" lang="en-US" sz="2800" spc="-1" strike="noStrike">
+            <a:endParaRPr lang="en-US" sz="2800" b="0" strike="noStrike" spc="-1">
               <a:solidFill>
                 <a:srgbClr val="000000"/>
               </a:solidFill>
@@ -1364,9 +1571,10 @@
           </a:ln>
         </p:spPr>
         <p:txBody>
-          <a:bodyPr lIns="0" rIns="0" tIns="0" bIns="0" anchor="t">
+          <a:bodyPr lIns="0" tIns="0" rIns="0" bIns="0" anchor="t">
             <a:normAutofit/>
           </a:bodyPr>
+          <a:lstStyle/>
           <a:p>
             <a:pPr>
               <a:lnSpc>
@@ -1377,7 +1585,7 @@
               </a:spcBef>
               <a:buNone/>
             </a:pPr>
-            <a:endParaRPr b="0" lang="en-US" sz="2800" spc="-1" strike="noStrike">
+            <a:endParaRPr lang="en-US" sz="2800" b="0" strike="noStrike" spc="-1">
               <a:solidFill>
                 <a:srgbClr val="000000"/>
               </a:solidFill>
@@ -1399,6 +1607,7 @@
         <p:spPr/>
         <p:txBody>
           <a:bodyPr/>
+          <a:lstStyle/>
           <a:p>
             <a:r>
               <a:t>Footer</a:t>
@@ -1419,10 +1628,12 @@
         <p:spPr/>
         <p:txBody>
           <a:bodyPr/>
+          <a:lstStyle/>
           <a:p>
             <a:fld id="{798B288A-882A-424C-886B-2561BF7B5CBA}" type="slidenum">
-              <a:t>&lt;#&gt;</a:t>
+              <a:t>‹#›</a:t>
             </a:fld>
+            <a:endParaRPr/>
           </a:p>
         </p:txBody>
       </p:sp>
@@ -1439,21 +1650,22 @@
         <p:spPr/>
         <p:txBody>
           <a:bodyPr/>
-          <a:p>
-            <a:r>
-              <a:rPr lang="en-US"/>
-              <a:t/>
-            </a:r>
+          <a:lstStyle/>
+          <a:p>
+            <a:endParaRPr/>
           </a:p>
         </p:txBody>
       </p:sp>
     </p:spTree>
   </p:cSld>
+  <p:clrMapOvr>
+    <a:masterClrMapping/>
+  </p:clrMapOvr>
 </p:sldLayout>
 </file>
 
 <file path=ppt/slideLayouts/slideLayout13.xml><?xml version="1.0" encoding="utf-8"?>
-<p:sldLayout xmlns:a="http://schemas.openxmlformats.org/drawingml/2006/main" xmlns:p="http://schemas.openxmlformats.org/presentationml/2006/main" xmlns:r="http://schemas.openxmlformats.org/officeDocument/2006/relationships" xmlns:p14="http://schemas.microsoft.com/office/powerpoint/2010/main" xmlns:p15="http://schemas.microsoft.com/office/powerpoint/2012/main" xmlns:mc="http://schemas.openxmlformats.org/markup-compatibility/2006" type="blank" preserve="1">
+<p:sldLayout xmlns:a="http://schemas.openxmlformats.org/drawingml/2006/main" xmlns:r="http://schemas.openxmlformats.org/officeDocument/2006/relationships" xmlns:p="http://schemas.openxmlformats.org/presentationml/2006/main" type="blank" preserve="1">
   <p:cSld name="Blank Slide">
     <p:spTree>
       <p:nvGrpSpPr>
@@ -1482,6 +1694,7 @@
         <p:spPr/>
         <p:txBody>
           <a:bodyPr/>
+          <a:lstStyle/>
           <a:p>
             <a:r>
               <a:t>Footer</a:t>
@@ -1502,10 +1715,12 @@
         <p:spPr/>
         <p:txBody>
           <a:bodyPr/>
+          <a:lstStyle/>
           <a:p>
             <a:fld id="{17BC6876-249F-48CD-86C1-CFBA1CEC684C}" type="slidenum">
-              <a:t>&lt;#&gt;</a:t>
+              <a:t>‹#›</a:t>
             </a:fld>
+            <a:endParaRPr/>
           </a:p>
         </p:txBody>
       </p:sp>
@@ -1522,21 +1737,22 @@
         <p:spPr/>
         <p:txBody>
           <a:bodyPr/>
-          <a:p>
-            <a:r>
-              <a:rPr lang="en-US"/>
-              <a:t/>
-            </a:r>
+          <a:lstStyle/>
+          <a:p>
+            <a:endParaRPr/>
           </a:p>
         </p:txBody>
       </p:sp>
     </p:spTree>
   </p:cSld>
+  <p:clrMapOvr>
+    <a:masterClrMapping/>
+  </p:clrMapOvr>
 </p:sldLayout>
 </file>
 
 <file path=ppt/slideLayouts/slideLayout14.xml><?xml version="1.0" encoding="utf-8"?>
-<p:sldLayout xmlns:a="http://schemas.openxmlformats.org/drawingml/2006/main" xmlns:p="http://schemas.openxmlformats.org/presentationml/2006/main" xmlns:r="http://schemas.openxmlformats.org/officeDocument/2006/relationships" xmlns:p14="http://schemas.microsoft.com/office/powerpoint/2010/main" xmlns:p15="http://schemas.microsoft.com/office/powerpoint/2012/main" xmlns:mc="http://schemas.openxmlformats.org/markup-compatibility/2006" type="tx" preserve="1">
+<p:sldLayout xmlns:a="http://schemas.openxmlformats.org/drawingml/2006/main" xmlns:r="http://schemas.openxmlformats.org/officeDocument/2006/relationships" xmlns:p="http://schemas.openxmlformats.org/presentationml/2006/main" type="tx" preserve="1">
   <p:cSld name="Title Slide">
     <p:spTree>
       <p:nvGrpSpPr>
@@ -1576,11 +1792,12 @@
           </a:ln>
         </p:spPr>
         <p:txBody>
-          <a:bodyPr lIns="0" rIns="0" tIns="0" bIns="0" anchor="ctr">
+          <a:bodyPr lIns="0" tIns="0" rIns="0" bIns="0" anchor="ctr">
             <a:noAutofit/>
           </a:bodyPr>
-          <a:p>
-            <a:endParaRPr b="0" lang="en-US" sz="1800" spc="-1" strike="noStrike">
+          <a:lstStyle/>
+          <a:p>
+            <a:endParaRPr lang="en-US" sz="1800" b="0" strike="noStrike" spc="-1">
               <a:solidFill>
                 <a:srgbClr val="000000"/>
               </a:solidFill>
@@ -1613,14 +1830,15 @@
           </a:ln>
         </p:spPr>
         <p:txBody>
-          <a:bodyPr lIns="0" rIns="0" tIns="0" bIns="0" anchor="ctr">
+          <a:bodyPr lIns="0" tIns="0" rIns="0" bIns="0" anchor="ctr">
             <a:noAutofit/>
           </a:bodyPr>
+          <a:lstStyle/>
           <a:p>
             <a:pPr algn="ctr">
               <a:buNone/>
             </a:pPr>
-            <a:endParaRPr b="0" lang="en-US" sz="3200" spc="-1" strike="noStrike">
+            <a:endParaRPr lang="en-US" sz="3200" b="0" strike="noStrike" spc="-1">
               <a:latin typeface="Arial"/>
             </a:endParaRPr>
           </a:p>
@@ -1639,6 +1857,7 @@
         <p:spPr/>
         <p:txBody>
           <a:bodyPr/>
+          <a:lstStyle/>
           <a:p>
             <a:r>
               <a:t>Footer</a:t>
@@ -1659,10 +1878,12 @@
         <p:spPr/>
         <p:txBody>
           <a:bodyPr/>
+          <a:lstStyle/>
           <a:p>
             <a:fld id="{21AC85A0-A24A-4C97-8A49-26B25325DEE8}" type="slidenum">
-              <a:t>&lt;#&gt;</a:t>
+              <a:t>‹#›</a:t>
             </a:fld>
+            <a:endParaRPr/>
           </a:p>
         </p:txBody>
       </p:sp>
@@ -1679,21 +1900,22 @@
         <p:spPr/>
         <p:txBody>
           <a:bodyPr/>
-          <a:p>
-            <a:r>
-              <a:rPr lang="en-US"/>
-              <a:t/>
-            </a:r>
+          <a:lstStyle/>
+          <a:p>
+            <a:endParaRPr/>
           </a:p>
         </p:txBody>
       </p:sp>
     </p:spTree>
   </p:cSld>
+  <p:clrMapOvr>
+    <a:masterClrMapping/>
+  </p:clrMapOvr>
 </p:sldLayout>
 </file>
 
 <file path=ppt/slideLayouts/slideLayout15.xml><?xml version="1.0" encoding="utf-8"?>
-<p:sldLayout xmlns:a="http://schemas.openxmlformats.org/drawingml/2006/main" xmlns:p="http://schemas.openxmlformats.org/presentationml/2006/main" xmlns:r="http://schemas.openxmlformats.org/officeDocument/2006/relationships" xmlns:p14="http://schemas.microsoft.com/office/powerpoint/2010/main" xmlns:p15="http://schemas.microsoft.com/office/powerpoint/2012/main" xmlns:mc="http://schemas.openxmlformats.org/markup-compatibility/2006" type="obj" preserve="1">
+<p:sldLayout xmlns:a="http://schemas.openxmlformats.org/drawingml/2006/main" xmlns:r="http://schemas.openxmlformats.org/officeDocument/2006/relationships" xmlns:p="http://schemas.openxmlformats.org/presentationml/2006/main" type="obj" preserve="1">
   <p:cSld name="Title, Content">
     <p:spTree>
       <p:nvGrpSpPr>
@@ -1733,11 +1955,12 @@
           </a:ln>
         </p:spPr>
         <p:txBody>
-          <a:bodyPr lIns="0" rIns="0" tIns="0" bIns="0" anchor="ctr">
+          <a:bodyPr lIns="0" tIns="0" rIns="0" bIns="0" anchor="ctr">
             <a:noAutofit/>
           </a:bodyPr>
-          <a:p>
-            <a:endParaRPr b="0" lang="en-US" sz="1800" spc="-1" strike="noStrike">
+          <a:lstStyle/>
+          <a:p>
+            <a:endParaRPr lang="en-US" sz="1800" b="0" strike="noStrike" spc="-1">
               <a:solidFill>
                 <a:srgbClr val="000000"/>
               </a:solidFill>
@@ -1770,9 +1993,10 @@
           </a:ln>
         </p:spPr>
         <p:txBody>
-          <a:bodyPr lIns="0" rIns="0" tIns="0" bIns="0" anchor="t">
+          <a:bodyPr lIns="0" tIns="0" rIns="0" bIns="0" anchor="t">
             <a:normAutofit/>
           </a:bodyPr>
+          <a:lstStyle/>
           <a:p>
             <a:pPr>
               <a:lnSpc>
@@ -1783,7 +2007,7 @@
               </a:spcBef>
               <a:buNone/>
             </a:pPr>
-            <a:endParaRPr b="0" lang="en-US" sz="2800" spc="-1" strike="noStrike">
+            <a:endParaRPr lang="en-US" sz="2800" b="0" strike="noStrike" spc="-1">
               <a:solidFill>
                 <a:srgbClr val="000000"/>
               </a:solidFill>
@@ -1805,6 +2029,7 @@
         <p:spPr/>
         <p:txBody>
           <a:bodyPr/>
+          <a:lstStyle/>
           <a:p>
             <a:r>
               <a:t>Footer</a:t>
@@ -1825,10 +2050,12 @@
         <p:spPr/>
         <p:txBody>
           <a:bodyPr/>
+          <a:lstStyle/>
           <a:p>
             <a:fld id="{DDC400F7-577E-4CC5-AA73-A8885338E246}" type="slidenum">
-              <a:t>&lt;#&gt;</a:t>
+              <a:t>‹#›</a:t>
             </a:fld>
+            <a:endParaRPr/>
           </a:p>
         </p:txBody>
       </p:sp>
@@ -1845,21 +2072,22 @@
         <p:spPr/>
         <p:txBody>
           <a:bodyPr/>
-          <a:p>
-            <a:r>
-              <a:rPr lang="en-US"/>
-              <a:t/>
-            </a:r>
+          <a:lstStyle/>
+          <a:p>
+            <a:endParaRPr/>
           </a:p>
         </p:txBody>
       </p:sp>
     </p:spTree>
   </p:cSld>
+  <p:clrMapOvr>
+    <a:masterClrMapping/>
+  </p:clrMapOvr>
 </p:sldLayout>
 </file>
 
 <file path=ppt/slideLayouts/slideLayout16.xml><?xml version="1.0" encoding="utf-8"?>
-<p:sldLayout xmlns:a="http://schemas.openxmlformats.org/drawingml/2006/main" xmlns:p="http://schemas.openxmlformats.org/presentationml/2006/main" xmlns:r="http://schemas.openxmlformats.org/officeDocument/2006/relationships" xmlns:p14="http://schemas.microsoft.com/office/powerpoint/2010/main" xmlns:p15="http://schemas.microsoft.com/office/powerpoint/2012/main" xmlns:mc="http://schemas.openxmlformats.org/markup-compatibility/2006" type="twoObj" preserve="1">
+<p:sldLayout xmlns:a="http://schemas.openxmlformats.org/drawingml/2006/main" xmlns:r="http://schemas.openxmlformats.org/officeDocument/2006/relationships" xmlns:p="http://schemas.openxmlformats.org/presentationml/2006/main" type="twoObj" preserve="1">
   <p:cSld name="Title, 2 Content">
     <p:spTree>
       <p:nvGrpSpPr>
@@ -1899,11 +2127,12 @@
           </a:ln>
         </p:spPr>
         <p:txBody>
-          <a:bodyPr lIns="0" rIns="0" tIns="0" bIns="0" anchor="ctr">
+          <a:bodyPr lIns="0" tIns="0" rIns="0" bIns="0" anchor="ctr">
             <a:noAutofit/>
           </a:bodyPr>
-          <a:p>
-            <a:endParaRPr b="0" lang="en-US" sz="1800" spc="-1" strike="noStrike">
+          <a:lstStyle/>
+          <a:p>
+            <a:endParaRPr lang="en-US" sz="1800" b="0" strike="noStrike" spc="-1">
               <a:solidFill>
                 <a:srgbClr val="000000"/>
               </a:solidFill>
@@ -1936,9 +2165,10 @@
           </a:ln>
         </p:spPr>
         <p:txBody>
-          <a:bodyPr lIns="0" rIns="0" tIns="0" bIns="0" anchor="t">
+          <a:bodyPr lIns="0" tIns="0" rIns="0" bIns="0" anchor="t">
             <a:normAutofit/>
           </a:bodyPr>
+          <a:lstStyle/>
           <a:p>
             <a:pPr>
               <a:lnSpc>
@@ -1949,7 +2179,7 @@
               </a:spcBef>
               <a:buNone/>
             </a:pPr>
-            <a:endParaRPr b="0" lang="en-US" sz="2800" spc="-1" strike="noStrike">
+            <a:endParaRPr lang="en-US" sz="2800" b="0" strike="noStrike" spc="-1">
               <a:solidFill>
                 <a:srgbClr val="000000"/>
               </a:solidFill>
@@ -1982,9 +2212,10 @@
           </a:ln>
         </p:spPr>
         <p:txBody>
-          <a:bodyPr lIns="0" rIns="0" tIns="0" bIns="0" anchor="t">
+          <a:bodyPr lIns="0" tIns="0" rIns="0" bIns="0" anchor="t">
             <a:normAutofit/>
           </a:bodyPr>
+          <a:lstStyle/>
           <a:p>
             <a:pPr>
               <a:lnSpc>
@@ -1995,7 +2226,7 @@
               </a:spcBef>
               <a:buNone/>
             </a:pPr>
-            <a:endParaRPr b="0" lang="en-US" sz="2800" spc="-1" strike="noStrike">
+            <a:endParaRPr lang="en-US" sz="2800" b="0" strike="noStrike" spc="-1">
               <a:solidFill>
                 <a:srgbClr val="000000"/>
               </a:solidFill>
@@ -2017,6 +2248,7 @@
         <p:spPr/>
         <p:txBody>
           <a:bodyPr/>
+          <a:lstStyle/>
           <a:p>
             <a:r>
               <a:t>Footer</a:t>
@@ -2037,10 +2269,12 @@
         <p:spPr/>
         <p:txBody>
           <a:bodyPr/>
+          <a:lstStyle/>
           <a:p>
             <a:fld id="{D9E4DCAB-CE89-4938-85D6-4964F8A97569}" type="slidenum">
-              <a:t>&lt;#&gt;</a:t>
+              <a:t>‹#›</a:t>
             </a:fld>
+            <a:endParaRPr/>
           </a:p>
         </p:txBody>
       </p:sp>
@@ -2057,21 +2291,22 @@
         <p:spPr/>
         <p:txBody>
           <a:bodyPr/>
-          <a:p>
-            <a:r>
-              <a:rPr lang="en-US"/>
-              <a:t/>
-            </a:r>
+          <a:lstStyle/>
+          <a:p>
+            <a:endParaRPr/>
           </a:p>
         </p:txBody>
       </p:sp>
     </p:spTree>
   </p:cSld>
+  <p:clrMapOvr>
+    <a:masterClrMapping/>
+  </p:clrMapOvr>
 </p:sldLayout>
 </file>
 
 <file path=ppt/slideLayouts/slideLayout17.xml><?xml version="1.0" encoding="utf-8"?>
-<p:sldLayout xmlns:a="http://schemas.openxmlformats.org/drawingml/2006/main" xmlns:p="http://schemas.openxmlformats.org/presentationml/2006/main" xmlns:r="http://schemas.openxmlformats.org/officeDocument/2006/relationships" xmlns:p14="http://schemas.microsoft.com/office/powerpoint/2010/main" xmlns:p15="http://schemas.microsoft.com/office/powerpoint/2012/main" xmlns:mc="http://schemas.openxmlformats.org/markup-compatibility/2006" type="titleOnly" preserve="1">
+<p:sldLayout xmlns:a="http://schemas.openxmlformats.org/drawingml/2006/main" xmlns:r="http://schemas.openxmlformats.org/officeDocument/2006/relationships" xmlns:p="http://schemas.openxmlformats.org/presentationml/2006/main" type="titleOnly" preserve="1">
   <p:cSld name="Title Only">
     <p:spTree>
       <p:nvGrpSpPr>
@@ -2111,11 +2346,12 @@
           </a:ln>
         </p:spPr>
         <p:txBody>
-          <a:bodyPr lIns="0" rIns="0" tIns="0" bIns="0" anchor="ctr">
+          <a:bodyPr lIns="0" tIns="0" rIns="0" bIns="0" anchor="ctr">
             <a:noAutofit/>
           </a:bodyPr>
-          <a:p>
-            <a:endParaRPr b="0" lang="en-US" sz="1800" spc="-1" strike="noStrike">
+          <a:lstStyle/>
+          <a:p>
+            <a:endParaRPr lang="en-US" sz="1800" b="0" strike="noStrike" spc="-1">
               <a:solidFill>
                 <a:srgbClr val="000000"/>
               </a:solidFill>
@@ -2137,6 +2373,7 @@
         <p:spPr/>
         <p:txBody>
           <a:bodyPr/>
+          <a:lstStyle/>
           <a:p>
             <a:r>
               <a:t>Footer</a:t>
@@ -2157,10 +2394,12 @@
         <p:spPr/>
         <p:txBody>
           <a:bodyPr/>
+          <a:lstStyle/>
           <a:p>
             <a:fld id="{43A76FBA-90FB-410D-AD69-1E958F7E5992}" type="slidenum">
-              <a:t>&lt;#&gt;</a:t>
+              <a:t>‹#›</a:t>
             </a:fld>
+            <a:endParaRPr/>
           </a:p>
         </p:txBody>
       </p:sp>
@@ -2177,21 +2416,22 @@
         <p:spPr/>
         <p:txBody>
           <a:bodyPr/>
-          <a:p>
-            <a:r>
-              <a:rPr lang="en-US"/>
-              <a:t/>
-            </a:r>
+          <a:lstStyle/>
+          <a:p>
+            <a:endParaRPr/>
           </a:p>
         </p:txBody>
       </p:sp>
     </p:spTree>
   </p:cSld>
+  <p:clrMapOvr>
+    <a:masterClrMapping/>
+  </p:clrMapOvr>
 </p:sldLayout>
 </file>
 
 <file path=ppt/slideLayouts/slideLayout18.xml><?xml version="1.0" encoding="utf-8"?>
-<p:sldLayout xmlns:a="http://schemas.openxmlformats.org/drawingml/2006/main" xmlns:p="http://schemas.openxmlformats.org/presentationml/2006/main" xmlns:r="http://schemas.openxmlformats.org/officeDocument/2006/relationships" xmlns:p14="http://schemas.microsoft.com/office/powerpoint/2010/main" xmlns:p15="http://schemas.microsoft.com/office/powerpoint/2012/main" xmlns:mc="http://schemas.openxmlformats.org/markup-compatibility/2006" type="objOnly" preserve="1">
+<p:sldLayout xmlns:a="http://schemas.openxmlformats.org/drawingml/2006/main" xmlns:r="http://schemas.openxmlformats.org/officeDocument/2006/relationships" xmlns:p="http://schemas.openxmlformats.org/presentationml/2006/main" type="objOnly" preserve="1">
   <p:cSld name="Centered Text">
     <p:spTree>
       <p:nvGrpSpPr>
@@ -2231,14 +2471,15 @@
           </a:ln>
         </p:spPr>
         <p:txBody>
-          <a:bodyPr lIns="0" rIns="0" tIns="0" bIns="0" anchor="ctr">
+          <a:bodyPr lIns="0" tIns="0" rIns="0" bIns="0" anchor="ctr">
             <a:noAutofit/>
           </a:bodyPr>
+          <a:lstStyle/>
           <a:p>
             <a:pPr algn="ctr">
               <a:buNone/>
             </a:pPr>
-            <a:endParaRPr b="0" lang="en-US" sz="3200" spc="-1" strike="noStrike">
+            <a:endParaRPr lang="en-US" sz="3200" b="0" strike="noStrike" spc="-1">
               <a:latin typeface="Arial"/>
             </a:endParaRPr>
           </a:p>
@@ -2257,6 +2498,7 @@
         <p:spPr/>
         <p:txBody>
           <a:bodyPr/>
+          <a:lstStyle/>
           <a:p>
             <a:r>
               <a:t>Footer</a:t>
@@ -2277,10 +2519,12 @@
         <p:spPr/>
         <p:txBody>
           <a:bodyPr/>
+          <a:lstStyle/>
           <a:p>
             <a:fld id="{6A8FB1AA-417E-4C31-9AF0-A25AE632E56E}" type="slidenum">
-              <a:t>&lt;#&gt;</a:t>
+              <a:t>‹#›</a:t>
             </a:fld>
+            <a:endParaRPr/>
           </a:p>
         </p:txBody>
       </p:sp>
@@ -2297,21 +2541,22 @@
         <p:spPr/>
         <p:txBody>
           <a:bodyPr/>
-          <a:p>
-            <a:r>
-              <a:rPr lang="en-US"/>
-              <a:t/>
-            </a:r>
+          <a:lstStyle/>
+          <a:p>
+            <a:endParaRPr/>
           </a:p>
         </p:txBody>
       </p:sp>
     </p:spTree>
   </p:cSld>
+  <p:clrMapOvr>
+    <a:masterClrMapping/>
+  </p:clrMapOvr>
 </p:sldLayout>
 </file>
 
 <file path=ppt/slideLayouts/slideLayout19.xml><?xml version="1.0" encoding="utf-8"?>
-<p:sldLayout xmlns:a="http://schemas.openxmlformats.org/drawingml/2006/main" xmlns:p="http://schemas.openxmlformats.org/presentationml/2006/main" xmlns:r="http://schemas.openxmlformats.org/officeDocument/2006/relationships" xmlns:p14="http://schemas.microsoft.com/office/powerpoint/2010/main" xmlns:p15="http://schemas.microsoft.com/office/powerpoint/2012/main" xmlns:mc="http://schemas.openxmlformats.org/markup-compatibility/2006" type="twoObjAndObj" preserve="1">
+<p:sldLayout xmlns:a="http://schemas.openxmlformats.org/drawingml/2006/main" xmlns:r="http://schemas.openxmlformats.org/officeDocument/2006/relationships" xmlns:p="http://schemas.openxmlformats.org/presentationml/2006/main" type="twoObjAndObj" preserve="1">
   <p:cSld name="Title, 2 Content and Content">
     <p:spTree>
       <p:nvGrpSpPr>
@@ -2351,11 +2596,12 @@
           </a:ln>
         </p:spPr>
         <p:txBody>
-          <a:bodyPr lIns="0" rIns="0" tIns="0" bIns="0" anchor="ctr">
+          <a:bodyPr lIns="0" tIns="0" rIns="0" bIns="0" anchor="ctr">
             <a:noAutofit/>
           </a:bodyPr>
-          <a:p>
-            <a:endParaRPr b="0" lang="en-US" sz="1800" spc="-1" strike="noStrike">
+          <a:lstStyle/>
+          <a:p>
+            <a:endParaRPr lang="en-US" sz="1800" b="0" strike="noStrike" spc="-1">
               <a:solidFill>
                 <a:srgbClr val="000000"/>
               </a:solidFill>
@@ -2388,9 +2634,10 @@
           </a:ln>
         </p:spPr>
         <p:txBody>
-          <a:bodyPr lIns="0" rIns="0" tIns="0" bIns="0" anchor="t">
+          <a:bodyPr lIns="0" tIns="0" rIns="0" bIns="0" anchor="t">
             <a:normAutofit/>
           </a:bodyPr>
+          <a:lstStyle/>
           <a:p>
             <a:pPr>
               <a:lnSpc>
@@ -2401,7 +2648,7 @@
               </a:spcBef>
               <a:buNone/>
             </a:pPr>
-            <a:endParaRPr b="0" lang="en-US" sz="2800" spc="-1" strike="noStrike">
+            <a:endParaRPr lang="en-US" sz="2800" b="0" strike="noStrike" spc="-1">
               <a:solidFill>
                 <a:srgbClr val="000000"/>
               </a:solidFill>
@@ -2434,9 +2681,10 @@
           </a:ln>
         </p:spPr>
         <p:txBody>
-          <a:bodyPr lIns="0" rIns="0" tIns="0" bIns="0" anchor="t">
+          <a:bodyPr lIns="0" tIns="0" rIns="0" bIns="0" anchor="t">
             <a:normAutofit/>
           </a:bodyPr>
+          <a:lstStyle/>
           <a:p>
             <a:pPr>
               <a:lnSpc>
@@ -2447,7 +2695,7 @@
               </a:spcBef>
               <a:buNone/>
             </a:pPr>
-            <a:endParaRPr b="0" lang="en-US" sz="2800" spc="-1" strike="noStrike">
+            <a:endParaRPr lang="en-US" sz="2800" b="0" strike="noStrike" spc="-1">
               <a:solidFill>
                 <a:srgbClr val="000000"/>
               </a:solidFill>
@@ -2480,9 +2728,10 @@
           </a:ln>
         </p:spPr>
         <p:txBody>
-          <a:bodyPr lIns="0" rIns="0" tIns="0" bIns="0" anchor="t">
+          <a:bodyPr lIns="0" tIns="0" rIns="0" bIns="0" anchor="t">
             <a:normAutofit/>
           </a:bodyPr>
+          <a:lstStyle/>
           <a:p>
             <a:pPr>
               <a:lnSpc>
@@ -2493,7 +2742,7 @@
               </a:spcBef>
               <a:buNone/>
             </a:pPr>
-            <a:endParaRPr b="0" lang="en-US" sz="2800" spc="-1" strike="noStrike">
+            <a:endParaRPr lang="en-US" sz="2800" b="0" strike="noStrike" spc="-1">
               <a:solidFill>
                 <a:srgbClr val="000000"/>
               </a:solidFill>
@@ -2515,6 +2764,7 @@
         <p:spPr/>
         <p:txBody>
           <a:bodyPr/>
+          <a:lstStyle/>
           <a:p>
             <a:r>
               <a:t>Footer</a:t>
@@ -2535,10 +2785,12 @@
         <p:spPr/>
         <p:txBody>
           <a:bodyPr/>
+          <a:lstStyle/>
           <a:p>
             <a:fld id="{FF8A6352-988B-4F77-9A44-4404F5E597D0}" type="slidenum">
-              <a:t>&lt;#&gt;</a:t>
+              <a:t>‹#›</a:t>
             </a:fld>
+            <a:endParaRPr/>
           </a:p>
         </p:txBody>
       </p:sp>
@@ -2555,21 +2807,22 @@
         <p:spPr/>
         <p:txBody>
           <a:bodyPr/>
-          <a:p>
-            <a:r>
-              <a:rPr lang="en-US"/>
-              <a:t/>
-            </a:r>
+          <a:lstStyle/>
+          <a:p>
+            <a:endParaRPr/>
           </a:p>
         </p:txBody>
       </p:sp>
     </p:spTree>
   </p:cSld>
+  <p:clrMapOvr>
+    <a:masterClrMapping/>
+  </p:clrMapOvr>
 </p:sldLayout>
 </file>
 
 <file path=ppt/slideLayouts/slideLayout2.xml><?xml version="1.0" encoding="utf-8"?>
-<p:sldLayout xmlns:a="http://schemas.openxmlformats.org/drawingml/2006/main" xmlns:p="http://schemas.openxmlformats.org/presentationml/2006/main" xmlns:r="http://schemas.openxmlformats.org/officeDocument/2006/relationships" xmlns:p14="http://schemas.microsoft.com/office/powerpoint/2010/main" xmlns:p15="http://schemas.microsoft.com/office/powerpoint/2012/main" xmlns:mc="http://schemas.openxmlformats.org/markup-compatibility/2006" type="tx" preserve="1">
+<p:sldLayout xmlns:a="http://schemas.openxmlformats.org/drawingml/2006/main" xmlns:r="http://schemas.openxmlformats.org/officeDocument/2006/relationships" xmlns:p="http://schemas.openxmlformats.org/presentationml/2006/main" type="tx" preserve="1">
   <p:cSld name="Title Slide">
     <p:spTree>
       <p:nvGrpSpPr>
@@ -2609,11 +2862,12 @@
           </a:ln>
         </p:spPr>
         <p:txBody>
-          <a:bodyPr lIns="0" rIns="0" tIns="0" bIns="0" anchor="ctr">
+          <a:bodyPr lIns="0" tIns="0" rIns="0" bIns="0" anchor="ctr">
             <a:noAutofit/>
           </a:bodyPr>
-          <a:p>
-            <a:endParaRPr b="0" lang="en-US" sz="1800" spc="-1" strike="noStrike">
+          <a:lstStyle/>
+          <a:p>
+            <a:endParaRPr lang="en-US" sz="1800" b="0" strike="noStrike" spc="-1">
               <a:solidFill>
                 <a:srgbClr val="000000"/>
               </a:solidFill>
@@ -2646,14 +2900,15 @@
           </a:ln>
         </p:spPr>
         <p:txBody>
-          <a:bodyPr lIns="0" rIns="0" tIns="0" bIns="0" anchor="ctr">
+          <a:bodyPr lIns="0" tIns="0" rIns="0" bIns="0" anchor="ctr">
             <a:noAutofit/>
           </a:bodyPr>
+          <a:lstStyle/>
           <a:p>
             <a:pPr algn="ctr">
               <a:buNone/>
             </a:pPr>
-            <a:endParaRPr b="0" lang="en-US" sz="3200" spc="-1" strike="noStrike">
+            <a:endParaRPr lang="en-US" sz="3200" b="0" strike="noStrike" spc="-1">
               <a:latin typeface="Arial"/>
             </a:endParaRPr>
           </a:p>
@@ -2672,6 +2927,7 @@
         <p:spPr/>
         <p:txBody>
           <a:bodyPr/>
+          <a:lstStyle/>
           <a:p>
             <a:r>
               <a:t>Footer</a:t>
@@ -2681,7 +2937,7 @@
       </p:sp>
       <p:sp>
         <p:nvSpPr>
-          <p:cNvPr id="5" name="PlaceHolder 4"/>
+          <p:cNvPr id="2" name="PlaceHolder 4"/>
           <p:cNvSpPr>
             <a:spLocks noGrp="1"/>
           </p:cNvSpPr>
@@ -2692,16 +2948,18 @@
         <p:spPr/>
         <p:txBody>
           <a:bodyPr/>
+          <a:lstStyle/>
           <a:p>
             <a:fld id="{FAB505F4-3396-420B-99B5-16A4FEFCF635}" type="slidenum">
-              <a:t>&lt;#&gt;</a:t>
+              <a:t>‹#›</a:t>
             </a:fld>
-          </a:p>
-        </p:txBody>
-      </p:sp>
-      <p:sp>
-        <p:nvSpPr>
-          <p:cNvPr id="6" name="PlaceHolder 5"/>
+            <a:endParaRPr/>
+          </a:p>
+        </p:txBody>
+      </p:sp>
+      <p:sp>
+        <p:nvSpPr>
+          <p:cNvPr id="3" name="PlaceHolder 5"/>
           <p:cNvSpPr>
             <a:spLocks noGrp="1"/>
           </p:cNvSpPr>
@@ -2712,21 +2970,22 @@
         <p:spPr/>
         <p:txBody>
           <a:bodyPr/>
-          <a:p>
-            <a:r>
-              <a:rPr lang="en-US"/>
-              <a:t/>
-            </a:r>
+          <a:lstStyle/>
+          <a:p>
+            <a:endParaRPr/>
           </a:p>
         </p:txBody>
       </p:sp>
     </p:spTree>
   </p:cSld>
+  <p:clrMapOvr>
+    <a:masterClrMapping/>
+  </p:clrMapOvr>
 </p:sldLayout>
 </file>
 
 <file path=ppt/slideLayouts/slideLayout20.xml><?xml version="1.0" encoding="utf-8"?>
-<p:sldLayout xmlns:a="http://schemas.openxmlformats.org/drawingml/2006/main" xmlns:p="http://schemas.openxmlformats.org/presentationml/2006/main" xmlns:r="http://schemas.openxmlformats.org/officeDocument/2006/relationships" xmlns:p14="http://schemas.microsoft.com/office/powerpoint/2010/main" xmlns:p15="http://schemas.microsoft.com/office/powerpoint/2012/main" xmlns:mc="http://schemas.openxmlformats.org/markup-compatibility/2006" type="objAndTwoObj" preserve="1">
+<p:sldLayout xmlns:a="http://schemas.openxmlformats.org/drawingml/2006/main" xmlns:r="http://schemas.openxmlformats.org/officeDocument/2006/relationships" xmlns:p="http://schemas.openxmlformats.org/presentationml/2006/main" type="objAndTwoObj" preserve="1">
   <p:cSld name="Title Content and 2 Content">
     <p:spTree>
       <p:nvGrpSpPr>
@@ -2766,11 +3025,12 @@
           </a:ln>
         </p:spPr>
         <p:txBody>
-          <a:bodyPr lIns="0" rIns="0" tIns="0" bIns="0" anchor="ctr">
+          <a:bodyPr lIns="0" tIns="0" rIns="0" bIns="0" anchor="ctr">
             <a:noAutofit/>
           </a:bodyPr>
-          <a:p>
-            <a:endParaRPr b="0" lang="en-US" sz="1800" spc="-1" strike="noStrike">
+          <a:lstStyle/>
+          <a:p>
+            <a:endParaRPr lang="en-US" sz="1800" b="0" strike="noStrike" spc="-1">
               <a:solidFill>
                 <a:srgbClr val="000000"/>
               </a:solidFill>
@@ -2803,9 +3063,10 @@
           </a:ln>
         </p:spPr>
         <p:txBody>
-          <a:bodyPr lIns="0" rIns="0" tIns="0" bIns="0" anchor="t">
+          <a:bodyPr lIns="0" tIns="0" rIns="0" bIns="0" anchor="t">
             <a:normAutofit/>
           </a:bodyPr>
+          <a:lstStyle/>
           <a:p>
             <a:pPr>
               <a:lnSpc>
@@ -2816,7 +3077,7 @@
               </a:spcBef>
               <a:buNone/>
             </a:pPr>
-            <a:endParaRPr b="0" lang="en-US" sz="2800" spc="-1" strike="noStrike">
+            <a:endParaRPr lang="en-US" sz="2800" b="0" strike="noStrike" spc="-1">
               <a:solidFill>
                 <a:srgbClr val="000000"/>
               </a:solidFill>
@@ -2849,9 +3110,10 @@
           </a:ln>
         </p:spPr>
         <p:txBody>
-          <a:bodyPr lIns="0" rIns="0" tIns="0" bIns="0" anchor="t">
+          <a:bodyPr lIns="0" tIns="0" rIns="0" bIns="0" anchor="t">
             <a:normAutofit/>
           </a:bodyPr>
+          <a:lstStyle/>
           <a:p>
             <a:pPr>
               <a:lnSpc>
@@ -2862,7 +3124,7 @@
               </a:spcBef>
               <a:buNone/>
             </a:pPr>
-            <a:endParaRPr b="0" lang="en-US" sz="2800" spc="-1" strike="noStrike">
+            <a:endParaRPr lang="en-US" sz="2800" b="0" strike="noStrike" spc="-1">
               <a:solidFill>
                 <a:srgbClr val="000000"/>
               </a:solidFill>
@@ -2895,9 +3157,10 @@
           </a:ln>
         </p:spPr>
         <p:txBody>
-          <a:bodyPr lIns="0" rIns="0" tIns="0" bIns="0" anchor="t">
+          <a:bodyPr lIns="0" tIns="0" rIns="0" bIns="0" anchor="t">
             <a:normAutofit/>
           </a:bodyPr>
+          <a:lstStyle/>
           <a:p>
             <a:pPr>
               <a:lnSpc>
@@ -2908,7 +3171,7 @@
               </a:spcBef>
               <a:buNone/>
             </a:pPr>
-            <a:endParaRPr b="0" lang="en-US" sz="2800" spc="-1" strike="noStrike">
+            <a:endParaRPr lang="en-US" sz="2800" b="0" strike="noStrike" spc="-1">
               <a:solidFill>
                 <a:srgbClr val="000000"/>
               </a:solidFill>
@@ -2930,6 +3193,7 @@
         <p:spPr/>
         <p:txBody>
           <a:bodyPr/>
+          <a:lstStyle/>
           <a:p>
             <a:r>
               <a:t>Footer</a:t>
@@ -2950,10 +3214,12 @@
         <p:spPr/>
         <p:txBody>
           <a:bodyPr/>
+          <a:lstStyle/>
           <a:p>
             <a:fld id="{4283B078-F7B8-4E85-B2CE-4C3474C3C256}" type="slidenum">
-              <a:t>&lt;#&gt;</a:t>
+              <a:t>‹#›</a:t>
             </a:fld>
+            <a:endParaRPr/>
           </a:p>
         </p:txBody>
       </p:sp>
@@ -2970,21 +3236,22 @@
         <p:spPr/>
         <p:txBody>
           <a:bodyPr/>
-          <a:p>
-            <a:r>
-              <a:rPr lang="en-US"/>
-              <a:t/>
-            </a:r>
+          <a:lstStyle/>
+          <a:p>
+            <a:endParaRPr/>
           </a:p>
         </p:txBody>
       </p:sp>
     </p:spTree>
   </p:cSld>
+  <p:clrMapOvr>
+    <a:masterClrMapping/>
+  </p:clrMapOvr>
 </p:sldLayout>
 </file>
 
 <file path=ppt/slideLayouts/slideLayout21.xml><?xml version="1.0" encoding="utf-8"?>
-<p:sldLayout xmlns:a="http://schemas.openxmlformats.org/drawingml/2006/main" xmlns:p="http://schemas.openxmlformats.org/presentationml/2006/main" xmlns:r="http://schemas.openxmlformats.org/officeDocument/2006/relationships" xmlns:p14="http://schemas.microsoft.com/office/powerpoint/2010/main" xmlns:p15="http://schemas.microsoft.com/office/powerpoint/2012/main" xmlns:mc="http://schemas.openxmlformats.org/markup-compatibility/2006" type="twoObjOverTx" preserve="1">
+<p:sldLayout xmlns:a="http://schemas.openxmlformats.org/drawingml/2006/main" xmlns:r="http://schemas.openxmlformats.org/officeDocument/2006/relationships" xmlns:p="http://schemas.openxmlformats.org/presentationml/2006/main" type="twoObjOverTx" preserve="1">
   <p:cSld name="Title, 2 Content over Content">
     <p:spTree>
       <p:nvGrpSpPr>
@@ -3024,11 +3291,12 @@
           </a:ln>
         </p:spPr>
         <p:txBody>
-          <a:bodyPr lIns="0" rIns="0" tIns="0" bIns="0" anchor="ctr">
+          <a:bodyPr lIns="0" tIns="0" rIns="0" bIns="0" anchor="ctr">
             <a:noAutofit/>
           </a:bodyPr>
-          <a:p>
-            <a:endParaRPr b="0" lang="en-US" sz="1800" spc="-1" strike="noStrike">
+          <a:lstStyle/>
+          <a:p>
+            <a:endParaRPr lang="en-US" sz="1800" b="0" strike="noStrike" spc="-1">
               <a:solidFill>
                 <a:srgbClr val="000000"/>
               </a:solidFill>
@@ -3061,9 +3329,10 @@
           </a:ln>
         </p:spPr>
         <p:txBody>
-          <a:bodyPr lIns="0" rIns="0" tIns="0" bIns="0" anchor="t">
+          <a:bodyPr lIns="0" tIns="0" rIns="0" bIns="0" anchor="t">
             <a:normAutofit/>
           </a:bodyPr>
+          <a:lstStyle/>
           <a:p>
             <a:pPr>
               <a:lnSpc>
@@ -3074,7 +3343,7 @@
               </a:spcBef>
               <a:buNone/>
             </a:pPr>
-            <a:endParaRPr b="0" lang="en-US" sz="2800" spc="-1" strike="noStrike">
+            <a:endParaRPr lang="en-US" sz="2800" b="0" strike="noStrike" spc="-1">
               <a:solidFill>
                 <a:srgbClr val="000000"/>
               </a:solidFill>
@@ -3107,9 +3376,10 @@
           </a:ln>
         </p:spPr>
         <p:txBody>
-          <a:bodyPr lIns="0" rIns="0" tIns="0" bIns="0" anchor="t">
+          <a:bodyPr lIns="0" tIns="0" rIns="0" bIns="0" anchor="t">
             <a:normAutofit/>
           </a:bodyPr>
+          <a:lstStyle/>
           <a:p>
             <a:pPr>
               <a:lnSpc>
@@ -3120,7 +3390,7 @@
               </a:spcBef>
               <a:buNone/>
             </a:pPr>
-            <a:endParaRPr b="0" lang="en-US" sz="2800" spc="-1" strike="noStrike">
+            <a:endParaRPr lang="en-US" sz="2800" b="0" strike="noStrike" spc="-1">
               <a:solidFill>
                 <a:srgbClr val="000000"/>
               </a:solidFill>
@@ -3153,9 +3423,10 @@
           </a:ln>
         </p:spPr>
         <p:txBody>
-          <a:bodyPr lIns="0" rIns="0" tIns="0" bIns="0" anchor="t">
+          <a:bodyPr lIns="0" tIns="0" rIns="0" bIns="0" anchor="t">
             <a:normAutofit/>
           </a:bodyPr>
+          <a:lstStyle/>
           <a:p>
             <a:pPr>
               <a:lnSpc>
@@ -3166,7 +3437,7 @@
               </a:spcBef>
               <a:buNone/>
             </a:pPr>
-            <a:endParaRPr b="0" lang="en-US" sz="2800" spc="-1" strike="noStrike">
+            <a:endParaRPr lang="en-US" sz="2800" b="0" strike="noStrike" spc="-1">
               <a:solidFill>
                 <a:srgbClr val="000000"/>
               </a:solidFill>
@@ -3188,6 +3459,7 @@
         <p:spPr/>
         <p:txBody>
           <a:bodyPr/>
+          <a:lstStyle/>
           <a:p>
             <a:r>
               <a:t>Footer</a:t>
@@ -3208,10 +3480,12 @@
         <p:spPr/>
         <p:txBody>
           <a:bodyPr/>
+          <a:lstStyle/>
           <a:p>
             <a:fld id="{9D76EDC4-5596-40AA-8D38-A04F89793598}" type="slidenum">
-              <a:t>&lt;#&gt;</a:t>
+              <a:t>‹#›</a:t>
             </a:fld>
+            <a:endParaRPr/>
           </a:p>
         </p:txBody>
       </p:sp>
@@ -3228,21 +3502,22 @@
         <p:spPr/>
         <p:txBody>
           <a:bodyPr/>
-          <a:p>
-            <a:r>
-              <a:rPr lang="en-US"/>
-              <a:t/>
-            </a:r>
+          <a:lstStyle/>
+          <a:p>
+            <a:endParaRPr/>
           </a:p>
         </p:txBody>
       </p:sp>
     </p:spTree>
   </p:cSld>
+  <p:clrMapOvr>
+    <a:masterClrMapping/>
+  </p:clrMapOvr>
 </p:sldLayout>
 </file>
 
 <file path=ppt/slideLayouts/slideLayout22.xml><?xml version="1.0" encoding="utf-8"?>
-<p:sldLayout xmlns:a="http://schemas.openxmlformats.org/drawingml/2006/main" xmlns:p="http://schemas.openxmlformats.org/presentationml/2006/main" xmlns:r="http://schemas.openxmlformats.org/officeDocument/2006/relationships" xmlns:p14="http://schemas.microsoft.com/office/powerpoint/2010/main" xmlns:p15="http://schemas.microsoft.com/office/powerpoint/2012/main" xmlns:mc="http://schemas.openxmlformats.org/markup-compatibility/2006" type="objOverTx" preserve="1">
+<p:sldLayout xmlns:a="http://schemas.openxmlformats.org/drawingml/2006/main" xmlns:r="http://schemas.openxmlformats.org/officeDocument/2006/relationships" xmlns:p="http://schemas.openxmlformats.org/presentationml/2006/main" type="objOverTx" preserve="1">
   <p:cSld name="Title, Content over Content">
     <p:spTree>
       <p:nvGrpSpPr>
@@ -3282,11 +3557,12 @@
           </a:ln>
         </p:spPr>
         <p:txBody>
-          <a:bodyPr lIns="0" rIns="0" tIns="0" bIns="0" anchor="ctr">
+          <a:bodyPr lIns="0" tIns="0" rIns="0" bIns="0" anchor="ctr">
             <a:noAutofit/>
           </a:bodyPr>
-          <a:p>
-            <a:endParaRPr b="0" lang="en-US" sz="1800" spc="-1" strike="noStrike">
+          <a:lstStyle/>
+          <a:p>
+            <a:endParaRPr lang="en-US" sz="1800" b="0" strike="noStrike" spc="-1">
               <a:solidFill>
                 <a:srgbClr val="000000"/>
               </a:solidFill>
@@ -3319,9 +3595,10 @@
           </a:ln>
         </p:spPr>
         <p:txBody>
-          <a:bodyPr lIns="0" rIns="0" tIns="0" bIns="0" anchor="t">
+          <a:bodyPr lIns="0" tIns="0" rIns="0" bIns="0" anchor="t">
             <a:normAutofit/>
           </a:bodyPr>
+          <a:lstStyle/>
           <a:p>
             <a:pPr>
               <a:lnSpc>
@@ -3332,7 +3609,7 @@
               </a:spcBef>
               <a:buNone/>
             </a:pPr>
-            <a:endParaRPr b="0" lang="en-US" sz="2800" spc="-1" strike="noStrike">
+            <a:endParaRPr lang="en-US" sz="2800" b="0" strike="noStrike" spc="-1">
               <a:solidFill>
                 <a:srgbClr val="000000"/>
               </a:solidFill>
@@ -3365,9 +3642,10 @@
           </a:ln>
         </p:spPr>
         <p:txBody>
-          <a:bodyPr lIns="0" rIns="0" tIns="0" bIns="0" anchor="t">
+          <a:bodyPr lIns="0" tIns="0" rIns="0" bIns="0" anchor="t">
             <a:normAutofit/>
           </a:bodyPr>
+          <a:lstStyle/>
           <a:p>
             <a:pPr>
               <a:lnSpc>
@@ -3378,7 +3656,7 @@
               </a:spcBef>
               <a:buNone/>
             </a:pPr>
-            <a:endParaRPr b="0" lang="en-US" sz="2800" spc="-1" strike="noStrike">
+            <a:endParaRPr lang="en-US" sz="2800" b="0" strike="noStrike" spc="-1">
               <a:solidFill>
                 <a:srgbClr val="000000"/>
               </a:solidFill>
@@ -3400,6 +3678,7 @@
         <p:spPr/>
         <p:txBody>
           <a:bodyPr/>
+          <a:lstStyle/>
           <a:p>
             <a:r>
               <a:t>Footer</a:t>
@@ -3420,10 +3699,12 @@
         <p:spPr/>
         <p:txBody>
           <a:bodyPr/>
+          <a:lstStyle/>
           <a:p>
             <a:fld id="{026E1189-53DE-4AA7-976C-19FA5B8EC679}" type="slidenum">
-              <a:t>&lt;#&gt;</a:t>
+              <a:t>‹#›</a:t>
             </a:fld>
+            <a:endParaRPr/>
           </a:p>
         </p:txBody>
       </p:sp>
@@ -3440,21 +3721,22 @@
         <p:spPr/>
         <p:txBody>
           <a:bodyPr/>
-          <a:p>
-            <a:r>
-              <a:rPr lang="en-US"/>
-              <a:t/>
-            </a:r>
+          <a:lstStyle/>
+          <a:p>
+            <a:endParaRPr/>
           </a:p>
         </p:txBody>
       </p:sp>
     </p:spTree>
   </p:cSld>
+  <p:clrMapOvr>
+    <a:masterClrMapping/>
+  </p:clrMapOvr>
 </p:sldLayout>
 </file>
 
 <file path=ppt/slideLayouts/slideLayout23.xml><?xml version="1.0" encoding="utf-8"?>
-<p:sldLayout xmlns:a="http://schemas.openxmlformats.org/drawingml/2006/main" xmlns:p="http://schemas.openxmlformats.org/presentationml/2006/main" xmlns:r="http://schemas.openxmlformats.org/officeDocument/2006/relationships" xmlns:p14="http://schemas.microsoft.com/office/powerpoint/2010/main" xmlns:p15="http://schemas.microsoft.com/office/powerpoint/2012/main" xmlns:mc="http://schemas.openxmlformats.org/markup-compatibility/2006" type="fourObj" preserve="1">
+<p:sldLayout xmlns:a="http://schemas.openxmlformats.org/drawingml/2006/main" xmlns:r="http://schemas.openxmlformats.org/officeDocument/2006/relationships" xmlns:p="http://schemas.openxmlformats.org/presentationml/2006/main" type="fourObj" preserve="1">
   <p:cSld name="Title, 4 Content">
     <p:spTree>
       <p:nvGrpSpPr>
@@ -3494,11 +3776,12 @@
           </a:ln>
         </p:spPr>
         <p:txBody>
-          <a:bodyPr lIns="0" rIns="0" tIns="0" bIns="0" anchor="ctr">
+          <a:bodyPr lIns="0" tIns="0" rIns="0" bIns="0" anchor="ctr">
             <a:noAutofit/>
           </a:bodyPr>
-          <a:p>
-            <a:endParaRPr b="0" lang="en-US" sz="1800" spc="-1" strike="noStrike">
+          <a:lstStyle/>
+          <a:p>
+            <a:endParaRPr lang="en-US" sz="1800" b="0" strike="noStrike" spc="-1">
               <a:solidFill>
                 <a:srgbClr val="000000"/>
               </a:solidFill>
@@ -3531,9 +3814,10 @@
           </a:ln>
         </p:spPr>
         <p:txBody>
-          <a:bodyPr lIns="0" rIns="0" tIns="0" bIns="0" anchor="t">
+          <a:bodyPr lIns="0" tIns="0" rIns="0" bIns="0" anchor="t">
             <a:normAutofit/>
           </a:bodyPr>
+          <a:lstStyle/>
           <a:p>
             <a:pPr>
               <a:lnSpc>
@@ -3544,7 +3828,7 @@
               </a:spcBef>
               <a:buNone/>
             </a:pPr>
-            <a:endParaRPr b="0" lang="en-US" sz="2800" spc="-1" strike="noStrike">
+            <a:endParaRPr lang="en-US" sz="2800" b="0" strike="noStrike" spc="-1">
               <a:solidFill>
                 <a:srgbClr val="000000"/>
               </a:solidFill>
@@ -3577,9 +3861,10 @@
           </a:ln>
         </p:spPr>
         <p:txBody>
-          <a:bodyPr lIns="0" rIns="0" tIns="0" bIns="0" anchor="t">
+          <a:bodyPr lIns="0" tIns="0" rIns="0" bIns="0" anchor="t">
             <a:normAutofit/>
           </a:bodyPr>
+          <a:lstStyle/>
           <a:p>
             <a:pPr>
               <a:lnSpc>
@@ -3590,7 +3875,7 @@
               </a:spcBef>
               <a:buNone/>
             </a:pPr>
-            <a:endParaRPr b="0" lang="en-US" sz="2800" spc="-1" strike="noStrike">
+            <a:endParaRPr lang="en-US" sz="2800" b="0" strike="noStrike" spc="-1">
               <a:solidFill>
                 <a:srgbClr val="000000"/>
               </a:solidFill>
@@ -3623,9 +3908,10 @@
           </a:ln>
         </p:spPr>
         <p:txBody>
-          <a:bodyPr lIns="0" rIns="0" tIns="0" bIns="0" anchor="t">
+          <a:bodyPr lIns="0" tIns="0" rIns="0" bIns="0" anchor="t">
             <a:normAutofit/>
           </a:bodyPr>
+          <a:lstStyle/>
           <a:p>
             <a:pPr>
               <a:lnSpc>
@@ -3636,7 +3922,7 @@
               </a:spcBef>
               <a:buNone/>
             </a:pPr>
-            <a:endParaRPr b="0" lang="en-US" sz="2800" spc="-1" strike="noStrike">
+            <a:endParaRPr lang="en-US" sz="2800" b="0" strike="noStrike" spc="-1">
               <a:solidFill>
                 <a:srgbClr val="000000"/>
               </a:solidFill>
@@ -3669,9 +3955,10 @@
           </a:ln>
         </p:spPr>
         <p:txBody>
-          <a:bodyPr lIns="0" rIns="0" tIns="0" bIns="0" anchor="t">
+          <a:bodyPr lIns="0" tIns="0" rIns="0" bIns="0" anchor="t">
             <a:normAutofit/>
           </a:bodyPr>
+          <a:lstStyle/>
           <a:p>
             <a:pPr>
               <a:lnSpc>
@@ -3682,7 +3969,7 @@
               </a:spcBef>
               <a:buNone/>
             </a:pPr>
-            <a:endParaRPr b="0" lang="en-US" sz="2800" spc="-1" strike="noStrike">
+            <a:endParaRPr lang="en-US" sz="2800" b="0" strike="noStrike" spc="-1">
               <a:solidFill>
                 <a:srgbClr val="000000"/>
               </a:solidFill>
@@ -3704,6 +3991,7 @@
         <p:spPr/>
         <p:txBody>
           <a:bodyPr/>
+          <a:lstStyle/>
           <a:p>
             <a:r>
               <a:t>Footer</a:t>
@@ -3724,10 +4012,12 @@
         <p:spPr/>
         <p:txBody>
           <a:bodyPr/>
+          <a:lstStyle/>
           <a:p>
             <a:fld id="{C0E28CCC-5BFA-4246-B4C0-471458619DE2}" type="slidenum">
-              <a:t>&lt;#&gt;</a:t>
+              <a:t>‹#›</a:t>
             </a:fld>
+            <a:endParaRPr/>
           </a:p>
         </p:txBody>
       </p:sp>
@@ -3744,21 +4034,22 @@
         <p:spPr/>
         <p:txBody>
           <a:bodyPr/>
-          <a:p>
-            <a:r>
-              <a:rPr lang="en-US"/>
-              <a:t/>
-            </a:r>
+          <a:lstStyle/>
+          <a:p>
+            <a:endParaRPr/>
           </a:p>
         </p:txBody>
       </p:sp>
     </p:spTree>
   </p:cSld>
+  <p:clrMapOvr>
+    <a:masterClrMapping/>
+  </p:clrMapOvr>
 </p:sldLayout>
 </file>
 
 <file path=ppt/slideLayouts/slideLayout24.xml><?xml version="1.0" encoding="utf-8"?>
-<p:sldLayout xmlns:a="http://schemas.openxmlformats.org/drawingml/2006/main" xmlns:p="http://schemas.openxmlformats.org/presentationml/2006/main" xmlns:r="http://schemas.openxmlformats.org/officeDocument/2006/relationships" xmlns:p14="http://schemas.microsoft.com/office/powerpoint/2010/main" xmlns:p15="http://schemas.microsoft.com/office/powerpoint/2012/main" xmlns:mc="http://schemas.openxmlformats.org/markup-compatibility/2006" type="blank" preserve="1">
+<p:sldLayout xmlns:a="http://schemas.openxmlformats.org/drawingml/2006/main" xmlns:r="http://schemas.openxmlformats.org/officeDocument/2006/relationships" xmlns:p="http://schemas.openxmlformats.org/presentationml/2006/main" type="blank" preserve="1">
   <p:cSld name="Title, 6 Content">
     <p:spTree>
       <p:nvGrpSpPr>
@@ -3798,11 +4089,12 @@
           </a:ln>
         </p:spPr>
         <p:txBody>
-          <a:bodyPr lIns="0" rIns="0" tIns="0" bIns="0" anchor="ctr">
+          <a:bodyPr lIns="0" tIns="0" rIns="0" bIns="0" anchor="ctr">
             <a:noAutofit/>
           </a:bodyPr>
-          <a:p>
-            <a:endParaRPr b="0" lang="en-US" sz="1800" spc="-1" strike="noStrike">
+          <a:lstStyle/>
+          <a:p>
+            <a:endParaRPr lang="en-US" sz="1800" b="0" strike="noStrike" spc="-1">
               <a:solidFill>
                 <a:srgbClr val="000000"/>
               </a:solidFill>
@@ -3835,9 +4127,10 @@
           </a:ln>
         </p:spPr>
         <p:txBody>
-          <a:bodyPr lIns="0" rIns="0" tIns="0" bIns="0" anchor="t">
+          <a:bodyPr lIns="0" tIns="0" rIns="0" bIns="0" anchor="t">
             <a:normAutofit/>
           </a:bodyPr>
+          <a:lstStyle/>
           <a:p>
             <a:pPr>
               <a:lnSpc>
@@ -3848,7 +4141,7 @@
               </a:spcBef>
               <a:buNone/>
             </a:pPr>
-            <a:endParaRPr b="0" lang="en-US" sz="2800" spc="-1" strike="noStrike">
+            <a:endParaRPr lang="en-US" sz="2800" b="0" strike="noStrike" spc="-1">
               <a:solidFill>
                 <a:srgbClr val="000000"/>
               </a:solidFill>
@@ -3881,9 +4174,10 @@
           </a:ln>
         </p:spPr>
         <p:txBody>
-          <a:bodyPr lIns="0" rIns="0" tIns="0" bIns="0" anchor="t">
+          <a:bodyPr lIns="0" tIns="0" rIns="0" bIns="0" anchor="t">
             <a:normAutofit/>
           </a:bodyPr>
+          <a:lstStyle/>
           <a:p>
             <a:pPr>
               <a:lnSpc>
@@ -3894,7 +4188,7 @@
               </a:spcBef>
               <a:buNone/>
             </a:pPr>
-            <a:endParaRPr b="0" lang="en-US" sz="2800" spc="-1" strike="noStrike">
+            <a:endParaRPr lang="en-US" sz="2800" b="0" strike="noStrike" spc="-1">
               <a:solidFill>
                 <a:srgbClr val="000000"/>
               </a:solidFill>
@@ -3927,9 +4221,10 @@
           </a:ln>
         </p:spPr>
         <p:txBody>
-          <a:bodyPr lIns="0" rIns="0" tIns="0" bIns="0" anchor="t">
+          <a:bodyPr lIns="0" tIns="0" rIns="0" bIns="0" anchor="t">
             <a:normAutofit/>
           </a:bodyPr>
+          <a:lstStyle/>
           <a:p>
             <a:pPr>
               <a:lnSpc>
@@ -3940,7 +4235,7 @@
               </a:spcBef>
               <a:buNone/>
             </a:pPr>
-            <a:endParaRPr b="0" lang="en-US" sz="2800" spc="-1" strike="noStrike">
+            <a:endParaRPr lang="en-US" sz="2800" b="0" strike="noStrike" spc="-1">
               <a:solidFill>
                 <a:srgbClr val="000000"/>
               </a:solidFill>
@@ -3973,9 +4268,10 @@
           </a:ln>
         </p:spPr>
         <p:txBody>
-          <a:bodyPr lIns="0" rIns="0" tIns="0" bIns="0" anchor="t">
+          <a:bodyPr lIns="0" tIns="0" rIns="0" bIns="0" anchor="t">
             <a:normAutofit/>
           </a:bodyPr>
+          <a:lstStyle/>
           <a:p>
             <a:pPr>
               <a:lnSpc>
@@ -3986,7 +4282,7 @@
               </a:spcBef>
               <a:buNone/>
             </a:pPr>
-            <a:endParaRPr b="0" lang="en-US" sz="2800" spc="-1" strike="noStrike">
+            <a:endParaRPr lang="en-US" sz="2800" b="0" strike="noStrike" spc="-1">
               <a:solidFill>
                 <a:srgbClr val="000000"/>
               </a:solidFill>
@@ -4019,9 +4315,10 @@
           </a:ln>
         </p:spPr>
         <p:txBody>
-          <a:bodyPr lIns="0" rIns="0" tIns="0" bIns="0" anchor="t">
+          <a:bodyPr lIns="0" tIns="0" rIns="0" bIns="0" anchor="t">
             <a:normAutofit/>
           </a:bodyPr>
+          <a:lstStyle/>
           <a:p>
             <a:pPr>
               <a:lnSpc>
@@ -4032,7 +4329,7 @@
               </a:spcBef>
               <a:buNone/>
             </a:pPr>
-            <a:endParaRPr b="0" lang="en-US" sz="2800" spc="-1" strike="noStrike">
+            <a:endParaRPr lang="en-US" sz="2800" b="0" strike="noStrike" spc="-1">
               <a:solidFill>
                 <a:srgbClr val="000000"/>
               </a:solidFill>
@@ -4065,9 +4362,10 @@
           </a:ln>
         </p:spPr>
         <p:txBody>
-          <a:bodyPr lIns="0" rIns="0" tIns="0" bIns="0" anchor="t">
+          <a:bodyPr lIns="0" tIns="0" rIns="0" bIns="0" anchor="t">
             <a:normAutofit/>
           </a:bodyPr>
+          <a:lstStyle/>
           <a:p>
             <a:pPr>
               <a:lnSpc>
@@ -4078,7 +4376,7 @@
               </a:spcBef>
               <a:buNone/>
             </a:pPr>
-            <a:endParaRPr b="0" lang="en-US" sz="2800" spc="-1" strike="noStrike">
+            <a:endParaRPr lang="en-US" sz="2800" b="0" strike="noStrike" spc="-1">
               <a:solidFill>
                 <a:srgbClr val="000000"/>
               </a:solidFill>
@@ -4100,6 +4398,7 @@
         <p:spPr/>
         <p:txBody>
           <a:bodyPr/>
+          <a:lstStyle/>
           <a:p>
             <a:r>
               <a:t>Footer</a:t>
@@ -4120,10 +4419,12 @@
         <p:spPr/>
         <p:txBody>
           <a:bodyPr/>
+          <a:lstStyle/>
           <a:p>
             <a:fld id="{84DB5DFE-7B52-4BC5-95CA-4F4CDA87AC7A}" type="slidenum">
-              <a:t>&lt;#&gt;</a:t>
+              <a:t>‹#›</a:t>
             </a:fld>
+            <a:endParaRPr/>
           </a:p>
         </p:txBody>
       </p:sp>
@@ -4140,21 +4441,22 @@
         <p:spPr/>
         <p:txBody>
           <a:bodyPr/>
-          <a:p>
-            <a:r>
-              <a:rPr lang="en-US"/>
-              <a:t/>
-            </a:r>
+          <a:lstStyle/>
+          <a:p>
+            <a:endParaRPr/>
           </a:p>
         </p:txBody>
       </p:sp>
     </p:spTree>
   </p:cSld>
+  <p:clrMapOvr>
+    <a:masterClrMapping/>
+  </p:clrMapOvr>
 </p:sldLayout>
 </file>
 
 <file path=ppt/slideLayouts/slideLayout3.xml><?xml version="1.0" encoding="utf-8"?>
-<p:sldLayout xmlns:a="http://schemas.openxmlformats.org/drawingml/2006/main" xmlns:p="http://schemas.openxmlformats.org/presentationml/2006/main" xmlns:r="http://schemas.openxmlformats.org/officeDocument/2006/relationships" xmlns:p14="http://schemas.microsoft.com/office/powerpoint/2010/main" xmlns:p15="http://schemas.microsoft.com/office/powerpoint/2012/main" xmlns:mc="http://schemas.openxmlformats.org/markup-compatibility/2006" type="obj" preserve="1">
+<p:sldLayout xmlns:a="http://schemas.openxmlformats.org/drawingml/2006/main" xmlns:r="http://schemas.openxmlformats.org/officeDocument/2006/relationships" xmlns:p="http://schemas.openxmlformats.org/presentationml/2006/main" type="obj" preserve="1">
   <p:cSld name="Title, Content">
     <p:spTree>
       <p:nvGrpSpPr>
@@ -4194,11 +4496,12 @@
           </a:ln>
         </p:spPr>
         <p:txBody>
-          <a:bodyPr lIns="0" rIns="0" tIns="0" bIns="0" anchor="ctr">
+          <a:bodyPr lIns="0" tIns="0" rIns="0" bIns="0" anchor="ctr">
             <a:noAutofit/>
           </a:bodyPr>
-          <a:p>
-            <a:endParaRPr b="0" lang="en-US" sz="1800" spc="-1" strike="noStrike">
+          <a:lstStyle/>
+          <a:p>
+            <a:endParaRPr lang="en-US" sz="1800" b="0" strike="noStrike" spc="-1">
               <a:solidFill>
                 <a:srgbClr val="000000"/>
               </a:solidFill>
@@ -4231,9 +4534,10 @@
           </a:ln>
         </p:spPr>
         <p:txBody>
-          <a:bodyPr lIns="0" rIns="0" tIns="0" bIns="0" anchor="t">
+          <a:bodyPr lIns="0" tIns="0" rIns="0" bIns="0" anchor="t">
             <a:normAutofit/>
           </a:bodyPr>
+          <a:lstStyle/>
           <a:p>
             <a:pPr>
               <a:lnSpc>
@@ -4244,7 +4548,7 @@
               </a:spcBef>
               <a:buNone/>
             </a:pPr>
-            <a:endParaRPr b="0" lang="en-US" sz="2800" spc="-1" strike="noStrike">
+            <a:endParaRPr lang="en-US" sz="2800" b="0" strike="noStrike" spc="-1">
               <a:solidFill>
                 <a:srgbClr val="000000"/>
               </a:solidFill>
@@ -4266,6 +4570,7 @@
         <p:spPr/>
         <p:txBody>
           <a:bodyPr/>
+          <a:lstStyle/>
           <a:p>
             <a:r>
               <a:t>Footer</a:t>
@@ -4286,10 +4591,12 @@
         <p:spPr/>
         <p:txBody>
           <a:bodyPr/>
+          <a:lstStyle/>
           <a:p>
             <a:fld id="{2DBAD3F8-0152-4E90-8FE2-FD7D1E1420AD}" type="slidenum">
-              <a:t>&lt;#&gt;</a:t>
+              <a:t>‹#›</a:t>
             </a:fld>
+            <a:endParaRPr/>
           </a:p>
         </p:txBody>
       </p:sp>
@@ -4306,21 +4613,22 @@
         <p:spPr/>
         <p:txBody>
           <a:bodyPr/>
-          <a:p>
-            <a:r>
-              <a:rPr lang="en-US"/>
-              <a:t/>
-            </a:r>
+          <a:lstStyle/>
+          <a:p>
+            <a:endParaRPr/>
           </a:p>
         </p:txBody>
       </p:sp>
     </p:spTree>
   </p:cSld>
+  <p:clrMapOvr>
+    <a:masterClrMapping/>
+  </p:clrMapOvr>
 </p:sldLayout>
 </file>
 
 <file path=ppt/slideLayouts/slideLayout4.xml><?xml version="1.0" encoding="utf-8"?>
-<p:sldLayout xmlns:a="http://schemas.openxmlformats.org/drawingml/2006/main" xmlns:p="http://schemas.openxmlformats.org/presentationml/2006/main" xmlns:r="http://schemas.openxmlformats.org/officeDocument/2006/relationships" xmlns:p14="http://schemas.microsoft.com/office/powerpoint/2010/main" xmlns:p15="http://schemas.microsoft.com/office/powerpoint/2012/main" xmlns:mc="http://schemas.openxmlformats.org/markup-compatibility/2006" type="twoObj" preserve="1">
+<p:sldLayout xmlns:a="http://schemas.openxmlformats.org/drawingml/2006/main" xmlns:r="http://schemas.openxmlformats.org/officeDocument/2006/relationships" xmlns:p="http://schemas.openxmlformats.org/presentationml/2006/main" type="twoObj" preserve="1">
   <p:cSld name="Title, 2 Content">
     <p:spTree>
       <p:nvGrpSpPr>
@@ -4360,11 +4668,12 @@
           </a:ln>
         </p:spPr>
         <p:txBody>
-          <a:bodyPr lIns="0" rIns="0" tIns="0" bIns="0" anchor="ctr">
+          <a:bodyPr lIns="0" tIns="0" rIns="0" bIns="0" anchor="ctr">
             <a:noAutofit/>
           </a:bodyPr>
-          <a:p>
-            <a:endParaRPr b="0" lang="en-US" sz="1800" spc="-1" strike="noStrike">
+          <a:lstStyle/>
+          <a:p>
+            <a:endParaRPr lang="en-US" sz="1800" b="0" strike="noStrike" spc="-1">
               <a:solidFill>
                 <a:srgbClr val="000000"/>
               </a:solidFill>
@@ -4397,9 +4706,10 @@
           </a:ln>
         </p:spPr>
         <p:txBody>
-          <a:bodyPr lIns="0" rIns="0" tIns="0" bIns="0" anchor="t">
+          <a:bodyPr lIns="0" tIns="0" rIns="0" bIns="0" anchor="t">
             <a:normAutofit/>
           </a:bodyPr>
+          <a:lstStyle/>
           <a:p>
             <a:pPr>
               <a:lnSpc>
@@ -4410,7 +4720,7 @@
               </a:spcBef>
               <a:buNone/>
             </a:pPr>
-            <a:endParaRPr b="0" lang="en-US" sz="2800" spc="-1" strike="noStrike">
+            <a:endParaRPr lang="en-US" sz="2800" b="0" strike="noStrike" spc="-1">
               <a:solidFill>
                 <a:srgbClr val="000000"/>
               </a:solidFill>
@@ -4443,9 +4753,10 @@
           </a:ln>
         </p:spPr>
         <p:txBody>
-          <a:bodyPr lIns="0" rIns="0" tIns="0" bIns="0" anchor="t">
+          <a:bodyPr lIns="0" tIns="0" rIns="0" bIns="0" anchor="t">
             <a:normAutofit/>
           </a:bodyPr>
+          <a:lstStyle/>
           <a:p>
             <a:pPr>
               <a:lnSpc>
@@ -4456,7 +4767,7 @@
               </a:spcBef>
               <a:buNone/>
             </a:pPr>
-            <a:endParaRPr b="0" lang="en-US" sz="2800" spc="-1" strike="noStrike">
+            <a:endParaRPr lang="en-US" sz="2800" b="0" strike="noStrike" spc="-1">
               <a:solidFill>
                 <a:srgbClr val="000000"/>
               </a:solidFill>
@@ -4478,6 +4789,7 @@
         <p:spPr/>
         <p:txBody>
           <a:bodyPr/>
+          <a:lstStyle/>
           <a:p>
             <a:r>
               <a:t>Footer</a:t>
@@ -4498,10 +4810,12 @@
         <p:spPr/>
         <p:txBody>
           <a:bodyPr/>
+          <a:lstStyle/>
           <a:p>
             <a:fld id="{8E3BF180-D24A-401C-AA47-6876FCEA1563}" type="slidenum">
-              <a:t>&lt;#&gt;</a:t>
+              <a:t>‹#›</a:t>
             </a:fld>
+            <a:endParaRPr/>
           </a:p>
         </p:txBody>
       </p:sp>
@@ -4518,21 +4832,22 @@
         <p:spPr/>
         <p:txBody>
           <a:bodyPr/>
-          <a:p>
-            <a:r>
-              <a:rPr lang="en-US"/>
-              <a:t/>
-            </a:r>
+          <a:lstStyle/>
+          <a:p>
+            <a:endParaRPr/>
           </a:p>
         </p:txBody>
       </p:sp>
     </p:spTree>
   </p:cSld>
+  <p:clrMapOvr>
+    <a:masterClrMapping/>
+  </p:clrMapOvr>
 </p:sldLayout>
 </file>
 
 <file path=ppt/slideLayouts/slideLayout5.xml><?xml version="1.0" encoding="utf-8"?>
-<p:sldLayout xmlns:a="http://schemas.openxmlformats.org/drawingml/2006/main" xmlns:p="http://schemas.openxmlformats.org/presentationml/2006/main" xmlns:r="http://schemas.openxmlformats.org/officeDocument/2006/relationships" xmlns:p14="http://schemas.microsoft.com/office/powerpoint/2010/main" xmlns:p15="http://schemas.microsoft.com/office/powerpoint/2012/main" xmlns:mc="http://schemas.openxmlformats.org/markup-compatibility/2006" type="titleOnly" preserve="1">
+<p:sldLayout xmlns:a="http://schemas.openxmlformats.org/drawingml/2006/main" xmlns:r="http://schemas.openxmlformats.org/officeDocument/2006/relationships" xmlns:p="http://schemas.openxmlformats.org/presentationml/2006/main" type="titleOnly" preserve="1">
   <p:cSld name="Title Only">
     <p:spTree>
       <p:nvGrpSpPr>
@@ -4572,11 +4887,12 @@
           </a:ln>
         </p:spPr>
         <p:txBody>
-          <a:bodyPr lIns="0" rIns="0" tIns="0" bIns="0" anchor="ctr">
+          <a:bodyPr lIns="0" tIns="0" rIns="0" bIns="0" anchor="ctr">
             <a:noAutofit/>
           </a:bodyPr>
-          <a:p>
-            <a:endParaRPr b="0" lang="en-US" sz="1800" spc="-1" strike="noStrike">
+          <a:lstStyle/>
+          <a:p>
+            <a:endParaRPr lang="en-US" sz="1800" b="0" strike="noStrike" spc="-1">
               <a:solidFill>
                 <a:srgbClr val="000000"/>
               </a:solidFill>
@@ -4598,6 +4914,7 @@
         <p:spPr/>
         <p:txBody>
           <a:bodyPr/>
+          <a:lstStyle/>
           <a:p>
             <a:r>
               <a:t>Footer</a:t>
@@ -4618,10 +4935,12 @@
         <p:spPr/>
         <p:txBody>
           <a:bodyPr/>
+          <a:lstStyle/>
           <a:p>
             <a:fld id="{E96FBDC7-36F8-4724-9C2F-97CFA2CBE3E1}" type="slidenum">
-              <a:t>&lt;#&gt;</a:t>
+              <a:t>‹#›</a:t>
             </a:fld>
+            <a:endParaRPr/>
           </a:p>
         </p:txBody>
       </p:sp>
@@ -4638,21 +4957,22 @@
         <p:spPr/>
         <p:txBody>
           <a:bodyPr/>
-          <a:p>
-            <a:r>
-              <a:rPr lang="en-US"/>
-              <a:t/>
-            </a:r>
+          <a:lstStyle/>
+          <a:p>
+            <a:endParaRPr/>
           </a:p>
         </p:txBody>
       </p:sp>
     </p:spTree>
   </p:cSld>
+  <p:clrMapOvr>
+    <a:masterClrMapping/>
+  </p:clrMapOvr>
 </p:sldLayout>
 </file>
 
 <file path=ppt/slideLayouts/slideLayout6.xml><?xml version="1.0" encoding="utf-8"?>
-<p:sldLayout xmlns:a="http://schemas.openxmlformats.org/drawingml/2006/main" xmlns:p="http://schemas.openxmlformats.org/presentationml/2006/main" xmlns:r="http://schemas.openxmlformats.org/officeDocument/2006/relationships" xmlns:p14="http://schemas.microsoft.com/office/powerpoint/2010/main" xmlns:p15="http://schemas.microsoft.com/office/powerpoint/2012/main" xmlns:mc="http://schemas.openxmlformats.org/markup-compatibility/2006" type="objOnly" preserve="1">
+<p:sldLayout xmlns:a="http://schemas.openxmlformats.org/drawingml/2006/main" xmlns:r="http://schemas.openxmlformats.org/officeDocument/2006/relationships" xmlns:p="http://schemas.openxmlformats.org/presentationml/2006/main" type="objOnly" preserve="1">
   <p:cSld name="Centered Text">
     <p:spTree>
       <p:nvGrpSpPr>
@@ -4692,14 +5012,15 @@
           </a:ln>
         </p:spPr>
         <p:txBody>
-          <a:bodyPr lIns="0" rIns="0" tIns="0" bIns="0" anchor="ctr">
+          <a:bodyPr lIns="0" tIns="0" rIns="0" bIns="0" anchor="ctr">
             <a:noAutofit/>
           </a:bodyPr>
+          <a:lstStyle/>
           <a:p>
             <a:pPr algn="ctr">
               <a:buNone/>
             </a:pPr>
-            <a:endParaRPr b="0" lang="en-US" sz="3200" spc="-1" strike="noStrike">
+            <a:endParaRPr lang="en-US" sz="3200" b="0" strike="noStrike" spc="-1">
               <a:latin typeface="Arial"/>
             </a:endParaRPr>
           </a:p>
@@ -4718,6 +5039,7 @@
         <p:spPr/>
         <p:txBody>
           <a:bodyPr/>
+          <a:lstStyle/>
           <a:p>
             <a:r>
               <a:t>Footer</a:t>
@@ -4738,10 +5060,12 @@
         <p:spPr/>
         <p:txBody>
           <a:bodyPr/>
+          <a:lstStyle/>
           <a:p>
             <a:fld id="{28E51563-6752-4AB4-B572-FA570F3E7970}" type="slidenum">
-              <a:t>&lt;#&gt;</a:t>
+              <a:t>‹#›</a:t>
             </a:fld>
+            <a:endParaRPr/>
           </a:p>
         </p:txBody>
       </p:sp>
@@ -4758,21 +5082,22 @@
         <p:spPr/>
         <p:txBody>
           <a:bodyPr/>
-          <a:p>
-            <a:r>
-              <a:rPr lang="en-US"/>
-              <a:t/>
-            </a:r>
+          <a:lstStyle/>
+          <a:p>
+            <a:endParaRPr/>
           </a:p>
         </p:txBody>
       </p:sp>
     </p:spTree>
   </p:cSld>
+  <p:clrMapOvr>
+    <a:masterClrMapping/>
+  </p:clrMapOvr>
 </p:sldLayout>
 </file>
 
 <file path=ppt/slideLayouts/slideLayout7.xml><?xml version="1.0" encoding="utf-8"?>
-<p:sldLayout xmlns:a="http://schemas.openxmlformats.org/drawingml/2006/main" xmlns:p="http://schemas.openxmlformats.org/presentationml/2006/main" xmlns:r="http://schemas.openxmlformats.org/officeDocument/2006/relationships" xmlns:p14="http://schemas.microsoft.com/office/powerpoint/2010/main" xmlns:p15="http://schemas.microsoft.com/office/powerpoint/2012/main" xmlns:mc="http://schemas.openxmlformats.org/markup-compatibility/2006" type="twoObjAndObj" preserve="1">
+<p:sldLayout xmlns:a="http://schemas.openxmlformats.org/drawingml/2006/main" xmlns:r="http://schemas.openxmlformats.org/officeDocument/2006/relationships" xmlns:p="http://schemas.openxmlformats.org/presentationml/2006/main" type="twoObjAndObj" preserve="1">
   <p:cSld name="Title, 2 Content and Content">
     <p:spTree>
       <p:nvGrpSpPr>
@@ -4812,11 +5137,12 @@
           </a:ln>
         </p:spPr>
         <p:txBody>
-          <a:bodyPr lIns="0" rIns="0" tIns="0" bIns="0" anchor="ctr">
+          <a:bodyPr lIns="0" tIns="0" rIns="0" bIns="0" anchor="ctr">
             <a:noAutofit/>
           </a:bodyPr>
-          <a:p>
-            <a:endParaRPr b="0" lang="en-US" sz="1800" spc="-1" strike="noStrike">
+          <a:lstStyle/>
+          <a:p>
+            <a:endParaRPr lang="en-US" sz="1800" b="0" strike="noStrike" spc="-1">
               <a:solidFill>
                 <a:srgbClr val="000000"/>
               </a:solidFill>
@@ -4849,9 +5175,10 @@
           </a:ln>
         </p:spPr>
         <p:txBody>
-          <a:bodyPr lIns="0" rIns="0" tIns="0" bIns="0" anchor="t">
+          <a:bodyPr lIns="0" tIns="0" rIns="0" bIns="0" anchor="t">
             <a:normAutofit/>
           </a:bodyPr>
+          <a:lstStyle/>
           <a:p>
             <a:pPr>
               <a:lnSpc>
@@ -4862,7 +5189,7 @@
               </a:spcBef>
               <a:buNone/>
             </a:pPr>
-            <a:endParaRPr b="0" lang="en-US" sz="2800" spc="-1" strike="noStrike">
+            <a:endParaRPr lang="en-US" sz="2800" b="0" strike="noStrike" spc="-1">
               <a:solidFill>
                 <a:srgbClr val="000000"/>
               </a:solidFill>
@@ -4895,9 +5222,10 @@
           </a:ln>
         </p:spPr>
         <p:txBody>
-          <a:bodyPr lIns="0" rIns="0" tIns="0" bIns="0" anchor="t">
+          <a:bodyPr lIns="0" tIns="0" rIns="0" bIns="0" anchor="t">
             <a:normAutofit/>
           </a:bodyPr>
+          <a:lstStyle/>
           <a:p>
             <a:pPr>
               <a:lnSpc>
@@ -4908,7 +5236,7 @@
               </a:spcBef>
               <a:buNone/>
             </a:pPr>
-            <a:endParaRPr b="0" lang="en-US" sz="2800" spc="-1" strike="noStrike">
+            <a:endParaRPr lang="en-US" sz="2800" b="0" strike="noStrike" spc="-1">
               <a:solidFill>
                 <a:srgbClr val="000000"/>
               </a:solidFill>
@@ -4941,9 +5269,10 @@
           </a:ln>
         </p:spPr>
         <p:txBody>
-          <a:bodyPr lIns="0" rIns="0" tIns="0" bIns="0" anchor="t">
+          <a:bodyPr lIns="0" tIns="0" rIns="0" bIns="0" anchor="t">
             <a:normAutofit/>
           </a:bodyPr>
+          <a:lstStyle/>
           <a:p>
             <a:pPr>
               <a:lnSpc>
@@ -4954,7 +5283,7 @@
               </a:spcBef>
               <a:buNone/>
             </a:pPr>
-            <a:endParaRPr b="0" lang="en-US" sz="2800" spc="-1" strike="noStrike">
+            <a:endParaRPr lang="en-US" sz="2800" b="0" strike="noStrike" spc="-1">
               <a:solidFill>
                 <a:srgbClr val="000000"/>
               </a:solidFill>
@@ -4976,6 +5305,7 @@
         <p:spPr/>
         <p:txBody>
           <a:bodyPr/>
+          <a:lstStyle/>
           <a:p>
             <a:r>
               <a:t>Footer</a:t>
@@ -4996,10 +5326,12 @@
         <p:spPr/>
         <p:txBody>
           <a:bodyPr/>
+          <a:lstStyle/>
           <a:p>
             <a:fld id="{433C5885-D401-4AF7-BB04-D68E00E3B566}" type="slidenum">
-              <a:t>&lt;#&gt;</a:t>
+              <a:t>‹#›</a:t>
             </a:fld>
+            <a:endParaRPr/>
           </a:p>
         </p:txBody>
       </p:sp>
@@ -5016,21 +5348,22 @@
         <p:spPr/>
         <p:txBody>
           <a:bodyPr/>
-          <a:p>
-            <a:r>
-              <a:rPr lang="en-US"/>
-              <a:t/>
-            </a:r>
+          <a:lstStyle/>
+          <a:p>
+            <a:endParaRPr/>
           </a:p>
         </p:txBody>
       </p:sp>
     </p:spTree>
   </p:cSld>
+  <p:clrMapOvr>
+    <a:masterClrMapping/>
+  </p:clrMapOvr>
 </p:sldLayout>
 </file>
 
 <file path=ppt/slideLayouts/slideLayout8.xml><?xml version="1.0" encoding="utf-8"?>
-<p:sldLayout xmlns:a="http://schemas.openxmlformats.org/drawingml/2006/main" xmlns:p="http://schemas.openxmlformats.org/presentationml/2006/main" xmlns:r="http://schemas.openxmlformats.org/officeDocument/2006/relationships" xmlns:p14="http://schemas.microsoft.com/office/powerpoint/2010/main" xmlns:p15="http://schemas.microsoft.com/office/powerpoint/2012/main" xmlns:mc="http://schemas.openxmlformats.org/markup-compatibility/2006" type="objAndTwoObj" preserve="1">
+<p:sldLayout xmlns:a="http://schemas.openxmlformats.org/drawingml/2006/main" xmlns:r="http://schemas.openxmlformats.org/officeDocument/2006/relationships" xmlns:p="http://schemas.openxmlformats.org/presentationml/2006/main" type="objAndTwoObj" preserve="1">
   <p:cSld name="Title Content and 2 Content">
     <p:spTree>
       <p:nvGrpSpPr>
@@ -5070,11 +5403,12 @@
           </a:ln>
         </p:spPr>
         <p:txBody>
-          <a:bodyPr lIns="0" rIns="0" tIns="0" bIns="0" anchor="ctr">
+          <a:bodyPr lIns="0" tIns="0" rIns="0" bIns="0" anchor="ctr">
             <a:noAutofit/>
           </a:bodyPr>
-          <a:p>
-            <a:endParaRPr b="0" lang="en-US" sz="1800" spc="-1" strike="noStrike">
+          <a:lstStyle/>
+          <a:p>
+            <a:endParaRPr lang="en-US" sz="1800" b="0" strike="noStrike" spc="-1">
               <a:solidFill>
                 <a:srgbClr val="000000"/>
               </a:solidFill>
@@ -5107,9 +5441,10 @@
           </a:ln>
         </p:spPr>
         <p:txBody>
-          <a:bodyPr lIns="0" rIns="0" tIns="0" bIns="0" anchor="t">
+          <a:bodyPr lIns="0" tIns="0" rIns="0" bIns="0" anchor="t">
             <a:normAutofit/>
           </a:bodyPr>
+          <a:lstStyle/>
           <a:p>
             <a:pPr>
               <a:lnSpc>
@@ -5120,7 +5455,7 @@
               </a:spcBef>
               <a:buNone/>
             </a:pPr>
-            <a:endParaRPr b="0" lang="en-US" sz="2800" spc="-1" strike="noStrike">
+            <a:endParaRPr lang="en-US" sz="2800" b="0" strike="noStrike" spc="-1">
               <a:solidFill>
                 <a:srgbClr val="000000"/>
               </a:solidFill>
@@ -5153,9 +5488,10 @@
           </a:ln>
         </p:spPr>
         <p:txBody>
-          <a:bodyPr lIns="0" rIns="0" tIns="0" bIns="0" anchor="t">
+          <a:bodyPr lIns="0" tIns="0" rIns="0" bIns="0" anchor="t">
             <a:normAutofit/>
           </a:bodyPr>
+          <a:lstStyle/>
           <a:p>
             <a:pPr>
               <a:lnSpc>
@@ -5166,7 +5502,7 @@
               </a:spcBef>
               <a:buNone/>
             </a:pPr>
-            <a:endParaRPr b="0" lang="en-US" sz="2800" spc="-1" strike="noStrike">
+            <a:endParaRPr lang="en-US" sz="2800" b="0" strike="noStrike" spc="-1">
               <a:solidFill>
                 <a:srgbClr val="000000"/>
               </a:solidFill>
@@ -5199,9 +5535,10 @@
           </a:ln>
         </p:spPr>
         <p:txBody>
-          <a:bodyPr lIns="0" rIns="0" tIns="0" bIns="0" anchor="t">
+          <a:bodyPr lIns="0" tIns="0" rIns="0" bIns="0" anchor="t">
             <a:normAutofit/>
           </a:bodyPr>
+          <a:lstStyle/>
           <a:p>
             <a:pPr>
               <a:lnSpc>
@@ -5212,7 +5549,7 @@
               </a:spcBef>
               <a:buNone/>
             </a:pPr>
-            <a:endParaRPr b="0" lang="en-US" sz="2800" spc="-1" strike="noStrike">
+            <a:endParaRPr lang="en-US" sz="2800" b="0" strike="noStrike" spc="-1">
               <a:solidFill>
                 <a:srgbClr val="000000"/>
               </a:solidFill>
@@ -5234,6 +5571,7 @@
         <p:spPr/>
         <p:txBody>
           <a:bodyPr/>
+          <a:lstStyle/>
           <a:p>
             <a:r>
               <a:t>Footer</a:t>
@@ -5254,10 +5592,12 @@
         <p:spPr/>
         <p:txBody>
           <a:bodyPr/>
+          <a:lstStyle/>
           <a:p>
             <a:fld id="{B2335428-3953-4C09-AE7E-E6ECDA32C983}" type="slidenum">
-              <a:t>&lt;#&gt;</a:t>
+              <a:t>‹#›</a:t>
             </a:fld>
+            <a:endParaRPr/>
           </a:p>
         </p:txBody>
       </p:sp>
@@ -5274,21 +5614,22 @@
         <p:spPr/>
         <p:txBody>
           <a:bodyPr/>
-          <a:p>
-            <a:r>
-              <a:rPr lang="en-US"/>
-              <a:t/>
-            </a:r>
+          <a:lstStyle/>
+          <a:p>
+            <a:endParaRPr/>
           </a:p>
         </p:txBody>
       </p:sp>
     </p:spTree>
   </p:cSld>
+  <p:clrMapOvr>
+    <a:masterClrMapping/>
+  </p:clrMapOvr>
 </p:sldLayout>
 </file>
 
 <file path=ppt/slideLayouts/slideLayout9.xml><?xml version="1.0" encoding="utf-8"?>
-<p:sldLayout xmlns:a="http://schemas.openxmlformats.org/drawingml/2006/main" xmlns:p="http://schemas.openxmlformats.org/presentationml/2006/main" xmlns:r="http://schemas.openxmlformats.org/officeDocument/2006/relationships" xmlns:p14="http://schemas.microsoft.com/office/powerpoint/2010/main" xmlns:p15="http://schemas.microsoft.com/office/powerpoint/2012/main" xmlns:mc="http://schemas.openxmlformats.org/markup-compatibility/2006" type="twoObjOverTx" preserve="1">
+<p:sldLayout xmlns:a="http://schemas.openxmlformats.org/drawingml/2006/main" xmlns:r="http://schemas.openxmlformats.org/officeDocument/2006/relationships" xmlns:p="http://schemas.openxmlformats.org/presentationml/2006/main" type="twoObjOverTx" preserve="1">
   <p:cSld name="Title, 2 Content over Content">
     <p:spTree>
       <p:nvGrpSpPr>
@@ -5328,11 +5669,12 @@
           </a:ln>
         </p:spPr>
         <p:txBody>
-          <a:bodyPr lIns="0" rIns="0" tIns="0" bIns="0" anchor="ctr">
+          <a:bodyPr lIns="0" tIns="0" rIns="0" bIns="0" anchor="ctr">
             <a:noAutofit/>
           </a:bodyPr>
-          <a:p>
-            <a:endParaRPr b="0" lang="en-US" sz="1800" spc="-1" strike="noStrike">
+          <a:lstStyle/>
+          <a:p>
+            <a:endParaRPr lang="en-US" sz="1800" b="0" strike="noStrike" spc="-1">
               <a:solidFill>
                 <a:srgbClr val="000000"/>
               </a:solidFill>
@@ -5365,9 +5707,10 @@
           </a:ln>
         </p:spPr>
         <p:txBody>
-          <a:bodyPr lIns="0" rIns="0" tIns="0" bIns="0" anchor="t">
+          <a:bodyPr lIns="0" tIns="0" rIns="0" bIns="0" anchor="t">
             <a:normAutofit/>
           </a:bodyPr>
+          <a:lstStyle/>
           <a:p>
             <a:pPr>
               <a:lnSpc>
@@ -5378,7 +5721,7 @@
               </a:spcBef>
               <a:buNone/>
             </a:pPr>
-            <a:endParaRPr b="0" lang="en-US" sz="2800" spc="-1" strike="noStrike">
+            <a:endParaRPr lang="en-US" sz="2800" b="0" strike="noStrike" spc="-1">
               <a:solidFill>
                 <a:srgbClr val="000000"/>
               </a:solidFill>
@@ -5411,9 +5754,10 @@
           </a:ln>
         </p:spPr>
         <p:txBody>
-          <a:bodyPr lIns="0" rIns="0" tIns="0" bIns="0" anchor="t">
+          <a:bodyPr lIns="0" tIns="0" rIns="0" bIns="0" anchor="t">
             <a:normAutofit/>
           </a:bodyPr>
+          <a:lstStyle/>
           <a:p>
             <a:pPr>
               <a:lnSpc>
@@ -5424,7 +5768,7 @@
               </a:spcBef>
               <a:buNone/>
             </a:pPr>
-            <a:endParaRPr b="0" lang="en-US" sz="2800" spc="-1" strike="noStrike">
+            <a:endParaRPr lang="en-US" sz="2800" b="0" strike="noStrike" spc="-1">
               <a:solidFill>
                 <a:srgbClr val="000000"/>
               </a:solidFill>
@@ -5457,9 +5801,10 @@
           </a:ln>
         </p:spPr>
         <p:txBody>
-          <a:bodyPr lIns="0" rIns="0" tIns="0" bIns="0" anchor="t">
+          <a:bodyPr lIns="0" tIns="0" rIns="0" bIns="0" anchor="t">
             <a:normAutofit/>
           </a:bodyPr>
+          <a:lstStyle/>
           <a:p>
             <a:pPr>
               <a:lnSpc>
@@ -5470,7 +5815,7 @@
               </a:spcBef>
               <a:buNone/>
             </a:pPr>
-            <a:endParaRPr b="0" lang="en-US" sz="2800" spc="-1" strike="noStrike">
+            <a:endParaRPr lang="en-US" sz="2800" b="0" strike="noStrike" spc="-1">
               <a:solidFill>
                 <a:srgbClr val="000000"/>
               </a:solidFill>
@@ -5492,6 +5837,7 @@
         <p:spPr/>
         <p:txBody>
           <a:bodyPr/>
+          <a:lstStyle/>
           <a:p>
             <a:r>
               <a:t>Footer</a:t>
@@ -5512,10 +5858,12 @@
         <p:spPr/>
         <p:txBody>
           <a:bodyPr/>
+          <a:lstStyle/>
           <a:p>
             <a:fld id="{2DBAB2CA-2027-4AE2-9AF5-53B8C9D663BB}" type="slidenum">
-              <a:t>&lt;#&gt;</a:t>
+              <a:t>‹#›</a:t>
             </a:fld>
+            <a:endParaRPr/>
           </a:p>
         </p:txBody>
       </p:sp>
@@ -5532,27 +5880,29 @@
         <p:spPr/>
         <p:txBody>
           <a:bodyPr/>
-          <a:p>
-            <a:r>
-              <a:rPr lang="en-US"/>
-              <a:t/>
-            </a:r>
+          <a:lstStyle/>
+          <a:p>
+            <a:endParaRPr/>
           </a:p>
         </p:txBody>
       </p:sp>
     </p:spTree>
   </p:cSld>
+  <p:clrMapOvr>
+    <a:masterClrMapping/>
+  </p:clrMapOvr>
 </p:sldLayout>
 </file>
 
 <file path=ppt/slideMasters/slideMaster1.xml><?xml version="1.0" encoding="utf-8"?>
-<p:sldMaster xmlns:a="http://schemas.openxmlformats.org/drawingml/2006/main" xmlns:p="http://schemas.openxmlformats.org/presentationml/2006/main" xmlns:r="http://schemas.openxmlformats.org/officeDocument/2006/relationships" xmlns:p14="http://schemas.microsoft.com/office/powerpoint/2010/main" xmlns:p15="http://schemas.microsoft.com/office/powerpoint/2012/main" xmlns:mc="http://schemas.openxmlformats.org/markup-compatibility/2006">
+<p:sldMaster xmlns:a="http://schemas.openxmlformats.org/drawingml/2006/main" xmlns:r="http://schemas.openxmlformats.org/officeDocument/2006/relationships" xmlns:p="http://schemas.openxmlformats.org/presentationml/2006/main">
   <p:cSld>
     <p:bg>
       <p:bgPr>
         <a:solidFill>
-          <a:srgbClr val="ffffff"/>
+          <a:srgbClr val="FFFFFF"/>
         </a:solidFill>
+        <a:effectLst/>
       </p:bgPr>
     </p:bg>
     <p:spTree>
@@ -5571,7 +5921,7 @@
       </p:grpSpPr>
       <p:sp>
         <p:nvSpPr>
-          <p:cNvPr id="0" name="PlaceHolder 1"/>
+          <p:cNvPr id="5" name="PlaceHolder 1"/>
           <p:cNvSpPr>
             <a:spLocks noGrp="1"/>
           </p:cNvSpPr>
@@ -5596,6 +5946,7 @@
           <a:bodyPr anchor="b">
             <a:noAutofit/>
           </a:bodyPr>
+          <a:lstStyle/>
           <a:p>
             <a:pPr algn="ctr">
               <a:lnSpc>
@@ -5604,7 +5955,7 @@
               <a:buNone/>
             </a:pPr>
             <a:r>
-              <a:rPr b="0" lang="en-US" sz="6000" spc="-1" strike="noStrike">
+              <a:rPr lang="en-US" sz="6000" b="0" strike="noStrike" spc="-1">
                 <a:solidFill>
                   <a:srgbClr val="000000"/>
                 </a:solidFill>
@@ -5612,7 +5963,7 @@
               </a:rPr>
               <a:t>Click to edit Master title style</a:t>
             </a:r>
-            <a:endParaRPr b="0" lang="en-US" sz="6000" spc="-1" strike="noStrike">
+            <a:endParaRPr lang="en-US" sz="6000" b="0" strike="noStrike" spc="-1">
               <a:solidFill>
                 <a:srgbClr val="000000"/>
               </a:solidFill>
@@ -5623,7 +5974,7 @@
       </p:sp>
       <p:sp>
         <p:nvSpPr>
-          <p:cNvPr id="1" name="PlaceHolder 2"/>
+          <p:cNvPr id="6" name="PlaceHolder 2"/>
           <p:cNvSpPr>
             <a:spLocks noGrp="1"/>
           </p:cNvSpPr>
@@ -5654,7 +6005,7 @@
                 <a:spcPct val="100000"/>
               </a:lnSpc>
               <a:buNone/>
-              <a:defRPr b="0" lang="en-US" sz="1200" spc="-1" strike="noStrike">
+              <a:defRPr lang="en-US" sz="1200" b="0" strike="noStrike" spc="-1">
                 <a:solidFill>
                   <a:srgbClr val="787878"/>
                 </a:solidFill>
@@ -5670,7 +6021,7 @@
               <a:buNone/>
             </a:pPr>
             <a:r>
-              <a:rPr b="0" lang="en-US" sz="1200" spc="-1" strike="noStrike">
+              <a:rPr lang="en-US" sz="1200" b="0" strike="noStrike" spc="-1">
                 <a:solidFill>
                   <a:srgbClr val="787878"/>
                 </a:solidFill>
@@ -5678,7 +6029,7 @@
               </a:rPr>
               <a:t>&lt;date/time&gt;</a:t>
             </a:r>
-            <a:endParaRPr b="0" lang="en-US" sz="1200" spc="-1" strike="noStrike">
+            <a:endParaRPr lang="en-US" sz="1200" b="0" strike="noStrike" spc="-1">
               <a:latin typeface="Times New Roman"/>
             </a:endParaRPr>
           </a:p>
@@ -5714,7 +6065,7 @@
           <a:lstStyle>
             <a:lvl1pPr algn="ctr">
               <a:buNone/>
-              <a:defRPr b="0" lang="en-US" sz="1400" spc="-1" strike="noStrike">
+              <a:defRPr lang="en-US" sz="1400" b="0" strike="noStrike" spc="-1">
                 <a:latin typeface="Times New Roman"/>
               </a:defRPr>
             </a:lvl1pPr>
@@ -5724,14 +6075,11 @@
               <a:buNone/>
             </a:pPr>
             <a:r>
-              <a:rPr b="0" lang="en-US" sz="1400" spc="-1" strike="noStrike">
+              <a:rPr lang="en-US" sz="1400" b="0" strike="noStrike" spc="-1">
                 <a:latin typeface="Times New Roman"/>
               </a:rPr>
               <a:t>&lt;footer&gt;</a:t>
             </a:r>
-            <a:endParaRPr b="0" lang="en-US" sz="1400" spc="-1" strike="noStrike">
-              <a:latin typeface="Times New Roman"/>
-            </a:endParaRPr>
           </a:p>
         </p:txBody>
       </p:sp>
@@ -5768,7 +6116,7 @@
                 <a:spcPct val="100000"/>
               </a:lnSpc>
               <a:buNone/>
-              <a:defRPr b="0" lang="en-US" sz="1200" spc="-1" strike="noStrike">
+              <a:defRPr lang="en-US" sz="1200" b="0" strike="noStrike" spc="-1">
                 <a:solidFill>
                   <a:srgbClr val="787878"/>
                 </a:solidFill>
@@ -5784,15 +6132,15 @@
               <a:buNone/>
             </a:pPr>
             <a:fld id="{AB261746-D1AB-4C98-AC41-10E38BED5D3A}" type="slidenum">
-              <a:rPr b="0" lang="en-US" sz="1200" spc="-1" strike="noStrike">
+              <a:rPr lang="en-US" sz="1200" b="0" strike="noStrike" spc="-1">
                 <a:solidFill>
                   <a:srgbClr val="787878"/>
                 </a:solidFill>
                 <a:latin typeface="Aptos"/>
               </a:rPr>
-              <a:t>&lt;number&gt;</a:t>
+              <a:t>‹#›</a:t>
             </a:fld>
-            <a:endParaRPr b="0" lang="en-US" sz="1200" spc="-1" strike="noStrike">
+            <a:endParaRPr lang="en-US" sz="1200" b="0" strike="noStrike" spc="-1">
               <a:latin typeface="Times New Roman"/>
             </a:endParaRPr>
           </a:p>
@@ -5822,9 +6170,10 @@
           </a:ln>
         </p:spPr>
         <p:txBody>
-          <a:bodyPr lIns="0" rIns="0" tIns="0" bIns="0" anchor="t">
+          <a:bodyPr lIns="0" tIns="0" rIns="0" bIns="0" anchor="t">
             <a:normAutofit/>
           </a:bodyPr>
+          <a:lstStyle/>
           <a:p>
             <a:pPr marL="432000" indent="-324000">
               <a:lnSpc>
@@ -5841,7 +6190,7 @@
               <a:buChar char=""/>
             </a:pPr>
             <a:r>
-              <a:rPr b="0" lang="en-US" sz="2800" spc="-1" strike="noStrike">
+              <a:rPr lang="en-US" sz="2800" b="0" strike="noStrike" spc="-1">
                 <a:solidFill>
                   <a:srgbClr val="000000"/>
                 </a:solidFill>
@@ -5849,15 +6198,9 @@
               </a:rPr>
               <a:t>Click to edit the outline text format</a:t>
             </a:r>
-            <a:endParaRPr b="0" lang="en-US" sz="2800" spc="-1" strike="noStrike">
-              <a:solidFill>
-                <a:srgbClr val="000000"/>
-              </a:solidFill>
-              <a:latin typeface="Aptos"/>
-            </a:endParaRPr>
-          </a:p>
-          <a:p>
-            <a:pPr lvl="1" marL="864000" indent="-324000">
+          </a:p>
+          <a:p>
+            <a:pPr marL="864000" lvl="1" indent="-324000">
               <a:lnSpc>
                 <a:spcPct val="90000"/>
               </a:lnSpc>
@@ -5872,7 +6215,7 @@
               <a:buChar char=""/>
             </a:pPr>
             <a:r>
-              <a:rPr b="0" lang="en-US" sz="2000" spc="-1" strike="noStrike">
+              <a:rPr lang="en-US" sz="2000" b="0" strike="noStrike" spc="-1">
                 <a:solidFill>
                   <a:srgbClr val="000000"/>
                 </a:solidFill>
@@ -5880,15 +6223,9 @@
               </a:rPr>
               <a:t>Second Outline Level</a:t>
             </a:r>
-            <a:endParaRPr b="0" lang="en-US" sz="2000" spc="-1" strike="noStrike">
-              <a:solidFill>
-                <a:srgbClr val="000000"/>
-              </a:solidFill>
-              <a:latin typeface="Aptos"/>
-            </a:endParaRPr>
-          </a:p>
-          <a:p>
-            <a:pPr lvl="2" marL="1296000" indent="-288000">
+          </a:p>
+          <a:p>
+            <a:pPr marL="1296000" lvl="2" indent="-288000">
               <a:lnSpc>
                 <a:spcPct val="90000"/>
               </a:lnSpc>
@@ -5903,7 +6240,7 @@
               <a:buChar char=""/>
             </a:pPr>
             <a:r>
-              <a:rPr b="0" lang="en-US" sz="1800" spc="-1" strike="noStrike">
+              <a:rPr lang="en-US" sz="1800" b="0" strike="noStrike" spc="-1">
                 <a:solidFill>
                   <a:srgbClr val="000000"/>
                 </a:solidFill>
@@ -5911,15 +6248,9 @@
               </a:rPr>
               <a:t>Third Outline Level</a:t>
             </a:r>
-            <a:endParaRPr b="0" lang="en-US" sz="1800" spc="-1" strike="noStrike">
-              <a:solidFill>
-                <a:srgbClr val="000000"/>
-              </a:solidFill>
-              <a:latin typeface="Aptos"/>
-            </a:endParaRPr>
-          </a:p>
-          <a:p>
-            <a:pPr lvl="3" marL="1728000" indent="-216000">
+          </a:p>
+          <a:p>
+            <a:pPr marL="1728000" lvl="3" indent="-216000">
               <a:lnSpc>
                 <a:spcPct val="90000"/>
               </a:lnSpc>
@@ -5934,7 +6265,7 @@
               <a:buChar char=""/>
             </a:pPr>
             <a:r>
-              <a:rPr b="0" lang="en-US" sz="1800" spc="-1" strike="noStrike">
+              <a:rPr lang="en-US" sz="1800" b="0" strike="noStrike" spc="-1">
                 <a:solidFill>
                   <a:srgbClr val="000000"/>
                 </a:solidFill>
@@ -5942,15 +6273,9 @@
               </a:rPr>
               <a:t>Fourth Outline Level</a:t>
             </a:r>
-            <a:endParaRPr b="0" lang="en-US" sz="1800" spc="-1" strike="noStrike">
-              <a:solidFill>
-                <a:srgbClr val="000000"/>
-              </a:solidFill>
-              <a:latin typeface="Aptos"/>
-            </a:endParaRPr>
-          </a:p>
-          <a:p>
-            <a:pPr lvl="4" marL="2160000" indent="-216000">
+          </a:p>
+          <a:p>
+            <a:pPr marL="2160000" lvl="4" indent="-216000">
               <a:lnSpc>
                 <a:spcPct val="90000"/>
               </a:lnSpc>
@@ -5965,7 +6290,7 @@
               <a:buChar char=""/>
             </a:pPr>
             <a:r>
-              <a:rPr b="0" lang="en-US" sz="2000" spc="-1" strike="noStrike">
+              <a:rPr lang="en-US" sz="2000" b="0" strike="noStrike" spc="-1">
                 <a:solidFill>
                   <a:srgbClr val="000000"/>
                 </a:solidFill>
@@ -5973,15 +6298,9 @@
               </a:rPr>
               <a:t>Fifth Outline Level</a:t>
             </a:r>
-            <a:endParaRPr b="0" lang="en-US" sz="2000" spc="-1" strike="noStrike">
-              <a:solidFill>
-                <a:srgbClr val="000000"/>
-              </a:solidFill>
-              <a:latin typeface="Aptos"/>
-            </a:endParaRPr>
-          </a:p>
-          <a:p>
-            <a:pPr lvl="5" marL="2592000" indent="-216000">
+          </a:p>
+          <a:p>
+            <a:pPr marL="2592000" lvl="5" indent="-216000">
               <a:lnSpc>
                 <a:spcPct val="90000"/>
               </a:lnSpc>
@@ -5996,7 +6315,7 @@
               <a:buChar char=""/>
             </a:pPr>
             <a:r>
-              <a:rPr b="0" lang="en-US" sz="2000" spc="-1" strike="noStrike">
+              <a:rPr lang="en-US" sz="2000" b="0" strike="noStrike" spc="-1">
                 <a:solidFill>
                   <a:srgbClr val="000000"/>
                 </a:solidFill>
@@ -6004,15 +6323,9 @@
               </a:rPr>
               <a:t>Sixth Outline Level</a:t>
             </a:r>
-            <a:endParaRPr b="0" lang="en-US" sz="2000" spc="-1" strike="noStrike">
-              <a:solidFill>
-                <a:srgbClr val="000000"/>
-              </a:solidFill>
-              <a:latin typeface="Aptos"/>
-            </a:endParaRPr>
-          </a:p>
-          <a:p>
-            <a:pPr lvl="6" marL="3024000" indent="-216000">
+          </a:p>
+          <a:p>
+            <a:pPr marL="3024000" lvl="6" indent="-216000">
               <a:lnSpc>
                 <a:spcPct val="90000"/>
               </a:lnSpc>
@@ -6027,7 +6340,7 @@
               <a:buChar char=""/>
             </a:pPr>
             <a:r>
-              <a:rPr b="0" lang="en-US" sz="2000" spc="-1" strike="noStrike">
+              <a:rPr lang="en-US" sz="2000" b="0" strike="noStrike" spc="-1">
                 <a:solidFill>
                   <a:srgbClr val="000000"/>
                 </a:solidFill>
@@ -6035,43 +6348,318 @@
               </a:rPr>
               <a:t>Seventh Outline Level</a:t>
             </a:r>
-            <a:endParaRPr b="0" lang="en-US" sz="2000" spc="-1" strike="noStrike">
-              <a:solidFill>
-                <a:srgbClr val="000000"/>
-              </a:solidFill>
-              <a:latin typeface="Aptos"/>
-            </a:endParaRPr>
           </a:p>
         </p:txBody>
       </p:sp>
     </p:spTree>
   </p:cSld>
-  <p:clrMap bg1="lt1" bg2="lt2" tx1="dk1" tx2="dk2" accent1="accent1" accent2="accent2" accent3="accent3" accent4="accent4" accent5="accent5" accent6="accent6" hlink="hlink" folHlink="folHlink"/>
+  <p:clrMap bg1="lt1" tx1="dk1" bg2="lt2" tx2="dk2" accent1="accent1" accent2="accent2" accent3="accent3" accent4="accent4" accent5="accent5" accent6="accent6" hlink="hlink" folHlink="folHlink"/>
   <p:sldLayoutIdLst>
-    <p:sldLayoutId id="2147483649" r:id="rId2"/>
-    <p:sldLayoutId id="2147483650" r:id="rId3"/>
-    <p:sldLayoutId id="2147483651" r:id="rId4"/>
-    <p:sldLayoutId id="2147483652" r:id="rId5"/>
-    <p:sldLayoutId id="2147483653" r:id="rId6"/>
-    <p:sldLayoutId id="2147483654" r:id="rId7"/>
-    <p:sldLayoutId id="2147483655" r:id="rId8"/>
-    <p:sldLayoutId id="2147483656" r:id="rId9"/>
-    <p:sldLayoutId id="2147483657" r:id="rId10"/>
-    <p:sldLayoutId id="2147483658" r:id="rId11"/>
-    <p:sldLayoutId id="2147483659" r:id="rId12"/>
-    <p:sldLayoutId id="2147483660" r:id="rId13"/>
+    <p:sldLayoutId id="2147483649" r:id="rId1"/>
+    <p:sldLayoutId id="2147483650" r:id="rId2"/>
+    <p:sldLayoutId id="2147483651" r:id="rId3"/>
+    <p:sldLayoutId id="2147483652" r:id="rId4"/>
+    <p:sldLayoutId id="2147483653" r:id="rId5"/>
+    <p:sldLayoutId id="2147483654" r:id="rId6"/>
+    <p:sldLayoutId id="2147483655" r:id="rId7"/>
+    <p:sldLayoutId id="2147483656" r:id="rId8"/>
+    <p:sldLayoutId id="2147483657" r:id="rId9"/>
+    <p:sldLayoutId id="2147483658" r:id="rId10"/>
+    <p:sldLayoutId id="2147483659" r:id="rId11"/>
+    <p:sldLayoutId id="2147483660" r:id="rId12"/>
   </p:sldLayoutIdLst>
+  <p:txStyles>
+    <p:titleStyle>
+      <a:lvl1pPr algn="l" defTabSz="914400" rtl="0" eaLnBrk="1" latinLnBrk="0" hangingPunct="1">
+        <a:lnSpc>
+          <a:spcPct val="90000"/>
+        </a:lnSpc>
+        <a:spcBef>
+          <a:spcPct val="0"/>
+        </a:spcBef>
+        <a:buNone/>
+        <a:defRPr sz="4400" kern="1200">
+          <a:solidFill>
+            <a:schemeClr val="tx1"/>
+          </a:solidFill>
+          <a:latin typeface="+mj-lt"/>
+          <a:ea typeface="+mj-ea"/>
+          <a:cs typeface="+mj-cs"/>
+        </a:defRPr>
+      </a:lvl1pPr>
+    </p:titleStyle>
+    <p:bodyStyle>
+      <a:lvl1pPr marL="228600" indent="-228600" algn="l" defTabSz="914400" rtl="0" eaLnBrk="1" latinLnBrk="0" hangingPunct="1">
+        <a:lnSpc>
+          <a:spcPct val="90000"/>
+        </a:lnSpc>
+        <a:spcBef>
+          <a:spcPts val="1000"/>
+        </a:spcBef>
+        <a:buFont typeface="Arial" panose="020B0604020202020204" pitchFamily="34" charset="0"/>
+        <a:buChar char="•"/>
+        <a:defRPr sz="2800" kern="1200">
+          <a:solidFill>
+            <a:schemeClr val="tx1"/>
+          </a:solidFill>
+          <a:latin typeface="+mn-lt"/>
+          <a:ea typeface="+mn-ea"/>
+          <a:cs typeface="+mn-cs"/>
+        </a:defRPr>
+      </a:lvl1pPr>
+      <a:lvl2pPr marL="685800" indent="-228600" algn="l" defTabSz="914400" rtl="0" eaLnBrk="1" latinLnBrk="0" hangingPunct="1">
+        <a:lnSpc>
+          <a:spcPct val="90000"/>
+        </a:lnSpc>
+        <a:spcBef>
+          <a:spcPts val="500"/>
+        </a:spcBef>
+        <a:buFont typeface="Arial" panose="020B0604020202020204" pitchFamily="34" charset="0"/>
+        <a:buChar char="•"/>
+        <a:defRPr sz="2400" kern="1200">
+          <a:solidFill>
+            <a:schemeClr val="tx1"/>
+          </a:solidFill>
+          <a:latin typeface="+mn-lt"/>
+          <a:ea typeface="+mn-ea"/>
+          <a:cs typeface="+mn-cs"/>
+        </a:defRPr>
+      </a:lvl2pPr>
+      <a:lvl3pPr marL="1143000" indent="-228600" algn="l" defTabSz="914400" rtl="0" eaLnBrk="1" latinLnBrk="0" hangingPunct="1">
+        <a:lnSpc>
+          <a:spcPct val="90000"/>
+        </a:lnSpc>
+        <a:spcBef>
+          <a:spcPts val="500"/>
+        </a:spcBef>
+        <a:buFont typeface="Arial" panose="020B0604020202020204" pitchFamily="34" charset="0"/>
+        <a:buChar char="•"/>
+        <a:defRPr sz="2000" kern="1200">
+          <a:solidFill>
+            <a:schemeClr val="tx1"/>
+          </a:solidFill>
+          <a:latin typeface="+mn-lt"/>
+          <a:ea typeface="+mn-ea"/>
+          <a:cs typeface="+mn-cs"/>
+        </a:defRPr>
+      </a:lvl3pPr>
+      <a:lvl4pPr marL="1600200" indent="-228600" algn="l" defTabSz="914400" rtl="0" eaLnBrk="1" latinLnBrk="0" hangingPunct="1">
+        <a:lnSpc>
+          <a:spcPct val="90000"/>
+        </a:lnSpc>
+        <a:spcBef>
+          <a:spcPts val="500"/>
+        </a:spcBef>
+        <a:buFont typeface="Arial" panose="020B0604020202020204" pitchFamily="34" charset="0"/>
+        <a:buChar char="•"/>
+        <a:defRPr sz="1800" kern="1200">
+          <a:solidFill>
+            <a:schemeClr val="tx1"/>
+          </a:solidFill>
+          <a:latin typeface="+mn-lt"/>
+          <a:ea typeface="+mn-ea"/>
+          <a:cs typeface="+mn-cs"/>
+        </a:defRPr>
+      </a:lvl4pPr>
+      <a:lvl5pPr marL="2057400" indent="-228600" algn="l" defTabSz="914400" rtl="0" eaLnBrk="1" latinLnBrk="0" hangingPunct="1">
+        <a:lnSpc>
+          <a:spcPct val="90000"/>
+        </a:lnSpc>
+        <a:spcBef>
+          <a:spcPts val="500"/>
+        </a:spcBef>
+        <a:buFont typeface="Arial" panose="020B0604020202020204" pitchFamily="34" charset="0"/>
+        <a:buChar char="•"/>
+        <a:defRPr sz="1800" kern="1200">
+          <a:solidFill>
+            <a:schemeClr val="tx1"/>
+          </a:solidFill>
+          <a:latin typeface="+mn-lt"/>
+          <a:ea typeface="+mn-ea"/>
+          <a:cs typeface="+mn-cs"/>
+        </a:defRPr>
+      </a:lvl5pPr>
+      <a:lvl6pPr marL="2514600" indent="-228600" algn="l" defTabSz="914400" rtl="0" eaLnBrk="1" latinLnBrk="0" hangingPunct="1">
+        <a:lnSpc>
+          <a:spcPct val="90000"/>
+        </a:lnSpc>
+        <a:spcBef>
+          <a:spcPts val="500"/>
+        </a:spcBef>
+        <a:buFont typeface="Arial" panose="020B0604020202020204" pitchFamily="34" charset="0"/>
+        <a:buChar char="•"/>
+        <a:defRPr sz="1800" kern="1200">
+          <a:solidFill>
+            <a:schemeClr val="tx1"/>
+          </a:solidFill>
+          <a:latin typeface="+mn-lt"/>
+          <a:ea typeface="+mn-ea"/>
+          <a:cs typeface="+mn-cs"/>
+        </a:defRPr>
+      </a:lvl6pPr>
+      <a:lvl7pPr marL="2971800" indent="-228600" algn="l" defTabSz="914400" rtl="0" eaLnBrk="1" latinLnBrk="0" hangingPunct="1">
+        <a:lnSpc>
+          <a:spcPct val="90000"/>
+        </a:lnSpc>
+        <a:spcBef>
+          <a:spcPts val="500"/>
+        </a:spcBef>
+        <a:buFont typeface="Arial" panose="020B0604020202020204" pitchFamily="34" charset="0"/>
+        <a:buChar char="•"/>
+        <a:defRPr sz="1800" kern="1200">
+          <a:solidFill>
+            <a:schemeClr val="tx1"/>
+          </a:solidFill>
+          <a:latin typeface="+mn-lt"/>
+          <a:ea typeface="+mn-ea"/>
+          <a:cs typeface="+mn-cs"/>
+        </a:defRPr>
+      </a:lvl7pPr>
+      <a:lvl8pPr marL="3429000" indent="-228600" algn="l" defTabSz="914400" rtl="0" eaLnBrk="1" latinLnBrk="0" hangingPunct="1">
+        <a:lnSpc>
+          <a:spcPct val="90000"/>
+        </a:lnSpc>
+        <a:spcBef>
+          <a:spcPts val="500"/>
+        </a:spcBef>
+        <a:buFont typeface="Arial" panose="020B0604020202020204" pitchFamily="34" charset="0"/>
+        <a:buChar char="•"/>
+        <a:defRPr sz="1800" kern="1200">
+          <a:solidFill>
+            <a:schemeClr val="tx1"/>
+          </a:solidFill>
+          <a:latin typeface="+mn-lt"/>
+          <a:ea typeface="+mn-ea"/>
+          <a:cs typeface="+mn-cs"/>
+        </a:defRPr>
+      </a:lvl8pPr>
+      <a:lvl9pPr marL="3886200" indent="-228600" algn="l" defTabSz="914400" rtl="0" eaLnBrk="1" latinLnBrk="0" hangingPunct="1">
+        <a:lnSpc>
+          <a:spcPct val="90000"/>
+        </a:lnSpc>
+        <a:spcBef>
+          <a:spcPts val="500"/>
+        </a:spcBef>
+        <a:buFont typeface="Arial" panose="020B0604020202020204" pitchFamily="34" charset="0"/>
+        <a:buChar char="•"/>
+        <a:defRPr sz="1800" kern="1200">
+          <a:solidFill>
+            <a:schemeClr val="tx1"/>
+          </a:solidFill>
+          <a:latin typeface="+mn-lt"/>
+          <a:ea typeface="+mn-ea"/>
+          <a:cs typeface="+mn-cs"/>
+        </a:defRPr>
+      </a:lvl9pPr>
+    </p:bodyStyle>
+    <p:otherStyle>
+      <a:defPPr>
+        <a:defRPr lang="en-US"/>
+      </a:defPPr>
+      <a:lvl1pPr marL="0" algn="l" defTabSz="914400" rtl="0" eaLnBrk="1" latinLnBrk="0" hangingPunct="1">
+        <a:defRPr sz="1800" kern="1200">
+          <a:solidFill>
+            <a:schemeClr val="tx1"/>
+          </a:solidFill>
+          <a:latin typeface="+mn-lt"/>
+          <a:ea typeface="+mn-ea"/>
+          <a:cs typeface="+mn-cs"/>
+        </a:defRPr>
+      </a:lvl1pPr>
+      <a:lvl2pPr marL="457200" algn="l" defTabSz="914400" rtl="0" eaLnBrk="1" latinLnBrk="0" hangingPunct="1">
+        <a:defRPr sz="1800" kern="1200">
+          <a:solidFill>
+            <a:schemeClr val="tx1"/>
+          </a:solidFill>
+          <a:latin typeface="+mn-lt"/>
+          <a:ea typeface="+mn-ea"/>
+          <a:cs typeface="+mn-cs"/>
+        </a:defRPr>
+      </a:lvl2pPr>
+      <a:lvl3pPr marL="914400" algn="l" defTabSz="914400" rtl="0" eaLnBrk="1" latinLnBrk="0" hangingPunct="1">
+        <a:defRPr sz="1800" kern="1200">
+          <a:solidFill>
+            <a:schemeClr val="tx1"/>
+          </a:solidFill>
+          <a:latin typeface="+mn-lt"/>
+          <a:ea typeface="+mn-ea"/>
+          <a:cs typeface="+mn-cs"/>
+        </a:defRPr>
+      </a:lvl3pPr>
+      <a:lvl4pPr marL="1371600" algn="l" defTabSz="914400" rtl="0" eaLnBrk="1" latinLnBrk="0" hangingPunct="1">
+        <a:defRPr sz="1800" kern="1200">
+          <a:solidFill>
+            <a:schemeClr val="tx1"/>
+          </a:solidFill>
+          <a:latin typeface="+mn-lt"/>
+          <a:ea typeface="+mn-ea"/>
+          <a:cs typeface="+mn-cs"/>
+        </a:defRPr>
+      </a:lvl4pPr>
+      <a:lvl5pPr marL="1828800" algn="l" defTabSz="914400" rtl="0" eaLnBrk="1" latinLnBrk="0" hangingPunct="1">
+        <a:defRPr sz="1800" kern="1200">
+          <a:solidFill>
+            <a:schemeClr val="tx1"/>
+          </a:solidFill>
+          <a:latin typeface="+mn-lt"/>
+          <a:ea typeface="+mn-ea"/>
+          <a:cs typeface="+mn-cs"/>
+        </a:defRPr>
+      </a:lvl5pPr>
+      <a:lvl6pPr marL="2286000" algn="l" defTabSz="914400" rtl="0" eaLnBrk="1" latinLnBrk="0" hangingPunct="1">
+        <a:defRPr sz="1800" kern="1200">
+          <a:solidFill>
+            <a:schemeClr val="tx1"/>
+          </a:solidFill>
+          <a:latin typeface="+mn-lt"/>
+          <a:ea typeface="+mn-ea"/>
+          <a:cs typeface="+mn-cs"/>
+        </a:defRPr>
+      </a:lvl6pPr>
+      <a:lvl7pPr marL="2743200" algn="l" defTabSz="914400" rtl="0" eaLnBrk="1" latinLnBrk="0" hangingPunct="1">
+        <a:defRPr sz="1800" kern="1200">
+          <a:solidFill>
+            <a:schemeClr val="tx1"/>
+          </a:solidFill>
+          <a:latin typeface="+mn-lt"/>
+          <a:ea typeface="+mn-ea"/>
+          <a:cs typeface="+mn-cs"/>
+        </a:defRPr>
+      </a:lvl7pPr>
+      <a:lvl8pPr marL="3200400" algn="l" defTabSz="914400" rtl="0" eaLnBrk="1" latinLnBrk="0" hangingPunct="1">
+        <a:defRPr sz="1800" kern="1200">
+          <a:solidFill>
+            <a:schemeClr val="tx1"/>
+          </a:solidFill>
+          <a:latin typeface="+mn-lt"/>
+          <a:ea typeface="+mn-ea"/>
+          <a:cs typeface="+mn-cs"/>
+        </a:defRPr>
+      </a:lvl8pPr>
+      <a:lvl9pPr marL="3657600" algn="l" defTabSz="914400" rtl="0" eaLnBrk="1" latinLnBrk="0" hangingPunct="1">
+        <a:defRPr sz="1800" kern="1200">
+          <a:solidFill>
+            <a:schemeClr val="tx1"/>
+          </a:solidFill>
+          <a:latin typeface="+mn-lt"/>
+          <a:ea typeface="+mn-ea"/>
+          <a:cs typeface="+mn-cs"/>
+        </a:defRPr>
+      </a:lvl9pPr>
+    </p:otherStyle>
+  </p:txStyles>
 </p:sldMaster>
 </file>
 
 <file path=ppt/slideMasters/slideMaster2.xml><?xml version="1.0" encoding="utf-8"?>
-<p:sldMaster xmlns:a="http://schemas.openxmlformats.org/drawingml/2006/main" xmlns:p="http://schemas.openxmlformats.org/presentationml/2006/main" xmlns:r="http://schemas.openxmlformats.org/officeDocument/2006/relationships" xmlns:p14="http://schemas.microsoft.com/office/powerpoint/2010/main" xmlns:p15="http://schemas.microsoft.com/office/powerpoint/2012/main" xmlns:mc="http://schemas.openxmlformats.org/markup-compatibility/2006">
+<p:sldMaster xmlns:a="http://schemas.openxmlformats.org/drawingml/2006/main" xmlns:r="http://schemas.openxmlformats.org/officeDocument/2006/relationships" xmlns:p="http://schemas.openxmlformats.org/presentationml/2006/main">
   <p:cSld>
     <p:bg>
       <p:bgPr>
         <a:solidFill>
-          <a:srgbClr val="ffffff"/>
+          <a:srgbClr val="FFFFFF"/>
         </a:solidFill>
+        <a:effectLst/>
       </p:bgPr>
     </p:bg>
     <p:spTree>
@@ -6115,6 +6703,7 @@
           <a:bodyPr anchor="ctr">
             <a:noAutofit/>
           </a:bodyPr>
+          <a:lstStyle/>
           <a:p>
             <a:pPr>
               <a:lnSpc>
@@ -6123,7 +6712,7 @@
               <a:buNone/>
             </a:pPr>
             <a:r>
-              <a:rPr b="0" lang="en-US" sz="4400" spc="-1" strike="noStrike">
+              <a:rPr lang="en-US" sz="4400" b="0" strike="noStrike" spc="-1">
                 <a:solidFill>
                   <a:srgbClr val="000000"/>
                 </a:solidFill>
@@ -6131,7 +6720,7 @@
               </a:rPr>
               <a:t>Click to edit Master title style</a:t>
             </a:r>
-            <a:endParaRPr b="0" lang="en-US" sz="4400" spc="-1" strike="noStrike">
+            <a:endParaRPr lang="en-US" sz="4400" b="0" strike="noStrike" spc="-1">
               <a:solidFill>
                 <a:srgbClr val="000000"/>
               </a:solidFill>
@@ -6167,6 +6756,7 @@
           <a:bodyPr anchor="t">
             <a:noAutofit/>
           </a:bodyPr>
+          <a:lstStyle/>
           <a:p>
             <a:pPr marL="228600" indent="-228600">
               <a:lnSpc>
@@ -6182,7 +6772,7 @@
               <a:buChar char="•"/>
             </a:pPr>
             <a:r>
-              <a:rPr b="0" lang="en-US" sz="2800" spc="-1" strike="noStrike">
+              <a:rPr lang="en-US" sz="2800" b="0" strike="noStrike" spc="-1">
                 <a:solidFill>
                   <a:srgbClr val="000000"/>
                 </a:solidFill>
@@ -6190,15 +6780,9 @@
               </a:rPr>
               <a:t>Click to edit Master text styles</a:t>
             </a:r>
-            <a:endParaRPr b="0" lang="en-US" sz="2800" spc="-1" strike="noStrike">
-              <a:solidFill>
-                <a:srgbClr val="000000"/>
-              </a:solidFill>
-              <a:latin typeface="Aptos"/>
-            </a:endParaRPr>
-          </a:p>
-          <a:p>
-            <a:pPr lvl="1" marL="685800" indent="-228600">
+          </a:p>
+          <a:p>
+            <a:pPr marL="685800" lvl="1" indent="-228600">
               <a:lnSpc>
                 <a:spcPct val="90000"/>
               </a:lnSpc>
@@ -6212,7 +6796,7 @@
               <a:buChar char="•"/>
             </a:pPr>
             <a:r>
-              <a:rPr b="0" lang="en-US" sz="2400" spc="-1" strike="noStrike">
+              <a:rPr lang="en-US" sz="2400" b="0" strike="noStrike" spc="-1">
                 <a:solidFill>
                   <a:srgbClr val="000000"/>
                 </a:solidFill>
@@ -6220,15 +6804,9 @@
               </a:rPr>
               <a:t>Second level</a:t>
             </a:r>
-            <a:endParaRPr b="0" lang="en-US" sz="2400" spc="-1" strike="noStrike">
-              <a:solidFill>
-                <a:srgbClr val="000000"/>
-              </a:solidFill>
-              <a:latin typeface="Aptos"/>
-            </a:endParaRPr>
-          </a:p>
-          <a:p>
-            <a:pPr lvl="2" marL="1143000" indent="-228600">
+          </a:p>
+          <a:p>
+            <a:pPr marL="1143000" lvl="2" indent="-228600">
               <a:lnSpc>
                 <a:spcPct val="90000"/>
               </a:lnSpc>
@@ -6242,7 +6820,7 @@
               <a:buChar char="•"/>
             </a:pPr>
             <a:r>
-              <a:rPr b="0" lang="en-US" sz="2000" spc="-1" strike="noStrike">
+              <a:rPr lang="en-US" sz="2000" b="0" strike="noStrike" spc="-1">
                 <a:solidFill>
                   <a:srgbClr val="000000"/>
                 </a:solidFill>
@@ -6250,15 +6828,9 @@
               </a:rPr>
               <a:t>Third level</a:t>
             </a:r>
-            <a:endParaRPr b="0" lang="en-US" sz="2000" spc="-1" strike="noStrike">
-              <a:solidFill>
-                <a:srgbClr val="000000"/>
-              </a:solidFill>
-              <a:latin typeface="Aptos"/>
-            </a:endParaRPr>
-          </a:p>
-          <a:p>
-            <a:pPr lvl="3" marL="1600200" indent="-228600">
+          </a:p>
+          <a:p>
+            <a:pPr marL="1600200" lvl="3" indent="-228600">
               <a:lnSpc>
                 <a:spcPct val="90000"/>
               </a:lnSpc>
@@ -6272,7 +6844,7 @@
               <a:buChar char="•"/>
             </a:pPr>
             <a:r>
-              <a:rPr b="0" lang="en-US" sz="1800" spc="-1" strike="noStrike">
+              <a:rPr lang="en-US" sz="1800" b="0" strike="noStrike" spc="-1">
                 <a:solidFill>
                   <a:srgbClr val="000000"/>
                 </a:solidFill>
@@ -6280,15 +6852,9 @@
               </a:rPr>
               <a:t>Fourth level</a:t>
             </a:r>
-            <a:endParaRPr b="0" lang="en-US" sz="1800" spc="-1" strike="noStrike">
-              <a:solidFill>
-                <a:srgbClr val="000000"/>
-              </a:solidFill>
-              <a:latin typeface="Aptos"/>
-            </a:endParaRPr>
-          </a:p>
-          <a:p>
-            <a:pPr lvl="4" marL="2057400" indent="-228600">
+          </a:p>
+          <a:p>
+            <a:pPr marL="2057400" lvl="4" indent="-228600">
               <a:lnSpc>
                 <a:spcPct val="90000"/>
               </a:lnSpc>
@@ -6302,7 +6868,7 @@
               <a:buChar char="•"/>
             </a:pPr>
             <a:r>
-              <a:rPr b="0" lang="en-US" sz="1800" spc="-1" strike="noStrike">
+              <a:rPr lang="en-US" sz="1800" b="0" strike="noStrike" spc="-1">
                 <a:solidFill>
                   <a:srgbClr val="000000"/>
                 </a:solidFill>
@@ -6310,12 +6876,6 @@
               </a:rPr>
               <a:t>Fifth level</a:t>
             </a:r>
-            <a:endParaRPr b="0" lang="en-US" sz="1800" spc="-1" strike="noStrike">
-              <a:solidFill>
-                <a:srgbClr val="000000"/>
-              </a:solidFill>
-              <a:latin typeface="Aptos"/>
-            </a:endParaRPr>
           </a:p>
         </p:txBody>
       </p:sp>
@@ -6352,7 +6912,7 @@
                 <a:spcPct val="100000"/>
               </a:lnSpc>
               <a:buNone/>
-              <a:defRPr b="0" lang="en-US" sz="1200" spc="-1" strike="noStrike">
+              <a:defRPr lang="en-US" sz="1200" b="0" strike="noStrike" spc="-1">
                 <a:solidFill>
                   <a:srgbClr val="787878"/>
                 </a:solidFill>
@@ -6368,7 +6928,7 @@
               <a:buNone/>
             </a:pPr>
             <a:r>
-              <a:rPr b="0" lang="en-US" sz="1200" spc="-1" strike="noStrike">
+              <a:rPr lang="en-US" sz="1200" b="0" strike="noStrike" spc="-1">
                 <a:solidFill>
                   <a:srgbClr val="787878"/>
                 </a:solidFill>
@@ -6376,7 +6936,7 @@
               </a:rPr>
               <a:t>&lt;date/time&gt;</a:t>
             </a:r>
-            <a:endParaRPr b="0" lang="en-US" sz="1200" spc="-1" strike="noStrike">
+            <a:endParaRPr lang="en-US" sz="1200" b="0" strike="noStrike" spc="-1">
               <a:latin typeface="Times New Roman"/>
             </a:endParaRPr>
           </a:p>
@@ -6412,7 +6972,7 @@
           <a:lstStyle>
             <a:lvl1pPr algn="ctr">
               <a:buNone/>
-              <a:defRPr b="0" lang="en-US" sz="1400" spc="-1" strike="noStrike">
+              <a:defRPr lang="en-US" sz="1400" b="0" strike="noStrike" spc="-1">
                 <a:latin typeface="Times New Roman"/>
               </a:defRPr>
             </a:lvl1pPr>
@@ -6422,14 +6982,11 @@
               <a:buNone/>
             </a:pPr>
             <a:r>
-              <a:rPr b="0" lang="en-US" sz="1400" spc="-1" strike="noStrike">
+              <a:rPr lang="en-US" sz="1400" b="0" strike="noStrike" spc="-1">
                 <a:latin typeface="Times New Roman"/>
               </a:rPr>
               <a:t>&lt;footer&gt;</a:t>
             </a:r>
-            <a:endParaRPr b="0" lang="en-US" sz="1400" spc="-1" strike="noStrike">
-              <a:latin typeface="Times New Roman"/>
-            </a:endParaRPr>
           </a:p>
         </p:txBody>
       </p:sp>
@@ -6466,7 +7023,7 @@
                 <a:spcPct val="100000"/>
               </a:lnSpc>
               <a:buNone/>
-              <a:defRPr b="0" lang="en-US" sz="1200" spc="-1" strike="noStrike">
+              <a:defRPr lang="en-US" sz="1200" b="0" strike="noStrike" spc="-1">
                 <a:solidFill>
                   <a:srgbClr val="787878"/>
                 </a:solidFill>
@@ -6482,15 +7039,15 @@
               <a:buNone/>
             </a:pPr>
             <a:fld id="{7F278F9A-AC43-43A7-B408-6D552A4AE8BE}" type="slidenum">
-              <a:rPr b="0" lang="en-US" sz="1200" spc="-1" strike="noStrike">
+              <a:rPr lang="en-US" sz="1200" b="0" strike="noStrike" spc="-1">
                 <a:solidFill>
                   <a:srgbClr val="787878"/>
                 </a:solidFill>
                 <a:latin typeface="Aptos"/>
               </a:rPr>
-              <a:t>&lt;number&gt;</a:t>
+              <a:t>‹#›</a:t>
             </a:fld>
-            <a:endParaRPr b="0" lang="en-US" sz="1200" spc="-1" strike="noStrike">
+            <a:endParaRPr lang="en-US" sz="1200" b="0" strike="noStrike" spc="-1">
               <a:latin typeface="Times New Roman"/>
             </a:endParaRPr>
           </a:p>
@@ -6498,26 +7055,306 @@
       </p:sp>
     </p:spTree>
   </p:cSld>
-  <p:clrMap bg1="lt1" bg2="lt2" tx1="dk1" tx2="dk2" accent1="accent1" accent2="accent2" accent3="accent3" accent4="accent4" accent5="accent5" accent6="accent6" hlink="hlink" folHlink="folHlink"/>
+  <p:clrMap bg1="lt1" tx1="dk1" bg2="lt2" tx2="dk2" accent1="accent1" accent2="accent2" accent3="accent3" accent4="accent4" accent5="accent5" accent6="accent6" hlink="hlink" folHlink="folHlink"/>
   <p:sldLayoutIdLst>
-    <p:sldLayoutId id="2147483662" r:id="rId2"/>
-    <p:sldLayoutId id="2147483663" r:id="rId3"/>
-    <p:sldLayoutId id="2147483664" r:id="rId4"/>
-    <p:sldLayoutId id="2147483665" r:id="rId5"/>
-    <p:sldLayoutId id="2147483666" r:id="rId6"/>
-    <p:sldLayoutId id="2147483667" r:id="rId7"/>
-    <p:sldLayoutId id="2147483668" r:id="rId8"/>
-    <p:sldLayoutId id="2147483669" r:id="rId9"/>
-    <p:sldLayoutId id="2147483670" r:id="rId10"/>
-    <p:sldLayoutId id="2147483671" r:id="rId11"/>
-    <p:sldLayoutId id="2147483672" r:id="rId12"/>
-    <p:sldLayoutId id="2147483673" r:id="rId13"/>
+    <p:sldLayoutId id="2147483662" r:id="rId1"/>
+    <p:sldLayoutId id="2147483663" r:id="rId2"/>
+    <p:sldLayoutId id="2147483664" r:id="rId3"/>
+    <p:sldLayoutId id="2147483665" r:id="rId4"/>
+    <p:sldLayoutId id="2147483666" r:id="rId5"/>
+    <p:sldLayoutId id="2147483667" r:id="rId6"/>
+    <p:sldLayoutId id="2147483668" r:id="rId7"/>
+    <p:sldLayoutId id="2147483669" r:id="rId8"/>
+    <p:sldLayoutId id="2147483670" r:id="rId9"/>
+    <p:sldLayoutId id="2147483671" r:id="rId10"/>
+    <p:sldLayoutId id="2147483672" r:id="rId11"/>
+    <p:sldLayoutId id="2147483673" r:id="rId12"/>
   </p:sldLayoutIdLst>
+  <p:txStyles>
+    <p:titleStyle>
+      <a:lvl1pPr algn="l" defTabSz="914400" rtl="0" eaLnBrk="1" latinLnBrk="0" hangingPunct="1">
+        <a:lnSpc>
+          <a:spcPct val="90000"/>
+        </a:lnSpc>
+        <a:spcBef>
+          <a:spcPct val="0"/>
+        </a:spcBef>
+        <a:buNone/>
+        <a:defRPr sz="4400" kern="1200">
+          <a:solidFill>
+            <a:schemeClr val="tx1"/>
+          </a:solidFill>
+          <a:latin typeface="+mj-lt"/>
+          <a:ea typeface="+mj-ea"/>
+          <a:cs typeface="+mj-cs"/>
+        </a:defRPr>
+      </a:lvl1pPr>
+    </p:titleStyle>
+    <p:bodyStyle>
+      <a:lvl1pPr marL="228600" indent="-228600" algn="l" defTabSz="914400" rtl="0" eaLnBrk="1" latinLnBrk="0" hangingPunct="1">
+        <a:lnSpc>
+          <a:spcPct val="90000"/>
+        </a:lnSpc>
+        <a:spcBef>
+          <a:spcPts val="1000"/>
+        </a:spcBef>
+        <a:buFont typeface="Arial" panose="020B0604020202020204" pitchFamily="34" charset="0"/>
+        <a:buChar char="•"/>
+        <a:defRPr sz="2800" kern="1200">
+          <a:solidFill>
+            <a:schemeClr val="tx1"/>
+          </a:solidFill>
+          <a:latin typeface="+mn-lt"/>
+          <a:ea typeface="+mn-ea"/>
+          <a:cs typeface="+mn-cs"/>
+        </a:defRPr>
+      </a:lvl1pPr>
+      <a:lvl2pPr marL="685800" indent="-228600" algn="l" defTabSz="914400" rtl="0" eaLnBrk="1" latinLnBrk="0" hangingPunct="1">
+        <a:lnSpc>
+          <a:spcPct val="90000"/>
+        </a:lnSpc>
+        <a:spcBef>
+          <a:spcPts val="500"/>
+        </a:spcBef>
+        <a:buFont typeface="Arial" panose="020B0604020202020204" pitchFamily="34" charset="0"/>
+        <a:buChar char="•"/>
+        <a:defRPr sz="2400" kern="1200">
+          <a:solidFill>
+            <a:schemeClr val="tx1"/>
+          </a:solidFill>
+          <a:latin typeface="+mn-lt"/>
+          <a:ea typeface="+mn-ea"/>
+          <a:cs typeface="+mn-cs"/>
+        </a:defRPr>
+      </a:lvl2pPr>
+      <a:lvl3pPr marL="1143000" indent="-228600" algn="l" defTabSz="914400" rtl="0" eaLnBrk="1" latinLnBrk="0" hangingPunct="1">
+        <a:lnSpc>
+          <a:spcPct val="90000"/>
+        </a:lnSpc>
+        <a:spcBef>
+          <a:spcPts val="500"/>
+        </a:spcBef>
+        <a:buFont typeface="Arial" panose="020B0604020202020204" pitchFamily="34" charset="0"/>
+        <a:buChar char="•"/>
+        <a:defRPr sz="2000" kern="1200">
+          <a:solidFill>
+            <a:schemeClr val="tx1"/>
+          </a:solidFill>
+          <a:latin typeface="+mn-lt"/>
+          <a:ea typeface="+mn-ea"/>
+          <a:cs typeface="+mn-cs"/>
+        </a:defRPr>
+      </a:lvl3pPr>
+      <a:lvl4pPr marL="1600200" indent="-228600" algn="l" defTabSz="914400" rtl="0" eaLnBrk="1" latinLnBrk="0" hangingPunct="1">
+        <a:lnSpc>
+          <a:spcPct val="90000"/>
+        </a:lnSpc>
+        <a:spcBef>
+          <a:spcPts val="500"/>
+        </a:spcBef>
+        <a:buFont typeface="Arial" panose="020B0604020202020204" pitchFamily="34" charset="0"/>
+        <a:buChar char="•"/>
+        <a:defRPr sz="1800" kern="1200">
+          <a:solidFill>
+            <a:schemeClr val="tx1"/>
+          </a:solidFill>
+          <a:latin typeface="+mn-lt"/>
+          <a:ea typeface="+mn-ea"/>
+          <a:cs typeface="+mn-cs"/>
+        </a:defRPr>
+      </a:lvl4pPr>
+      <a:lvl5pPr marL="2057400" indent="-228600" algn="l" defTabSz="914400" rtl="0" eaLnBrk="1" latinLnBrk="0" hangingPunct="1">
+        <a:lnSpc>
+          <a:spcPct val="90000"/>
+        </a:lnSpc>
+        <a:spcBef>
+          <a:spcPts val="500"/>
+        </a:spcBef>
+        <a:buFont typeface="Arial" panose="020B0604020202020204" pitchFamily="34" charset="0"/>
+        <a:buChar char="•"/>
+        <a:defRPr sz="1800" kern="1200">
+          <a:solidFill>
+            <a:schemeClr val="tx1"/>
+          </a:solidFill>
+          <a:latin typeface="+mn-lt"/>
+          <a:ea typeface="+mn-ea"/>
+          <a:cs typeface="+mn-cs"/>
+        </a:defRPr>
+      </a:lvl5pPr>
+      <a:lvl6pPr marL="2514600" indent="-228600" algn="l" defTabSz="914400" rtl="0" eaLnBrk="1" latinLnBrk="0" hangingPunct="1">
+        <a:lnSpc>
+          <a:spcPct val="90000"/>
+        </a:lnSpc>
+        <a:spcBef>
+          <a:spcPts val="500"/>
+        </a:spcBef>
+        <a:buFont typeface="Arial" panose="020B0604020202020204" pitchFamily="34" charset="0"/>
+        <a:buChar char="•"/>
+        <a:defRPr sz="1800" kern="1200">
+          <a:solidFill>
+            <a:schemeClr val="tx1"/>
+          </a:solidFill>
+          <a:latin typeface="+mn-lt"/>
+          <a:ea typeface="+mn-ea"/>
+          <a:cs typeface="+mn-cs"/>
+        </a:defRPr>
+      </a:lvl6pPr>
+      <a:lvl7pPr marL="2971800" indent="-228600" algn="l" defTabSz="914400" rtl="0" eaLnBrk="1" latinLnBrk="0" hangingPunct="1">
+        <a:lnSpc>
+          <a:spcPct val="90000"/>
+        </a:lnSpc>
+        <a:spcBef>
+          <a:spcPts val="500"/>
+        </a:spcBef>
+        <a:buFont typeface="Arial" panose="020B0604020202020204" pitchFamily="34" charset="0"/>
+        <a:buChar char="•"/>
+        <a:defRPr sz="1800" kern="1200">
+          <a:solidFill>
+            <a:schemeClr val="tx1"/>
+          </a:solidFill>
+          <a:latin typeface="+mn-lt"/>
+          <a:ea typeface="+mn-ea"/>
+          <a:cs typeface="+mn-cs"/>
+        </a:defRPr>
+      </a:lvl7pPr>
+      <a:lvl8pPr marL="3429000" indent="-228600" algn="l" defTabSz="914400" rtl="0" eaLnBrk="1" latinLnBrk="0" hangingPunct="1">
+        <a:lnSpc>
+          <a:spcPct val="90000"/>
+        </a:lnSpc>
+        <a:spcBef>
+          <a:spcPts val="500"/>
+        </a:spcBef>
+        <a:buFont typeface="Arial" panose="020B0604020202020204" pitchFamily="34" charset="0"/>
+        <a:buChar char="•"/>
+        <a:defRPr sz="1800" kern="1200">
+          <a:solidFill>
+            <a:schemeClr val="tx1"/>
+          </a:solidFill>
+          <a:latin typeface="+mn-lt"/>
+          <a:ea typeface="+mn-ea"/>
+          <a:cs typeface="+mn-cs"/>
+        </a:defRPr>
+      </a:lvl8pPr>
+      <a:lvl9pPr marL="3886200" indent="-228600" algn="l" defTabSz="914400" rtl="0" eaLnBrk="1" latinLnBrk="0" hangingPunct="1">
+        <a:lnSpc>
+          <a:spcPct val="90000"/>
+        </a:lnSpc>
+        <a:spcBef>
+          <a:spcPts val="500"/>
+        </a:spcBef>
+        <a:buFont typeface="Arial" panose="020B0604020202020204" pitchFamily="34" charset="0"/>
+        <a:buChar char="•"/>
+        <a:defRPr sz="1800" kern="1200">
+          <a:solidFill>
+            <a:schemeClr val="tx1"/>
+          </a:solidFill>
+          <a:latin typeface="+mn-lt"/>
+          <a:ea typeface="+mn-ea"/>
+          <a:cs typeface="+mn-cs"/>
+        </a:defRPr>
+      </a:lvl9pPr>
+    </p:bodyStyle>
+    <p:otherStyle>
+      <a:defPPr>
+        <a:defRPr lang="en-US"/>
+      </a:defPPr>
+      <a:lvl1pPr marL="0" algn="l" defTabSz="914400" rtl="0" eaLnBrk="1" latinLnBrk="0" hangingPunct="1">
+        <a:defRPr sz="1800" kern="1200">
+          <a:solidFill>
+            <a:schemeClr val="tx1"/>
+          </a:solidFill>
+          <a:latin typeface="+mn-lt"/>
+          <a:ea typeface="+mn-ea"/>
+          <a:cs typeface="+mn-cs"/>
+        </a:defRPr>
+      </a:lvl1pPr>
+      <a:lvl2pPr marL="457200" algn="l" defTabSz="914400" rtl="0" eaLnBrk="1" latinLnBrk="0" hangingPunct="1">
+        <a:defRPr sz="1800" kern="1200">
+          <a:solidFill>
+            <a:schemeClr val="tx1"/>
+          </a:solidFill>
+          <a:latin typeface="+mn-lt"/>
+          <a:ea typeface="+mn-ea"/>
+          <a:cs typeface="+mn-cs"/>
+        </a:defRPr>
+      </a:lvl2pPr>
+      <a:lvl3pPr marL="914400" algn="l" defTabSz="914400" rtl="0" eaLnBrk="1" latinLnBrk="0" hangingPunct="1">
+        <a:defRPr sz="1800" kern="1200">
+          <a:solidFill>
+            <a:schemeClr val="tx1"/>
+          </a:solidFill>
+          <a:latin typeface="+mn-lt"/>
+          <a:ea typeface="+mn-ea"/>
+          <a:cs typeface="+mn-cs"/>
+        </a:defRPr>
+      </a:lvl3pPr>
+      <a:lvl4pPr marL="1371600" algn="l" defTabSz="914400" rtl="0" eaLnBrk="1" latinLnBrk="0" hangingPunct="1">
+        <a:defRPr sz="1800" kern="1200">
+          <a:solidFill>
+            <a:schemeClr val="tx1"/>
+          </a:solidFill>
+          <a:latin typeface="+mn-lt"/>
+          <a:ea typeface="+mn-ea"/>
+          <a:cs typeface="+mn-cs"/>
+        </a:defRPr>
+      </a:lvl4pPr>
+      <a:lvl5pPr marL="1828800" algn="l" defTabSz="914400" rtl="0" eaLnBrk="1" latinLnBrk="0" hangingPunct="1">
+        <a:defRPr sz="1800" kern="1200">
+          <a:solidFill>
+            <a:schemeClr val="tx1"/>
+          </a:solidFill>
+          <a:latin typeface="+mn-lt"/>
+          <a:ea typeface="+mn-ea"/>
+          <a:cs typeface="+mn-cs"/>
+        </a:defRPr>
+      </a:lvl5pPr>
+      <a:lvl6pPr marL="2286000" algn="l" defTabSz="914400" rtl="0" eaLnBrk="1" latinLnBrk="0" hangingPunct="1">
+        <a:defRPr sz="1800" kern="1200">
+          <a:solidFill>
+            <a:schemeClr val="tx1"/>
+          </a:solidFill>
+          <a:latin typeface="+mn-lt"/>
+          <a:ea typeface="+mn-ea"/>
+          <a:cs typeface="+mn-cs"/>
+        </a:defRPr>
+      </a:lvl6pPr>
+      <a:lvl7pPr marL="2743200" algn="l" defTabSz="914400" rtl="0" eaLnBrk="1" latinLnBrk="0" hangingPunct="1">
+        <a:defRPr sz="1800" kern="1200">
+          <a:solidFill>
+            <a:schemeClr val="tx1"/>
+          </a:solidFill>
+          <a:latin typeface="+mn-lt"/>
+          <a:ea typeface="+mn-ea"/>
+          <a:cs typeface="+mn-cs"/>
+        </a:defRPr>
+      </a:lvl7pPr>
+      <a:lvl8pPr marL="3200400" algn="l" defTabSz="914400" rtl="0" eaLnBrk="1" latinLnBrk="0" hangingPunct="1">
+        <a:defRPr sz="1800" kern="1200">
+          <a:solidFill>
+            <a:schemeClr val="tx1"/>
+          </a:solidFill>
+          <a:latin typeface="+mn-lt"/>
+          <a:ea typeface="+mn-ea"/>
+          <a:cs typeface="+mn-cs"/>
+        </a:defRPr>
+      </a:lvl8pPr>
+      <a:lvl9pPr marL="3657600" algn="l" defTabSz="914400" rtl="0" eaLnBrk="1" latinLnBrk="0" hangingPunct="1">
+        <a:defRPr sz="1800" kern="1200">
+          <a:solidFill>
+            <a:schemeClr val="tx1"/>
+          </a:solidFill>
+          <a:latin typeface="+mn-lt"/>
+          <a:ea typeface="+mn-ea"/>
+          <a:cs typeface="+mn-cs"/>
+        </a:defRPr>
+      </a:lvl9pPr>
+    </p:otherStyle>
+  </p:txStyles>
 </p:sldMaster>
 </file>
 
 <file path=ppt/slides/slide1.xml><?xml version="1.0" encoding="utf-8"?>
-<p:sld xmlns:a="http://schemas.openxmlformats.org/drawingml/2006/main" xmlns:p="http://schemas.openxmlformats.org/presentationml/2006/main" xmlns:r="http://schemas.openxmlformats.org/officeDocument/2006/relationships" xmlns:p14="http://schemas.microsoft.com/office/powerpoint/2010/main" xmlns:p15="http://schemas.microsoft.com/office/powerpoint/2012/main" xmlns:mc="http://schemas.openxmlformats.org/markup-compatibility/2006">
+<p:sld xmlns:a="http://schemas.openxmlformats.org/drawingml/2006/main" xmlns:r="http://schemas.openxmlformats.org/officeDocument/2006/relationships" xmlns:p="http://schemas.openxmlformats.org/presentationml/2006/main">
   <p:cSld>
     <p:spTree>
       <p:nvGrpSpPr>
@@ -6560,6 +7397,7 @@
           <a:bodyPr anchor="b">
             <a:noAutofit/>
           </a:bodyPr>
+          <a:lstStyle/>
           <a:p>
             <a:pPr algn="ctr">
               <a:lnSpc>
@@ -6568,7 +7406,7 @@
               <a:buNone/>
             </a:pPr>
             <a:r>
-              <a:rPr b="0" lang="en-US" sz="6000" spc="-1" strike="noStrike">
+              <a:rPr lang="en-US" sz="6000" b="0" strike="noStrike" spc="-1">
                 <a:solidFill>
                   <a:srgbClr val="000000"/>
                 </a:solidFill>
@@ -6576,7 +7414,7 @@
               </a:rPr>
               <a:t>Tým SNOW</a:t>
             </a:r>
-            <a:endParaRPr b="0" lang="en-US" sz="6000" spc="-1" strike="noStrike">
+            <a:endParaRPr lang="en-US" sz="6000" b="0" strike="noStrike" spc="-1">
               <a:solidFill>
                 <a:srgbClr val="000000"/>
               </a:solidFill>
@@ -6612,6 +7450,7 @@
           <a:bodyPr anchor="t">
             <a:noAutofit/>
           </a:bodyPr>
+          <a:lstStyle/>
           <a:p>
             <a:pPr algn="ctr">
               <a:lnSpc>
@@ -6622,11 +7461,11 @@
               </a:spcBef>
               <a:buNone/>
               <a:tabLst>
-                <a:tab algn="l" pos="0"/>
+                <a:tab pos="0" algn="l"/>
               </a:tabLst>
             </a:pPr>
             <a:r>
-              <a:rPr b="0" lang="en-US" sz="2400" spc="-1" strike="noStrike">
+              <a:rPr lang="en-US" sz="2400" b="0" strike="noStrike" spc="-1">
                 <a:solidFill>
                   <a:srgbClr val="000000"/>
                 </a:solidFill>
@@ -6634,7 +7473,7 @@
               </a:rPr>
               <a:t>Vladimír Mrkáček</a:t>
             </a:r>
-            <a:endParaRPr b="0" lang="en-US" sz="2400" spc="-1" strike="noStrike">
+            <a:endParaRPr lang="en-US" sz="2400" b="0" strike="noStrike" spc="-1">
               <a:latin typeface="Arial"/>
             </a:endParaRPr>
           </a:p>
@@ -6648,11 +7487,11 @@
               </a:spcBef>
               <a:buNone/>
               <a:tabLst>
-                <a:tab algn="l" pos="0"/>
+                <a:tab pos="0" algn="l"/>
               </a:tabLst>
             </a:pPr>
             <a:r>
-              <a:rPr b="0" lang="en-US" sz="2400" spc="-1" strike="noStrike">
+              <a:rPr lang="en-US" sz="2400" b="0" strike="noStrike" spc="-1">
                 <a:solidFill>
                   <a:srgbClr val="000000"/>
                 </a:solidFill>
@@ -6660,7 +7499,7 @@
               </a:rPr>
               <a:t>Jakub Zupko</a:t>
             </a:r>
-            <a:endParaRPr b="0" lang="en-US" sz="2400" spc="-1" strike="noStrike">
+            <a:endParaRPr lang="en-US" sz="2400" b="0" strike="noStrike" spc="-1">
               <a:latin typeface="Arial"/>
             </a:endParaRPr>
           </a:p>
@@ -6674,11 +7513,11 @@
               </a:spcBef>
               <a:buNone/>
               <a:tabLst>
-                <a:tab algn="l" pos="0"/>
+                <a:tab pos="0" algn="l"/>
               </a:tabLst>
             </a:pPr>
             <a:r>
-              <a:rPr b="0" lang="en-US" sz="2400" spc="-1" strike="noStrike">
+              <a:rPr lang="en-US" sz="2400" b="0" strike="noStrike" spc="-1">
                 <a:solidFill>
                   <a:srgbClr val="000000"/>
                 </a:solidFill>
@@ -6686,7 +7525,7 @@
               </a:rPr>
               <a:t>Adam Maleček</a:t>
             </a:r>
-            <a:endParaRPr b="0" lang="en-US" sz="2400" spc="-1" strike="noStrike">
+            <a:endParaRPr lang="en-US" sz="2400" b="0" strike="noStrike" spc="-1">
               <a:latin typeface="Arial"/>
             </a:endParaRPr>
           </a:p>
@@ -6694,19 +7533,14 @@
       </p:sp>
     </p:spTree>
   </p:cSld>
-  <mc:AlternateContent>
-    <mc:Choice Requires="p14">
-      <p:transition spd="slow" p14:dur="2000"/>
-    </mc:Choice>
-    <mc:Fallback>
-      <p:transition spd="slow"/>
-    </mc:Fallback>
-  </mc:AlternateContent>
+  <p:clrMapOvr>
+    <a:masterClrMapping/>
+  </p:clrMapOvr>
 </p:sld>
 </file>
 
 <file path=ppt/slides/slide2.xml><?xml version="1.0" encoding="utf-8"?>
-<p:sld xmlns:a="http://schemas.openxmlformats.org/drawingml/2006/main" xmlns:p="http://schemas.openxmlformats.org/presentationml/2006/main" xmlns:r="http://schemas.openxmlformats.org/officeDocument/2006/relationships" xmlns:p14="http://schemas.microsoft.com/office/powerpoint/2010/main" xmlns:p15="http://schemas.microsoft.com/office/powerpoint/2012/main" xmlns:mc="http://schemas.openxmlformats.org/markup-compatibility/2006">
+<p:sld xmlns:a="http://schemas.openxmlformats.org/drawingml/2006/main" xmlns:r="http://schemas.openxmlformats.org/officeDocument/2006/relationships" xmlns:p="http://schemas.openxmlformats.org/presentationml/2006/main">
   <p:cSld>
     <p:spTree>
       <p:nvGrpSpPr>
@@ -6749,6 +7583,7 @@
           <a:bodyPr anchor="ctr">
             <a:noAutofit/>
           </a:bodyPr>
+          <a:lstStyle/>
           <a:p>
             <a:pPr>
               <a:lnSpc>
@@ -6757,7 +7592,7 @@
               <a:buNone/>
             </a:pPr>
             <a:r>
-              <a:rPr b="0" lang="en-US" sz="4400" spc="-1" strike="noStrike">
+              <a:rPr lang="en-US" sz="4400" b="0" strike="noStrike" spc="-1">
                 <a:solidFill>
                   <a:srgbClr val="000000"/>
                 </a:solidFill>
@@ -6765,7 +7600,7 @@
               </a:rPr>
               <a:t>První pokusy</a:t>
             </a:r>
-            <a:endParaRPr b="0" lang="en-US" sz="4400" spc="-1" strike="noStrike">
+            <a:endParaRPr lang="en-US" sz="4400" b="0" strike="noStrike" spc="-1">
               <a:solidFill>
                 <a:srgbClr val="000000"/>
               </a:solidFill>
@@ -6801,6 +7636,7 @@
           <a:bodyPr anchor="t">
             <a:normAutofit fontScale="97000"/>
           </a:bodyPr>
+          <a:lstStyle/>
           <a:p>
             <a:pPr marL="228600" indent="-228600">
               <a:lnSpc>
@@ -6816,7 +7652,7 @@
               <a:buChar char="•"/>
             </a:pPr>
             <a:r>
-              <a:rPr b="0" lang="en-US" sz="2800" spc="-1" strike="noStrike">
+              <a:rPr lang="en-US" sz="2800" b="0" strike="noStrike" spc="-1">
                 <a:solidFill>
                   <a:srgbClr val="000000"/>
                 </a:solidFill>
@@ -6824,7 +7660,138 @@
               </a:rPr>
               <a:t>Výběr modelu</a:t>
             </a:r>
-            <a:endParaRPr b="0" lang="en-US" sz="2800" spc="-1" strike="noStrike">
+          </a:p>
+          <a:p>
+            <a:pPr marL="685800" lvl="1" indent="-228600">
+              <a:lnSpc>
+                <a:spcPct val="90000"/>
+              </a:lnSpc>
+              <a:spcBef>
+                <a:spcPts val="499"/>
+              </a:spcBef>
+              <a:buClr>
+                <a:srgbClr val="000000"/>
+              </a:buClr>
+              <a:buFont typeface="Arial"/>
+              <a:buChar char="•"/>
+            </a:pPr>
+            <a:r>
+              <a:rPr lang="en-US" sz="2400" b="0" strike="noStrike" spc="-1">
+                <a:solidFill>
+                  <a:srgbClr val="000000"/>
+                </a:solidFill>
+                <a:latin typeface="Aptos"/>
+              </a:rPr>
+              <a:t>Logistická regrese</a:t>
+            </a:r>
+          </a:p>
+          <a:p>
+            <a:pPr marL="685800" lvl="1" indent="-228600">
+              <a:lnSpc>
+                <a:spcPct val="90000"/>
+              </a:lnSpc>
+              <a:spcBef>
+                <a:spcPts val="499"/>
+              </a:spcBef>
+              <a:buClr>
+                <a:srgbClr val="000000"/>
+              </a:buClr>
+              <a:buFont typeface="Arial"/>
+              <a:buChar char="•"/>
+            </a:pPr>
+            <a:r>
+              <a:rPr lang="en-US" sz="2400" b="0" strike="noStrike" spc="-1">
+                <a:solidFill>
+                  <a:srgbClr val="000000"/>
+                </a:solidFill>
+                <a:latin typeface="Aptos"/>
+              </a:rPr>
+              <a:t>Mělká neuronová síť (1 skrytá vrstva)</a:t>
+            </a:r>
+          </a:p>
+          <a:p>
+            <a:pPr marL="228600" indent="-228600">
+              <a:lnSpc>
+                <a:spcPct val="90000"/>
+              </a:lnSpc>
+              <a:spcBef>
+                <a:spcPts val="1001"/>
+              </a:spcBef>
+              <a:buClr>
+                <a:srgbClr val="000000"/>
+              </a:buClr>
+              <a:buFont typeface="Arial"/>
+              <a:buChar char="•"/>
+            </a:pPr>
+            <a:r>
+              <a:rPr lang="en-US" sz="2800" b="0" strike="noStrike" spc="-1">
+                <a:solidFill>
+                  <a:srgbClr val="000000"/>
+                </a:solidFill>
+                <a:latin typeface="Aptos"/>
+              </a:rPr>
+              <a:t>Mutační funkce</a:t>
+            </a:r>
+          </a:p>
+          <a:p>
+            <a:pPr marL="685800" lvl="1" indent="-228600">
+              <a:lnSpc>
+                <a:spcPct val="90000"/>
+              </a:lnSpc>
+              <a:spcBef>
+                <a:spcPts val="499"/>
+              </a:spcBef>
+              <a:buClr>
+                <a:srgbClr val="000000"/>
+              </a:buClr>
+              <a:buFont typeface="Arial"/>
+              <a:buChar char="•"/>
+            </a:pPr>
+            <a:r>
+              <a:rPr lang="en-US" sz="2400" b="0" strike="noStrike" spc="-1">
+                <a:solidFill>
+                  <a:srgbClr val="000000"/>
+                </a:solidFill>
+                <a:latin typeface="Aptos"/>
+              </a:rPr>
+              <a:t>Random šum do všech vah a biasu</a:t>
+            </a:r>
+          </a:p>
+          <a:p>
+            <a:pPr marL="228600" indent="-228600">
+              <a:lnSpc>
+                <a:spcPct val="90000"/>
+              </a:lnSpc>
+              <a:spcBef>
+                <a:spcPts val="1001"/>
+              </a:spcBef>
+              <a:buClr>
+                <a:srgbClr val="000000"/>
+              </a:buClr>
+              <a:buFont typeface="Arial"/>
+              <a:buChar char="•"/>
+            </a:pPr>
+            <a:r>
+              <a:rPr lang="en-US" sz="2800" b="0" strike="noStrike" spc="-1">
+                <a:solidFill>
+                  <a:srgbClr val="000000"/>
+                </a:solidFill>
+                <a:latin typeface="Aptos"/>
+              </a:rPr>
+              <a:t>Výstupem modelu jsou všechny 4 výstupy</a:t>
+            </a:r>
+          </a:p>
+          <a:p>
+            <a:pPr>
+              <a:lnSpc>
+                <a:spcPct val="90000"/>
+              </a:lnSpc>
+              <a:spcBef>
+                <a:spcPts val="1001"/>
+              </a:spcBef>
+              <a:buNone/>
+            </a:pPr>
+            <a:endParaRPr lang="en-US" sz="2800" b="0" strike="noStrike" spc="-1">
               <a:solidFill>
                 <a:srgbClr val="000000"/>
               </a:solidFill>
@@ -6832,12 +7799,12 @@
             </a:endParaRPr>
           </a:p>
           <a:p>
-            <a:pPr lvl="1" marL="685800" indent="-228600">
-              <a:lnSpc>
-                <a:spcPct val="90000"/>
-              </a:lnSpc>
-              <a:spcBef>
-                <a:spcPts val="499"/>
+            <a:pPr marL="228600" indent="-228600">
+              <a:lnSpc>
+                <a:spcPct val="90000"/>
+              </a:lnSpc>
+              <a:spcBef>
+                <a:spcPts val="1001"/>
               </a:spcBef>
               <a:buClr>
                 <a:srgbClr val="000000"/>
@@ -6846,23 +7813,17 @@
               <a:buChar char="•"/>
             </a:pPr>
             <a:r>
-              <a:rPr b="0" lang="en-US" sz="2400" spc="-1" strike="noStrike">
-                <a:solidFill>
-                  <a:srgbClr val="000000"/>
-                </a:solidFill>
-                <a:latin typeface="Aptos"/>
-              </a:rPr>
-              <a:t>Logistická regrese</a:t>
-            </a:r>
-            <a:endParaRPr b="0" lang="en-US" sz="2400" spc="-1" strike="noStrike">
-              <a:solidFill>
-                <a:srgbClr val="000000"/>
-              </a:solidFill>
-              <a:latin typeface="Aptos"/>
-            </a:endParaRPr>
-          </a:p>
-          <a:p>
-            <a:pPr lvl="1" marL="685800" indent="-228600">
+              <a:rPr lang="en-US" sz="2800" b="0" strike="noStrike" spc="-1">
+                <a:solidFill>
+                  <a:srgbClr val="000000"/>
+                </a:solidFill>
+                <a:latin typeface="Aptos"/>
+              </a:rPr>
+              <a:t>Problémy:</a:t>
+            </a:r>
+          </a:p>
+          <a:p>
+            <a:pPr marL="685800" lvl="1" indent="-228600">
               <a:lnSpc>
                 <a:spcPct val="90000"/>
               </a:lnSpc>
@@ -6876,28 +7837,22 @@
               <a:buChar char="•"/>
             </a:pPr>
             <a:r>
-              <a:rPr b="0" lang="en-US" sz="2400" spc="-1" strike="noStrike">
-                <a:solidFill>
-                  <a:srgbClr val="000000"/>
-                </a:solidFill>
-                <a:latin typeface="Aptos"/>
-              </a:rPr>
-              <a:t>Mělká neuronová síť (1 skrytá vrstva)</a:t>
-            </a:r>
-            <a:endParaRPr b="0" lang="en-US" sz="2400" spc="-1" strike="noStrike">
-              <a:solidFill>
-                <a:srgbClr val="000000"/>
-              </a:solidFill>
-              <a:latin typeface="Aptos"/>
-            </a:endParaRPr>
-          </a:p>
-          <a:p>
-            <a:pPr marL="228600" indent="-228600">
-              <a:lnSpc>
-                <a:spcPct val="90000"/>
-              </a:lnSpc>
-              <a:spcBef>
-                <a:spcPts val="1001"/>
+              <a:rPr lang="en-US" sz="2400" b="0" strike="noStrike" spc="-1">
+                <a:solidFill>
+                  <a:srgbClr val="000000"/>
+                </a:solidFill>
+                <a:latin typeface="Aptos"/>
+              </a:rPr>
+              <a:t>Zatáčení i na jednoduché mapě i při vysokém počtu generací</a:t>
+            </a:r>
+          </a:p>
+          <a:p>
+            <a:pPr marL="685800" lvl="1" indent="-228600">
+              <a:lnSpc>
+                <a:spcPct val="90000"/>
+              </a:lnSpc>
+              <a:spcBef>
+                <a:spcPts val="499"/>
               </a:spcBef>
               <a:buClr>
                 <a:srgbClr val="000000"/>
@@ -6906,174 +7861,7 @@
               <a:buChar char="•"/>
             </a:pPr>
             <a:r>
-              <a:rPr b="0" lang="en-US" sz="2800" spc="-1" strike="noStrike">
-                <a:solidFill>
-                  <a:srgbClr val="000000"/>
-                </a:solidFill>
-                <a:latin typeface="Aptos"/>
-              </a:rPr>
-              <a:t>Mutační funkce</a:t>
-            </a:r>
-            <a:endParaRPr b="0" lang="en-US" sz="2800" spc="-1" strike="noStrike">
-              <a:solidFill>
-                <a:srgbClr val="000000"/>
-              </a:solidFill>
-              <a:latin typeface="Aptos"/>
-            </a:endParaRPr>
-          </a:p>
-          <a:p>
-            <a:pPr lvl="1" marL="685800" indent="-228600">
-              <a:lnSpc>
-                <a:spcPct val="90000"/>
-              </a:lnSpc>
-              <a:spcBef>
-                <a:spcPts val="499"/>
-              </a:spcBef>
-              <a:buClr>
-                <a:srgbClr val="000000"/>
-              </a:buClr>
-              <a:buFont typeface="Arial"/>
-              <a:buChar char="•"/>
-            </a:pPr>
-            <a:r>
-              <a:rPr b="0" lang="en-US" sz="2400" spc="-1" strike="noStrike">
-                <a:solidFill>
-                  <a:srgbClr val="000000"/>
-                </a:solidFill>
-                <a:latin typeface="Aptos"/>
-              </a:rPr>
-              <a:t>Random šum do všech vah a biasu</a:t>
-            </a:r>
-            <a:endParaRPr b="0" lang="en-US" sz="2400" spc="-1" strike="noStrike">
-              <a:solidFill>
-                <a:srgbClr val="000000"/>
-              </a:solidFill>
-              <a:latin typeface="Aptos"/>
-            </a:endParaRPr>
-          </a:p>
-          <a:p>
-            <a:pPr marL="228600" indent="-228600">
-              <a:lnSpc>
-                <a:spcPct val="90000"/>
-              </a:lnSpc>
-              <a:spcBef>
-                <a:spcPts val="1001"/>
-              </a:spcBef>
-              <a:buClr>
-                <a:srgbClr val="000000"/>
-              </a:buClr>
-              <a:buFont typeface="Arial"/>
-              <a:buChar char="•"/>
-            </a:pPr>
-            <a:r>
-              <a:rPr b="0" lang="en-US" sz="2800" spc="-1" strike="noStrike">
-                <a:solidFill>
-                  <a:srgbClr val="000000"/>
-                </a:solidFill>
-                <a:latin typeface="Aptos"/>
-              </a:rPr>
-              <a:t>Výstupem modelu jsou všechny 4 výstupy</a:t>
-            </a:r>
-            <a:endParaRPr b="0" lang="en-US" sz="2800" spc="-1" strike="noStrike">
-              <a:solidFill>
-                <a:srgbClr val="000000"/>
-              </a:solidFill>
-              <a:latin typeface="Aptos"/>
-            </a:endParaRPr>
-          </a:p>
-          <a:p>
-            <a:pPr>
-              <a:lnSpc>
-                <a:spcPct val="90000"/>
-              </a:lnSpc>
-              <a:spcBef>
-                <a:spcPts val="1001"/>
-              </a:spcBef>
-              <a:buNone/>
-            </a:pPr>
-            <a:endParaRPr b="0" lang="en-US" sz="2800" spc="-1" strike="noStrike">
-              <a:solidFill>
-                <a:srgbClr val="000000"/>
-              </a:solidFill>
-              <a:latin typeface="Aptos"/>
-            </a:endParaRPr>
-          </a:p>
-          <a:p>
-            <a:pPr marL="228600" indent="-228600">
-              <a:lnSpc>
-                <a:spcPct val="90000"/>
-              </a:lnSpc>
-              <a:spcBef>
-                <a:spcPts val="1001"/>
-              </a:spcBef>
-              <a:buClr>
-                <a:srgbClr val="000000"/>
-              </a:buClr>
-              <a:buFont typeface="Arial"/>
-              <a:buChar char="•"/>
-            </a:pPr>
-            <a:r>
-              <a:rPr b="0" lang="en-US" sz="2800" spc="-1" strike="noStrike">
-                <a:solidFill>
-                  <a:srgbClr val="000000"/>
-                </a:solidFill>
-                <a:latin typeface="Aptos"/>
-              </a:rPr>
-              <a:t>Problémy:</a:t>
-            </a:r>
-            <a:endParaRPr b="0" lang="en-US" sz="2800" spc="-1" strike="noStrike">
-              <a:solidFill>
-                <a:srgbClr val="000000"/>
-              </a:solidFill>
-              <a:latin typeface="Aptos"/>
-            </a:endParaRPr>
-          </a:p>
-          <a:p>
-            <a:pPr lvl="1" marL="685800" indent="-228600">
-              <a:lnSpc>
-                <a:spcPct val="90000"/>
-              </a:lnSpc>
-              <a:spcBef>
-                <a:spcPts val="499"/>
-              </a:spcBef>
-              <a:buClr>
-                <a:srgbClr val="000000"/>
-              </a:buClr>
-              <a:buFont typeface="Arial"/>
-              <a:buChar char="•"/>
-            </a:pPr>
-            <a:r>
-              <a:rPr b="0" lang="en-US" sz="2400" spc="-1" strike="noStrike">
-                <a:solidFill>
-                  <a:srgbClr val="000000"/>
-                </a:solidFill>
-                <a:latin typeface="Aptos"/>
-              </a:rPr>
-              <a:t>Zatáčení i na jednoduché mapě i při vysokém počtu generací</a:t>
-            </a:r>
-            <a:endParaRPr b="0" lang="en-US" sz="2400" spc="-1" strike="noStrike">
-              <a:solidFill>
-                <a:srgbClr val="000000"/>
-              </a:solidFill>
-              <a:latin typeface="Aptos"/>
-            </a:endParaRPr>
-          </a:p>
-          <a:p>
-            <a:pPr lvl="1" marL="685800" indent="-228600">
-              <a:lnSpc>
-                <a:spcPct val="90000"/>
-              </a:lnSpc>
-              <a:spcBef>
-                <a:spcPts val="499"/>
-              </a:spcBef>
-              <a:buClr>
-                <a:srgbClr val="000000"/>
-              </a:buClr>
-              <a:buFont typeface="Arial"/>
-              <a:buChar char="•"/>
-            </a:pPr>
-            <a:r>
-              <a:rPr b="0" lang="en-US" sz="2400" spc="-1" strike="noStrike">
+              <a:rPr lang="en-US" sz="2400" b="0" strike="noStrike" spc="-1">
                 <a:solidFill>
                   <a:srgbClr val="000000"/>
                 </a:solidFill>
@@ -7081,12 +7869,6 @@
               </a:rPr>
               <a:t>Auta měli tendenci se zastavit</a:t>
             </a:r>
-            <a:endParaRPr b="0" lang="en-US" sz="2400" spc="-1" strike="noStrike">
-              <a:solidFill>
-                <a:srgbClr val="000000"/>
-              </a:solidFill>
-              <a:latin typeface="Aptos"/>
-            </a:endParaRPr>
           </a:p>
         </p:txBody>
       </p:sp>
@@ -7103,10 +7885,13 @@
         <p:spPr/>
         <p:txBody>
           <a:bodyPr/>
+          <a:lstStyle/>
           <a:p>
             <a:fld id="{B46BD4FD-C260-4209-B030-2F256540E0EF}" type="slidenum">
+              <a:rPr/>
               <a:t>2</a:t>
             </a:fld>
+            <a:endParaRPr/>
           </a:p>
         </p:txBody>
       </p:sp>
@@ -7123,29 +7908,26 @@
         <p:spPr/>
         <p:txBody>
           <a:bodyPr/>
+          <a:lstStyle/>
           <a:p>
             <a:fld id="{2E23F4F9-FB3D-48FA-B149-03D4837C5D95}" type="datetime1">
               <a:rPr lang="en-US"/>
-              <a:t>01/11/2026</a:t>
+              <a:t>1/11/26</a:t>
             </a:fld>
+            <a:endParaRPr lang="en-US"/>
           </a:p>
         </p:txBody>
       </p:sp>
     </p:spTree>
   </p:cSld>
-  <mc:AlternateContent>
-    <mc:Choice Requires="p14">
-      <p:transition spd="slow" p14:dur="2000"/>
-    </mc:Choice>
-    <mc:Fallback>
-      <p:transition spd="slow"/>
-    </mc:Fallback>
-  </mc:AlternateContent>
+  <p:clrMapOvr>
+    <a:masterClrMapping/>
+  </p:clrMapOvr>
 </p:sld>
 </file>
 
 <file path=ppt/slides/slide3.xml><?xml version="1.0" encoding="utf-8"?>
-<p:sld xmlns:a="http://schemas.openxmlformats.org/drawingml/2006/main" xmlns:p="http://schemas.openxmlformats.org/presentationml/2006/main" xmlns:r="http://schemas.openxmlformats.org/officeDocument/2006/relationships" xmlns:p14="http://schemas.microsoft.com/office/powerpoint/2010/main" xmlns:p15="http://schemas.microsoft.com/office/powerpoint/2012/main" xmlns:mc="http://schemas.openxmlformats.org/markup-compatibility/2006">
+<p:sld xmlns:a="http://schemas.openxmlformats.org/drawingml/2006/main" xmlns:r="http://schemas.openxmlformats.org/officeDocument/2006/relationships" xmlns:p="http://schemas.openxmlformats.org/presentationml/2006/main">
   <p:cSld>
     <p:spTree>
       <p:nvGrpSpPr>
@@ -7188,6 +7970,7 @@
           <a:bodyPr anchor="ctr">
             <a:noAutofit/>
           </a:bodyPr>
+          <a:lstStyle/>
           <a:p>
             <a:pPr>
               <a:lnSpc>
@@ -7196,7 +7979,7 @@
               <a:buNone/>
             </a:pPr>
             <a:r>
-              <a:rPr b="0" lang="en-US" sz="4400" spc="-1" strike="noStrike">
+              <a:rPr lang="en-US" sz="4400" b="0" strike="noStrike" spc="-1">
                 <a:solidFill>
                   <a:srgbClr val="000000"/>
                 </a:solidFill>
@@ -7204,7 +7987,7 @@
               </a:rPr>
               <a:t>Úpravy modelu</a:t>
             </a:r>
-            <a:endParaRPr b="0" lang="en-US" sz="4400" spc="-1" strike="noStrike">
+            <a:endParaRPr lang="en-US" sz="4400" b="0" strike="noStrike" spc="-1">
               <a:solidFill>
                 <a:srgbClr val="000000"/>
               </a:solidFill>
@@ -7240,6 +8023,7 @@
           <a:bodyPr anchor="t">
             <a:noAutofit/>
           </a:bodyPr>
+          <a:lstStyle/>
           <a:p>
             <a:pPr marL="228600" indent="-228600">
               <a:lnSpc>
@@ -7255,7 +8039,7 @@
               <a:buChar char="•"/>
             </a:pPr>
             <a:r>
-              <a:rPr b="0" lang="en-US" sz="2800" spc="-1" strike="noStrike">
+              <a:rPr lang="en-US" sz="2800" b="0" strike="noStrike" spc="-1">
                 <a:solidFill>
                   <a:srgbClr val="000000"/>
                 </a:solidFill>
@@ -7263,240 +8047,192 @@
               </a:rPr>
               <a:t>Logistickou regresi jsme zahodili</a:t>
             </a:r>
-            <a:endParaRPr b="0" lang="en-US" sz="2800" spc="-1" strike="noStrike">
+          </a:p>
+          <a:p>
+            <a:pPr marL="228600" indent="-228600">
+              <a:lnSpc>
+                <a:spcPct val="90000"/>
+              </a:lnSpc>
+              <a:spcBef>
+                <a:spcPts val="1001"/>
+              </a:spcBef>
+              <a:buClr>
+                <a:srgbClr val="000000"/>
+              </a:buClr>
+              <a:buFont typeface="Arial"/>
+              <a:buChar char="•"/>
+            </a:pPr>
+            <a:r>
+              <a:rPr lang="en-US" sz="2800" b="0" strike="noStrike" spc="-1">
+                <a:solidFill>
+                  <a:srgbClr val="000000"/>
+                </a:solidFill>
+                <a:latin typeface="Aptos"/>
+              </a:rPr>
+              <a:t>Snažili jsme se vylepšit mělkou neuronovou síť (1 skrytá vrstva)</a:t>
+            </a:r>
+          </a:p>
+          <a:p>
+            <a:pPr marL="685800" lvl="1" indent="-228600">
+              <a:lnSpc>
+                <a:spcPct val="90000"/>
+              </a:lnSpc>
+              <a:spcBef>
+                <a:spcPts val="499"/>
+              </a:spcBef>
+              <a:buClr>
+                <a:srgbClr val="000000"/>
+              </a:buClr>
+              <a:buFont typeface="Arial"/>
+              <a:buChar char="•"/>
+            </a:pPr>
+            <a:r>
+              <a:rPr lang="en-US" sz="2400" b="0" strike="noStrike" spc="-1">
+                <a:solidFill>
+                  <a:srgbClr val="000000"/>
+                </a:solidFill>
+                <a:latin typeface="Aptos"/>
+              </a:rPr>
+              <a:t>Jako vstupní parametr jsme zahrnuli rychlost (10 vstupů)</a:t>
+            </a:r>
+          </a:p>
+          <a:p>
+            <a:pPr marL="1143000" lvl="2" indent="-228600">
+              <a:lnSpc>
+                <a:spcPct val="90000"/>
+              </a:lnSpc>
+              <a:spcBef>
+                <a:spcPts val="499"/>
+              </a:spcBef>
+              <a:buClr>
+                <a:srgbClr val="000000"/>
+              </a:buClr>
+              <a:buFont typeface="Arial"/>
+              <a:buChar char="•"/>
+            </a:pPr>
+            <a:r>
+              <a:rPr lang="en-US" sz="2000" b="0" strike="noStrike" spc="-1">
+                <a:solidFill>
+                  <a:srgbClr val="000000"/>
+                </a:solidFill>
+                <a:latin typeface="Aptos"/>
+              </a:rPr>
+              <a:t>9 senzorů</a:t>
+            </a:r>
+          </a:p>
+          <a:p>
+            <a:pPr marL="1143000" lvl="2" indent="-228600">
+              <a:lnSpc>
+                <a:spcPct val="90000"/>
+              </a:lnSpc>
+              <a:spcBef>
+                <a:spcPts val="499"/>
+              </a:spcBef>
+              <a:buClr>
+                <a:srgbClr val="000000"/>
+              </a:buClr>
+              <a:buFont typeface="Arial"/>
+              <a:buChar char="•"/>
+            </a:pPr>
+            <a:r>
+              <a:rPr lang="en-US" sz="2000" b="0" strike="noStrike" spc="-1">
+                <a:solidFill>
+                  <a:srgbClr val="000000"/>
+                </a:solidFill>
+                <a:latin typeface="Aptos"/>
+              </a:rPr>
+              <a:t>Rychlost</a:t>
+            </a:r>
+          </a:p>
+          <a:p>
+            <a:pPr marL="685800" lvl="1" indent="-228600">
+              <a:lnSpc>
+                <a:spcPct val="90000"/>
+              </a:lnSpc>
+              <a:spcBef>
+                <a:spcPts val="499"/>
+              </a:spcBef>
+              <a:buClr>
+                <a:srgbClr val="000000"/>
+              </a:buClr>
+              <a:buFont typeface="Arial"/>
+              <a:buChar char="•"/>
+            </a:pPr>
+            <a:r>
+              <a:rPr lang="en-US" sz="2400" b="0" strike="noStrike" spc="-1">
+                <a:solidFill>
+                  <a:srgbClr val="000000"/>
+                </a:solidFill>
+                <a:latin typeface="Aptos"/>
+              </a:rPr>
+              <a:t>Počet neuronů ve skryté vrstvě 10</a:t>
+            </a:r>
+          </a:p>
+          <a:p>
+            <a:pPr marL="685800" lvl="1" indent="-228600">
+              <a:lnSpc>
+                <a:spcPct val="90000"/>
+              </a:lnSpc>
+              <a:spcBef>
+                <a:spcPts val="499"/>
+              </a:spcBef>
+              <a:buClr>
+                <a:srgbClr val="000000"/>
+              </a:buClr>
+              <a:buFont typeface="Arial"/>
+              <a:buChar char="•"/>
+            </a:pPr>
+            <a:r>
+              <a:rPr lang="en-US" sz="2400" b="0" strike="noStrike" spc="-1">
+                <a:solidFill>
+                  <a:srgbClr val="000000"/>
+                </a:solidFill>
+                <a:latin typeface="Aptos"/>
+              </a:rPr>
+              <a:t>Aktivační funkce jsme zkoušeli ReLU, ale i Leaky ReLU (zamezí vypnutí neuronu)</a:t>
+            </a:r>
+          </a:p>
+          <a:p>
+            <a:pPr marL="685800" lvl="1" indent="-228600">
+              <a:lnSpc>
+                <a:spcPct val="90000"/>
+              </a:lnSpc>
+              <a:spcBef>
+                <a:spcPts val="499"/>
+              </a:spcBef>
+              <a:buClr>
+                <a:srgbClr val="000000"/>
+              </a:buClr>
+              <a:buFont typeface="Arial"/>
+              <a:buChar char="•"/>
+            </a:pPr>
+            <a:r>
+              <a:rPr lang="en-US" sz="2400" b="0" strike="noStrike" spc="-1">
+                <a:solidFill>
+                  <a:srgbClr val="000000"/>
+                </a:solidFill>
+                <a:latin typeface="Aptos"/>
+              </a:rPr>
+              <a:t>Na výstupní vrstvě (4 výstupy) jsme použili Sigmoid pro zachování 0 až 1</a:t>
+            </a:r>
+          </a:p>
+          <a:p>
+            <a:pPr>
+              <a:lnSpc>
+                <a:spcPct val="90000"/>
+              </a:lnSpc>
+              <a:spcBef>
+                <a:spcPts val="1417"/>
+              </a:spcBef>
+              <a:buNone/>
+            </a:pPr>
+            <a:endParaRPr lang="en-US" sz="2400" b="0" strike="noStrike" spc="-1">
               <a:solidFill>
                 <a:srgbClr val="000000"/>
               </a:solidFill>
               <a:latin typeface="Aptos"/>
             </a:endParaRPr>
           </a:p>
-          <a:p>
-            <a:pPr marL="228600" indent="-228600">
-              <a:lnSpc>
-                <a:spcPct val="90000"/>
-              </a:lnSpc>
-              <a:spcBef>
-                <a:spcPts val="1001"/>
-              </a:spcBef>
-              <a:buClr>
-                <a:srgbClr val="000000"/>
-              </a:buClr>
-              <a:buFont typeface="Arial"/>
-              <a:buChar char="•"/>
-            </a:pPr>
-            <a:r>
-              <a:rPr b="0" lang="en-US" sz="2800" spc="-1" strike="noStrike">
-                <a:solidFill>
-                  <a:srgbClr val="000000"/>
-                </a:solidFill>
-                <a:latin typeface="Aptos"/>
-              </a:rPr>
-              <a:t>Snažili jsme se vylepšit mělkou neuronovou síť (1 skrytá vrstva)</a:t>
-            </a:r>
-            <a:endParaRPr b="0" lang="en-US" sz="2800" spc="-1" strike="noStrike">
-              <a:solidFill>
-                <a:srgbClr val="000000"/>
-              </a:solidFill>
-              <a:latin typeface="Aptos"/>
-            </a:endParaRPr>
-          </a:p>
-          <a:p>
-            <a:pPr lvl="1" marL="685800" indent="-228600">
-              <a:lnSpc>
-                <a:spcPct val="90000"/>
-              </a:lnSpc>
-              <a:spcBef>
-                <a:spcPts val="499"/>
-              </a:spcBef>
-              <a:buClr>
-                <a:srgbClr val="000000"/>
-              </a:buClr>
-              <a:buFont typeface="Arial"/>
-              <a:buChar char="•"/>
-            </a:pPr>
-            <a:r>
-              <a:rPr b="0" lang="en-US" sz="2400" spc="-1" strike="noStrike">
-                <a:solidFill>
-                  <a:srgbClr val="000000"/>
-                </a:solidFill>
-                <a:latin typeface="Aptos"/>
-              </a:rPr>
-              <a:t>Jako vstupní parametr jsme zahrnuli rychlost (10 vstupů)</a:t>
-            </a:r>
-            <a:endParaRPr b="0" lang="en-US" sz="2400" spc="-1" strike="noStrike">
-              <a:solidFill>
-                <a:srgbClr val="000000"/>
-              </a:solidFill>
-              <a:latin typeface="Aptos"/>
-            </a:endParaRPr>
-          </a:p>
-          <a:p>
-            <a:pPr lvl="2" marL="1143000" indent="-228600">
-              <a:lnSpc>
-                <a:spcPct val="90000"/>
-              </a:lnSpc>
-              <a:spcBef>
-                <a:spcPts val="499"/>
-              </a:spcBef>
-              <a:buClr>
-                <a:srgbClr val="000000"/>
-              </a:buClr>
-              <a:buFont typeface="Arial"/>
-              <a:buChar char="•"/>
-            </a:pPr>
-            <a:r>
-              <a:rPr b="0" lang="en-US" sz="2000" spc="-1" strike="noStrike">
-                <a:solidFill>
-                  <a:srgbClr val="000000"/>
-                </a:solidFill>
-                <a:latin typeface="Aptos"/>
-              </a:rPr>
-              <a:t>9 senzorů</a:t>
-            </a:r>
-            <a:endParaRPr b="0" lang="en-US" sz="2000" spc="-1" strike="noStrike">
-              <a:solidFill>
-                <a:srgbClr val="000000"/>
-              </a:solidFill>
-              <a:latin typeface="Aptos"/>
-            </a:endParaRPr>
-          </a:p>
-          <a:p>
-            <a:pPr lvl="2" marL="1143000" indent="-228600">
-              <a:lnSpc>
-                <a:spcPct val="90000"/>
-              </a:lnSpc>
-              <a:spcBef>
-                <a:spcPts val="499"/>
-              </a:spcBef>
-              <a:buClr>
-                <a:srgbClr val="000000"/>
-              </a:buClr>
-              <a:buFont typeface="Arial"/>
-              <a:buChar char="•"/>
-            </a:pPr>
-            <a:r>
-              <a:rPr b="0" lang="en-US" sz="2000" spc="-1" strike="noStrike">
-                <a:solidFill>
-                  <a:srgbClr val="000000"/>
-                </a:solidFill>
-                <a:latin typeface="Aptos"/>
-              </a:rPr>
-              <a:t>Rychlost</a:t>
-            </a:r>
-            <a:endParaRPr b="0" lang="en-US" sz="2000" spc="-1" strike="noStrike">
-              <a:solidFill>
-                <a:srgbClr val="000000"/>
-              </a:solidFill>
-              <a:latin typeface="Aptos"/>
-            </a:endParaRPr>
-          </a:p>
-          <a:p>
-            <a:pPr lvl="1" marL="685800" indent="-228600">
-              <a:lnSpc>
-                <a:spcPct val="90000"/>
-              </a:lnSpc>
-              <a:spcBef>
-                <a:spcPts val="499"/>
-              </a:spcBef>
-              <a:buClr>
-                <a:srgbClr val="000000"/>
-              </a:buClr>
-              <a:buFont typeface="Arial"/>
-              <a:buChar char="•"/>
-            </a:pPr>
-            <a:r>
-              <a:rPr b="0" lang="en-US" sz="2400" spc="-1" strike="noStrike">
-                <a:solidFill>
-                  <a:srgbClr val="000000"/>
-                </a:solidFill>
-                <a:latin typeface="Aptos"/>
-              </a:rPr>
-              <a:t>Počet neuronů ve skryté vrstvě 10</a:t>
-            </a:r>
-            <a:endParaRPr b="0" lang="en-US" sz="2400" spc="-1" strike="noStrike">
-              <a:solidFill>
-                <a:srgbClr val="000000"/>
-              </a:solidFill>
-              <a:latin typeface="Aptos"/>
-            </a:endParaRPr>
-          </a:p>
-          <a:p>
-            <a:pPr lvl="1" marL="685800" indent="-228600">
-              <a:lnSpc>
-                <a:spcPct val="90000"/>
-              </a:lnSpc>
-              <a:spcBef>
-                <a:spcPts val="499"/>
-              </a:spcBef>
-              <a:buClr>
-                <a:srgbClr val="000000"/>
-              </a:buClr>
-              <a:buFont typeface="Arial"/>
-              <a:buChar char="•"/>
-            </a:pPr>
-            <a:r>
-              <a:rPr b="0" lang="en-US" sz="2400" spc="-1" strike="noStrike">
-                <a:solidFill>
-                  <a:srgbClr val="000000"/>
-                </a:solidFill>
-                <a:latin typeface="Aptos"/>
-              </a:rPr>
-              <a:t>Aktivační funkce jsme zkoušeli ReLU, ale i Leaky ReLU (zamezí vypnutí neuronu)</a:t>
-            </a:r>
-            <a:endParaRPr b="0" lang="en-US" sz="2400" spc="-1" strike="noStrike">
-              <a:solidFill>
-                <a:srgbClr val="000000"/>
-              </a:solidFill>
-              <a:latin typeface="Aptos"/>
-            </a:endParaRPr>
-          </a:p>
-          <a:p>
-            <a:pPr lvl="1" marL="685800" indent="-228600">
-              <a:lnSpc>
-                <a:spcPct val="90000"/>
-              </a:lnSpc>
-              <a:spcBef>
-                <a:spcPts val="499"/>
-              </a:spcBef>
-              <a:buClr>
-                <a:srgbClr val="000000"/>
-              </a:buClr>
-              <a:buFont typeface="Arial"/>
-              <a:buChar char="•"/>
-            </a:pPr>
-            <a:r>
-              <a:rPr b="0" lang="en-US" sz="2400" spc="-1" strike="noStrike">
-                <a:solidFill>
-                  <a:srgbClr val="000000"/>
-                </a:solidFill>
-                <a:latin typeface="Aptos"/>
-              </a:rPr>
-              <a:t>Na výstupní vrstvě (4 výstupy) jsme použili Sigmoid pro zachování 0 až 1</a:t>
-            </a:r>
-            <a:endParaRPr b="0" lang="en-US" sz="2400" spc="-1" strike="noStrike">
-              <a:solidFill>
-                <a:srgbClr val="000000"/>
-              </a:solidFill>
-              <a:latin typeface="Aptos"/>
-            </a:endParaRPr>
-          </a:p>
-          <a:p>
-            <a:pPr>
-              <a:lnSpc>
-                <a:spcPct val="90000"/>
-              </a:lnSpc>
-              <a:spcBef>
-                <a:spcPts val="1417"/>
-              </a:spcBef>
-              <a:buNone/>
-            </a:pPr>
-            <a:endParaRPr b="0" lang="en-US" sz="2400" spc="-1" strike="noStrike">
-              <a:solidFill>
-                <a:srgbClr val="000000"/>
-              </a:solidFill>
-              <a:latin typeface="Aptos"/>
-            </a:endParaRPr>
-          </a:p>
         </p:txBody>
       </p:sp>
       <p:sp>
@@ -7512,10 +8248,13 @@
         <p:spPr/>
         <p:txBody>
           <a:bodyPr/>
+          <a:lstStyle/>
           <a:p>
             <a:fld id="{64C97022-2862-49D0-BEFB-BE9000A1261B}" type="slidenum">
+              <a:rPr/>
               <a:t>3</a:t>
             </a:fld>
+            <a:endParaRPr/>
           </a:p>
         </p:txBody>
       </p:sp>
@@ -7532,29 +8271,26 @@
         <p:spPr/>
         <p:txBody>
           <a:bodyPr/>
+          <a:lstStyle/>
           <a:p>
             <a:fld id="{43B0FDCE-06CE-4E05-9AF7-823B6B189EF5}" type="datetime1">
               <a:rPr lang="en-US"/>
-              <a:t>01/11/2026</a:t>
+              <a:t>1/11/26</a:t>
             </a:fld>
+            <a:endParaRPr lang="en-US"/>
           </a:p>
         </p:txBody>
       </p:sp>
     </p:spTree>
   </p:cSld>
-  <mc:AlternateContent>
-    <mc:Choice Requires="p14">
-      <p:transition spd="slow" p14:dur="2000"/>
-    </mc:Choice>
-    <mc:Fallback>
-      <p:transition spd="slow"/>
-    </mc:Fallback>
-  </mc:AlternateContent>
+  <p:clrMapOvr>
+    <a:masterClrMapping/>
+  </p:clrMapOvr>
 </p:sld>
 </file>
 
 <file path=ppt/slides/slide4.xml><?xml version="1.0" encoding="utf-8"?>
-<p:sld xmlns:a="http://schemas.openxmlformats.org/drawingml/2006/main" xmlns:p="http://schemas.openxmlformats.org/presentationml/2006/main" xmlns:r="http://schemas.openxmlformats.org/officeDocument/2006/relationships" xmlns:p14="http://schemas.microsoft.com/office/powerpoint/2010/main" xmlns:p15="http://schemas.microsoft.com/office/powerpoint/2012/main" xmlns:mc="http://schemas.openxmlformats.org/markup-compatibility/2006">
+<p:sld xmlns:a="http://schemas.openxmlformats.org/drawingml/2006/main" xmlns:r="http://schemas.openxmlformats.org/officeDocument/2006/relationships" xmlns:p="http://schemas.openxmlformats.org/presentationml/2006/main">
   <p:cSld>
     <p:spTree>
       <p:nvGrpSpPr>
@@ -7597,6 +8333,7 @@
           <a:bodyPr anchor="ctr">
             <a:noAutofit/>
           </a:bodyPr>
+          <a:lstStyle/>
           <a:p>
             <a:pPr>
               <a:lnSpc>
@@ -7605,7 +8342,7 @@
               <a:buNone/>
             </a:pPr>
             <a:r>
-              <a:rPr b="0" lang="en-US" sz="4400" spc="-1" strike="noStrike">
+              <a:rPr lang="en-US" sz="4400" b="0" strike="noStrike" spc="-1">
                 <a:solidFill>
                   <a:srgbClr val="000000"/>
                 </a:solidFill>
@@ -7613,7 +8350,7 @@
               </a:rPr>
               <a:t>Úpravy trénování</a:t>
             </a:r>
-            <a:endParaRPr b="0" lang="en-US" sz="4400" spc="-1" strike="noStrike">
+            <a:endParaRPr lang="en-US" sz="4400" b="0" strike="noStrike" spc="-1">
               <a:solidFill>
                 <a:srgbClr val="000000"/>
               </a:solidFill>
@@ -7649,6 +8386,7 @@
           <a:bodyPr anchor="t">
             <a:noAutofit/>
           </a:bodyPr>
+          <a:lstStyle/>
           <a:p>
             <a:pPr marL="228600" indent="-228600">
               <a:lnSpc>
@@ -7664,7 +8402,7 @@
               <a:buChar char="•"/>
             </a:pPr>
             <a:r>
-              <a:rPr b="0" lang="en-US" sz="2800" spc="-1" strike="noStrike">
+              <a:rPr lang="en-US" sz="2800" b="0" strike="noStrike" spc="-1">
                 <a:solidFill>
                   <a:srgbClr val="000000"/>
                 </a:solidFill>
@@ -7672,270 +8410,216 @@
               </a:rPr>
               <a:t>Fitness funkce</a:t>
             </a:r>
-            <a:endParaRPr b="0" lang="en-US" sz="2800" spc="-1" strike="noStrike">
+          </a:p>
+          <a:p>
+            <a:pPr marL="685800" lvl="1" indent="-228600">
+              <a:lnSpc>
+                <a:spcPct val="90000"/>
+              </a:lnSpc>
+              <a:spcBef>
+                <a:spcPts val="499"/>
+              </a:spcBef>
+              <a:buClr>
+                <a:srgbClr val="000000"/>
+              </a:buClr>
+              <a:buFont typeface="Arial"/>
+              <a:buChar char="•"/>
+            </a:pPr>
+            <a:r>
+              <a:rPr lang="en-US" sz="2400" b="0" strike="noStrike" spc="-1">
+                <a:solidFill>
+                  <a:srgbClr val="000000"/>
+                </a:solidFill>
+                <a:latin typeface="Aptos"/>
+              </a:rPr>
+              <a:t>Z počátku pouze jen distance</a:t>
+            </a:r>
+          </a:p>
+          <a:p>
+            <a:pPr marL="685800" lvl="1" indent="-228600">
+              <a:lnSpc>
+                <a:spcPct val="90000"/>
+              </a:lnSpc>
+              <a:spcBef>
+                <a:spcPts val="499"/>
+              </a:spcBef>
+              <a:buClr>
+                <a:srgbClr val="000000"/>
+              </a:buClr>
+              <a:buFont typeface="Arial"/>
+              <a:buChar char="•"/>
+            </a:pPr>
+            <a:r>
+              <a:rPr lang="en-US" sz="2400" b="0" strike="noStrike" spc="-1">
+                <a:solidFill>
+                  <a:srgbClr val="000000"/>
+                </a:solidFill>
+                <a:latin typeface="Aptos"/>
+              </a:rPr>
+              <a:t>Přidání odměny za průměrnou rychlost</a:t>
+            </a:r>
+          </a:p>
+          <a:p>
+            <a:pPr marL="685800" lvl="1" indent="-228600">
+              <a:lnSpc>
+                <a:spcPct val="90000"/>
+              </a:lnSpc>
+              <a:spcBef>
+                <a:spcPts val="499"/>
+              </a:spcBef>
+              <a:buClr>
+                <a:srgbClr val="000000"/>
+              </a:buClr>
+              <a:buFont typeface="Arial"/>
+              <a:buChar char="•"/>
+            </a:pPr>
+            <a:r>
+              <a:rPr lang="en-US" sz="2400" b="0" strike="noStrike" spc="-1">
+                <a:solidFill>
+                  <a:srgbClr val="000000"/>
+                </a:solidFill>
+                <a:latin typeface="Aptos"/>
+              </a:rPr>
+              <a:t>Pokusy </a:t>
+            </a:r>
+          </a:p>
+          <a:p>
+            <a:pPr marL="1143000" lvl="2" indent="-228600">
+              <a:lnSpc>
+                <a:spcPct val="90000"/>
+              </a:lnSpc>
+              <a:spcBef>
+                <a:spcPts val="499"/>
+              </a:spcBef>
+              <a:buClr>
+                <a:srgbClr val="000000"/>
+              </a:buClr>
+              <a:buFont typeface="Arial"/>
+              <a:buChar char="•"/>
+            </a:pPr>
+            <a:r>
+              <a:rPr lang="en-US" sz="2000" b="0" strike="noStrike" spc="-1">
+                <a:solidFill>
+                  <a:srgbClr val="000000"/>
+                </a:solidFill>
+                <a:latin typeface="Aptos"/>
+              </a:rPr>
+              <a:t>Penalizací za malou rychlost (nefungovalo - veliké zrychlení)</a:t>
+            </a:r>
+          </a:p>
+          <a:p>
+            <a:pPr marL="1143000" lvl="2" indent="-228600">
+              <a:lnSpc>
+                <a:spcPct val="90000"/>
+              </a:lnSpc>
+              <a:spcBef>
+                <a:spcPts val="499"/>
+              </a:spcBef>
+              <a:buClr>
+                <a:srgbClr val="000000"/>
+              </a:buClr>
+              <a:buFont typeface="Arial"/>
+              <a:buChar char="•"/>
+            </a:pPr>
+            <a:r>
+              <a:rPr lang="en-US" sz="2000" b="0" strike="noStrike" spc="-1">
+                <a:solidFill>
+                  <a:srgbClr val="000000"/>
+                </a:solidFill>
+                <a:latin typeface="Aptos"/>
+              </a:rPr>
+              <a:t>Odměna za “přežití” (nefungovalo – auta měla tendenci zastavovat)</a:t>
+            </a:r>
+          </a:p>
+          <a:p>
+            <a:pPr marL="228600" indent="-228600">
+              <a:lnSpc>
+                <a:spcPct val="90000"/>
+              </a:lnSpc>
+              <a:spcBef>
+                <a:spcPts val="1001"/>
+              </a:spcBef>
+              <a:buClr>
+                <a:srgbClr val="000000"/>
+              </a:buClr>
+              <a:buFont typeface="Arial"/>
+              <a:buChar char="•"/>
+            </a:pPr>
+            <a:r>
+              <a:rPr lang="en-US" sz="2800" b="0" strike="noStrike" spc="-1">
+                <a:solidFill>
+                  <a:srgbClr val="000000"/>
+                </a:solidFill>
+                <a:latin typeface="Aptos"/>
+              </a:rPr>
+              <a:t>Pokusy s postupným zvyšovaním elitismu</a:t>
+            </a:r>
+          </a:p>
+          <a:p>
+            <a:pPr marL="685800" lvl="1" indent="-228600">
+              <a:lnSpc>
+                <a:spcPct val="90000"/>
+              </a:lnSpc>
+              <a:spcBef>
+                <a:spcPts val="499"/>
+              </a:spcBef>
+              <a:buClr>
+                <a:srgbClr val="000000"/>
+              </a:buClr>
+              <a:buFont typeface="Arial"/>
+              <a:buChar char="•"/>
+            </a:pPr>
+            <a:r>
+              <a:rPr lang="en-US" sz="2400" b="0" strike="noStrike" spc="-1">
+                <a:solidFill>
+                  <a:srgbClr val="000000"/>
+                </a:solidFill>
+                <a:latin typeface="Aptos"/>
+              </a:rPr>
+              <a:t>Po určitém počtu generací se snížil počet elitních aut</a:t>
+            </a:r>
+          </a:p>
+          <a:p>
+            <a:pPr marL="685800" lvl="1" indent="-228600">
+              <a:lnSpc>
+                <a:spcPct val="90000"/>
+              </a:lnSpc>
+              <a:spcBef>
+                <a:spcPts val="499"/>
+              </a:spcBef>
+              <a:buClr>
+                <a:srgbClr val="000000"/>
+              </a:buClr>
+              <a:buFont typeface="Arial"/>
+              <a:buChar char="•"/>
+            </a:pPr>
+            <a:r>
+              <a:rPr lang="en-US" sz="2400" b="0" strike="noStrike" spc="-1">
+                <a:solidFill>
+                  <a:srgbClr val="000000"/>
+                </a:solidFill>
+                <a:latin typeface="Aptos"/>
+              </a:rPr>
+              <a:t>Nezaznamenali jsme veliký vliv na výsledek</a:t>
+            </a:r>
+          </a:p>
+          <a:p>
+            <a:pPr>
+              <a:lnSpc>
+                <a:spcPct val="90000"/>
+              </a:lnSpc>
+              <a:spcBef>
+                <a:spcPts val="1417"/>
+              </a:spcBef>
+              <a:buNone/>
+            </a:pPr>
+            <a:endParaRPr lang="en-US" sz="2400" b="0" strike="noStrike" spc="-1">
               <a:solidFill>
                 <a:srgbClr val="000000"/>
               </a:solidFill>
               <a:latin typeface="Aptos"/>
             </a:endParaRPr>
           </a:p>
-          <a:p>
-            <a:pPr lvl="1" marL="685800" indent="-228600">
-              <a:lnSpc>
-                <a:spcPct val="90000"/>
-              </a:lnSpc>
-              <a:spcBef>
-                <a:spcPts val="499"/>
-              </a:spcBef>
-              <a:buClr>
-                <a:srgbClr val="000000"/>
-              </a:buClr>
-              <a:buFont typeface="Arial"/>
-              <a:buChar char="•"/>
-            </a:pPr>
-            <a:r>
-              <a:rPr b="0" lang="en-US" sz="2400" spc="-1" strike="noStrike">
-                <a:solidFill>
-                  <a:srgbClr val="000000"/>
-                </a:solidFill>
-                <a:latin typeface="Aptos"/>
-              </a:rPr>
-              <a:t>Z počátku pouze jen distance</a:t>
-            </a:r>
-            <a:endParaRPr b="0" lang="en-US" sz="2400" spc="-1" strike="noStrike">
-              <a:solidFill>
-                <a:srgbClr val="000000"/>
-              </a:solidFill>
-              <a:latin typeface="Aptos"/>
-            </a:endParaRPr>
-          </a:p>
-          <a:p>
-            <a:pPr lvl="1" marL="685800" indent="-228600">
-              <a:lnSpc>
-                <a:spcPct val="90000"/>
-              </a:lnSpc>
-              <a:spcBef>
-                <a:spcPts val="499"/>
-              </a:spcBef>
-              <a:buClr>
-                <a:srgbClr val="000000"/>
-              </a:buClr>
-              <a:buFont typeface="Arial"/>
-              <a:buChar char="•"/>
-            </a:pPr>
-            <a:r>
-              <a:rPr b="0" lang="en-US" sz="2400" spc="-1" strike="noStrike">
-                <a:solidFill>
-                  <a:srgbClr val="000000"/>
-                </a:solidFill>
-                <a:latin typeface="Aptos"/>
-              </a:rPr>
-              <a:t>Přidání odměny za průměrnou rychlost</a:t>
-            </a:r>
-            <a:endParaRPr b="0" lang="en-US" sz="2400" spc="-1" strike="noStrike">
-              <a:solidFill>
-                <a:srgbClr val="000000"/>
-              </a:solidFill>
-              <a:latin typeface="Aptos"/>
-            </a:endParaRPr>
-          </a:p>
-          <a:p>
-            <a:pPr lvl="1" marL="685800" indent="-228600">
-              <a:lnSpc>
-                <a:spcPct val="90000"/>
-              </a:lnSpc>
-              <a:spcBef>
-                <a:spcPts val="499"/>
-              </a:spcBef>
-              <a:buClr>
-                <a:srgbClr val="000000"/>
-              </a:buClr>
-              <a:buFont typeface="Arial"/>
-              <a:buChar char="•"/>
-            </a:pPr>
-            <a:r>
-              <a:rPr b="0" lang="en-US" sz="2400" spc="-1" strike="noStrike">
-                <a:solidFill>
-                  <a:srgbClr val="000000"/>
-                </a:solidFill>
-                <a:latin typeface="Aptos"/>
-              </a:rPr>
-              <a:t>Pokusy </a:t>
-            </a:r>
-            <a:endParaRPr b="0" lang="en-US" sz="2400" spc="-1" strike="noStrike">
-              <a:solidFill>
-                <a:srgbClr val="000000"/>
-              </a:solidFill>
-              <a:latin typeface="Aptos"/>
-            </a:endParaRPr>
-          </a:p>
-          <a:p>
-            <a:pPr lvl="2" marL="1143000" indent="-228600">
-              <a:lnSpc>
-                <a:spcPct val="90000"/>
-              </a:lnSpc>
-              <a:spcBef>
-                <a:spcPts val="499"/>
-              </a:spcBef>
-              <a:buClr>
-                <a:srgbClr val="000000"/>
-              </a:buClr>
-              <a:buFont typeface="Arial"/>
-              <a:buChar char="•"/>
-            </a:pPr>
-            <a:r>
-              <a:rPr b="0" lang="en-US" sz="2000" spc="-1" strike="noStrike">
-                <a:solidFill>
-                  <a:srgbClr val="000000"/>
-                </a:solidFill>
-                <a:latin typeface="Aptos"/>
-              </a:rPr>
-              <a:t>Penalizací za malou rychlost (nefungovalo - veliké zrychlení)</a:t>
-            </a:r>
-            <a:endParaRPr b="0" lang="en-US" sz="2000" spc="-1" strike="noStrike">
-              <a:solidFill>
-                <a:srgbClr val="000000"/>
-              </a:solidFill>
-              <a:latin typeface="Aptos"/>
-            </a:endParaRPr>
-          </a:p>
-          <a:p>
-            <a:pPr lvl="2" marL="1143000" indent="-228600">
-              <a:lnSpc>
-                <a:spcPct val="90000"/>
-              </a:lnSpc>
-              <a:spcBef>
-                <a:spcPts val="499"/>
-              </a:spcBef>
-              <a:buClr>
-                <a:srgbClr val="000000"/>
-              </a:buClr>
-              <a:buFont typeface="Arial"/>
-              <a:buChar char="•"/>
-            </a:pPr>
-            <a:r>
-              <a:rPr b="0" lang="en-US" sz="2000" spc="-1" strike="noStrike">
-                <a:solidFill>
-                  <a:srgbClr val="000000"/>
-                </a:solidFill>
-                <a:latin typeface="Aptos"/>
-              </a:rPr>
-              <a:t>Odměna za “přežití” (nefungovalo – auta měla tendenci zastavovat)</a:t>
-            </a:r>
-            <a:endParaRPr b="0" lang="en-US" sz="2000" spc="-1" strike="noStrike">
-              <a:solidFill>
-                <a:srgbClr val="000000"/>
-              </a:solidFill>
-              <a:latin typeface="Aptos"/>
-            </a:endParaRPr>
-          </a:p>
-          <a:p>
-            <a:pPr marL="228600" indent="-228600">
-              <a:lnSpc>
-                <a:spcPct val="90000"/>
-              </a:lnSpc>
-              <a:spcBef>
-                <a:spcPts val="1001"/>
-              </a:spcBef>
-              <a:buClr>
-                <a:srgbClr val="000000"/>
-              </a:buClr>
-              <a:buFont typeface="Arial"/>
-              <a:buChar char="•"/>
-            </a:pPr>
-            <a:r>
-              <a:rPr b="0" lang="en-US" sz="2800" spc="-1" strike="noStrike">
-                <a:solidFill>
-                  <a:srgbClr val="000000"/>
-                </a:solidFill>
-                <a:latin typeface="Aptos"/>
-              </a:rPr>
-              <a:t>Pokusy s postupným zvyšovaním elitismu</a:t>
-            </a:r>
-            <a:endParaRPr b="0" lang="en-US" sz="2800" spc="-1" strike="noStrike">
-              <a:solidFill>
-                <a:srgbClr val="000000"/>
-              </a:solidFill>
-              <a:latin typeface="Aptos"/>
-            </a:endParaRPr>
-          </a:p>
-          <a:p>
-            <a:pPr lvl="1" marL="685800" indent="-228600">
-              <a:lnSpc>
-                <a:spcPct val="90000"/>
-              </a:lnSpc>
-              <a:spcBef>
-                <a:spcPts val="499"/>
-              </a:spcBef>
-              <a:buClr>
-                <a:srgbClr val="000000"/>
-              </a:buClr>
-              <a:buFont typeface="Arial"/>
-              <a:buChar char="•"/>
-            </a:pPr>
-            <a:r>
-              <a:rPr b="0" lang="en-US" sz="2400" spc="-1" strike="noStrike">
-                <a:solidFill>
-                  <a:srgbClr val="000000"/>
-                </a:solidFill>
-                <a:latin typeface="Aptos"/>
-              </a:rPr>
-              <a:t>Po určitém počtu generací se snížil počet elitních aut</a:t>
-            </a:r>
-            <a:endParaRPr b="0" lang="en-US" sz="2400" spc="-1" strike="noStrike">
-              <a:solidFill>
-                <a:srgbClr val="000000"/>
-              </a:solidFill>
-              <a:latin typeface="Aptos"/>
-            </a:endParaRPr>
-          </a:p>
-          <a:p>
-            <a:pPr lvl="1" marL="685800" indent="-228600">
-              <a:lnSpc>
-                <a:spcPct val="90000"/>
-              </a:lnSpc>
-              <a:spcBef>
-                <a:spcPts val="499"/>
-              </a:spcBef>
-              <a:buClr>
-                <a:srgbClr val="000000"/>
-              </a:buClr>
-              <a:buFont typeface="Arial"/>
-              <a:buChar char="•"/>
-            </a:pPr>
-            <a:r>
-              <a:rPr b="0" lang="en-US" sz="2400" spc="-1" strike="noStrike">
-                <a:solidFill>
-                  <a:srgbClr val="000000"/>
-                </a:solidFill>
-                <a:latin typeface="Aptos"/>
-              </a:rPr>
-              <a:t>Nezaznamenali jsme veliký vliv na výsledek</a:t>
-            </a:r>
-            <a:endParaRPr b="0" lang="en-US" sz="2400" spc="-1" strike="noStrike">
-              <a:solidFill>
-                <a:srgbClr val="000000"/>
-              </a:solidFill>
-              <a:latin typeface="Aptos"/>
-            </a:endParaRPr>
-          </a:p>
-          <a:p>
-            <a:pPr>
-              <a:lnSpc>
-                <a:spcPct val="90000"/>
-              </a:lnSpc>
-              <a:spcBef>
-                <a:spcPts val="1417"/>
-              </a:spcBef>
-              <a:buNone/>
-            </a:pPr>
-            <a:endParaRPr b="0" lang="en-US" sz="2400" spc="-1" strike="noStrike">
-              <a:solidFill>
-                <a:srgbClr val="000000"/>
-              </a:solidFill>
-              <a:latin typeface="Aptos"/>
-            </a:endParaRPr>
-          </a:p>
         </p:txBody>
       </p:sp>
       <p:sp>
@@ -7951,10 +8635,13 @@
         <p:spPr/>
         <p:txBody>
           <a:bodyPr/>
+          <a:lstStyle/>
           <a:p>
             <a:fld id="{F638FF0C-5917-4ECA-951A-A18D2909C05E}" type="slidenum">
+              <a:rPr/>
               <a:t>4</a:t>
             </a:fld>
+            <a:endParaRPr/>
           </a:p>
         </p:txBody>
       </p:sp>
@@ -7971,29 +8658,26 @@
         <p:spPr/>
         <p:txBody>
           <a:bodyPr/>
+          <a:lstStyle/>
           <a:p>
             <a:fld id="{81E6292D-C574-4138-B141-09589AB28969}" type="datetime1">
               <a:rPr lang="en-US"/>
-              <a:t>01/11/2026</a:t>
+              <a:t>1/11/26</a:t>
             </a:fld>
+            <a:endParaRPr lang="en-US"/>
           </a:p>
         </p:txBody>
       </p:sp>
     </p:spTree>
   </p:cSld>
-  <mc:AlternateContent>
-    <mc:Choice Requires="p14">
-      <p:transition spd="slow" p14:dur="2000"/>
-    </mc:Choice>
-    <mc:Fallback>
-      <p:transition spd="slow"/>
-    </mc:Fallback>
-  </mc:AlternateContent>
+  <p:clrMapOvr>
+    <a:masterClrMapping/>
+  </p:clrMapOvr>
 </p:sld>
 </file>
 
 <file path=ppt/slides/slide5.xml><?xml version="1.0" encoding="utf-8"?>
-<p:sld xmlns:a="http://schemas.openxmlformats.org/drawingml/2006/main" xmlns:p="http://schemas.openxmlformats.org/presentationml/2006/main" xmlns:r="http://schemas.openxmlformats.org/officeDocument/2006/relationships" xmlns:p14="http://schemas.microsoft.com/office/powerpoint/2010/main" xmlns:p15="http://schemas.microsoft.com/office/powerpoint/2012/main" xmlns:mc="http://schemas.openxmlformats.org/markup-compatibility/2006">
+<p:sld xmlns:a="http://schemas.openxmlformats.org/drawingml/2006/main" xmlns:r="http://schemas.openxmlformats.org/officeDocument/2006/relationships" xmlns:p="http://schemas.openxmlformats.org/presentationml/2006/main">
   <p:cSld>
     <p:spTree>
       <p:nvGrpSpPr>
@@ -8036,6 +8720,7 @@
           <a:bodyPr anchor="ctr">
             <a:noAutofit/>
           </a:bodyPr>
+          <a:lstStyle/>
           <a:p>
             <a:pPr>
               <a:lnSpc>
@@ -8044,7 +8729,7 @@
               <a:buNone/>
             </a:pPr>
             <a:r>
-              <a:rPr b="0" lang="en-US" sz="4400" spc="-1" strike="noStrike">
+              <a:rPr lang="en-US" sz="4400" b="0" strike="noStrike" spc="-1">
                 <a:solidFill>
                   <a:srgbClr val="000000"/>
                 </a:solidFill>
@@ -8052,7 +8737,7 @@
               </a:rPr>
               <a:t>Úpravy trénování</a:t>
             </a:r>
-            <a:endParaRPr b="0" lang="en-US" sz="4400" spc="-1" strike="noStrike">
+            <a:endParaRPr lang="en-US" sz="4400" b="0" strike="noStrike" spc="-1">
               <a:solidFill>
                 <a:srgbClr val="000000"/>
               </a:solidFill>
@@ -8088,6 +8773,7 @@
           <a:bodyPr anchor="t">
             <a:noAutofit/>
           </a:bodyPr>
+          <a:lstStyle/>
           <a:p>
             <a:pPr marL="228600" indent="-228600">
               <a:lnSpc>
@@ -8103,7 +8789,7 @@
               <a:buChar char="•"/>
             </a:pPr>
             <a:r>
-              <a:rPr b="0" lang="en-US" sz="2800" spc="-1" strike="noStrike">
+              <a:rPr lang="en-US" sz="2800" b="0" strike="noStrike" spc="-1">
                 <a:solidFill>
                   <a:srgbClr val="000000"/>
                 </a:solidFill>
@@ -8111,180 +8797,144 @@
               </a:rPr>
               <a:t>Mutační funkce</a:t>
             </a:r>
-            <a:endParaRPr b="0" lang="en-US" sz="2800" spc="-1" strike="noStrike">
+          </a:p>
+          <a:p>
+            <a:pPr marL="685800" lvl="1" indent="-228600">
+              <a:lnSpc>
+                <a:spcPct val="90000"/>
+              </a:lnSpc>
+              <a:spcBef>
+                <a:spcPts val="499"/>
+              </a:spcBef>
+              <a:buClr>
+                <a:srgbClr val="000000"/>
+              </a:buClr>
+              <a:buFont typeface="Arial"/>
+              <a:buChar char="•"/>
+            </a:pPr>
+            <a:r>
+              <a:rPr lang="en-US" sz="2400" b="0" strike="noStrike" spc="-1">
+                <a:solidFill>
+                  <a:srgbClr val="000000"/>
+                </a:solidFill>
+                <a:latin typeface="Aptos"/>
+              </a:rPr>
+              <a:t>Místo random šumu použit Gaussovský šum</a:t>
+            </a:r>
+          </a:p>
+          <a:p>
+            <a:pPr marL="685800" lvl="1" indent="-228600">
+              <a:lnSpc>
+                <a:spcPct val="90000"/>
+              </a:lnSpc>
+              <a:spcBef>
+                <a:spcPts val="499"/>
+              </a:spcBef>
+              <a:buClr>
+                <a:srgbClr val="000000"/>
+              </a:buClr>
+              <a:buFont typeface="Arial"/>
+              <a:buChar char="•"/>
+            </a:pPr>
+            <a:r>
+              <a:rPr lang="en-US" sz="2400" b="0" strike="noStrike" spc="-1">
+                <a:solidFill>
+                  <a:srgbClr val="000000"/>
+                </a:solidFill>
+                <a:latin typeface="Aptos"/>
+              </a:rPr>
+              <a:t>Mutuje se pouze náhodná podmnožina vah a biasu</a:t>
+            </a:r>
+          </a:p>
+          <a:p>
+            <a:pPr marL="685800" lvl="1" indent="-228600">
+              <a:lnSpc>
+                <a:spcPct val="90000"/>
+              </a:lnSpc>
+              <a:spcBef>
+                <a:spcPts val="499"/>
+              </a:spcBef>
+              <a:buClr>
+                <a:srgbClr val="000000"/>
+              </a:buClr>
+              <a:buFont typeface="Arial"/>
+              <a:buChar char="•"/>
+            </a:pPr>
+            <a:r>
+              <a:rPr lang="en-US" sz="2400" b="0" strike="noStrike" spc="-1">
+                <a:solidFill>
+                  <a:srgbClr val="000000"/>
+                </a:solidFill>
+                <a:latin typeface="Aptos"/>
+              </a:rPr>
+              <a:t>S postupem generací se:</a:t>
+            </a:r>
+          </a:p>
+          <a:p>
+            <a:pPr marL="1143000" lvl="2" indent="-228600">
+              <a:lnSpc>
+                <a:spcPct val="90000"/>
+              </a:lnSpc>
+              <a:spcBef>
+                <a:spcPts val="499"/>
+              </a:spcBef>
+              <a:buClr>
+                <a:srgbClr val="000000"/>
+              </a:buClr>
+              <a:buFont typeface="Arial"/>
+              <a:buChar char="•"/>
+            </a:pPr>
+            <a:r>
+              <a:rPr lang="en-US" sz="2000" b="0" strike="noStrike" spc="-1">
+                <a:solidFill>
+                  <a:srgbClr val="000000"/>
+                </a:solidFill>
+                <a:latin typeface="Aptos"/>
+              </a:rPr>
+              <a:t>Snižuje počet vah a biasu, které se zmutují</a:t>
+            </a:r>
+          </a:p>
+          <a:p>
+            <a:pPr marL="1143000" lvl="2" indent="-228600">
+              <a:lnSpc>
+                <a:spcPct val="90000"/>
+              </a:lnSpc>
+              <a:spcBef>
+                <a:spcPts val="499"/>
+              </a:spcBef>
+              <a:buClr>
+                <a:srgbClr val="000000"/>
+              </a:buClr>
+              <a:buFont typeface="Arial"/>
+              <a:buChar char="•"/>
+            </a:pPr>
+            <a:r>
+              <a:rPr lang="en-US" sz="2000" b="0" strike="noStrike" spc="-1">
+                <a:solidFill>
+                  <a:srgbClr val="000000"/>
+                </a:solidFill>
+                <a:latin typeface="Aptos"/>
+              </a:rPr>
+              <a:t>Snižuje se směrodatná odchylka pro Gaussovský šum</a:t>
+            </a:r>
+          </a:p>
+          <a:p>
+            <a:pPr>
+              <a:lnSpc>
+                <a:spcPct val="90000"/>
+              </a:lnSpc>
+              <a:spcBef>
+                <a:spcPts val="1417"/>
+              </a:spcBef>
+              <a:buNone/>
+            </a:pPr>
+            <a:endParaRPr lang="en-US" sz="2400" b="0" strike="noStrike" spc="-1">
               <a:solidFill>
                 <a:srgbClr val="000000"/>
               </a:solidFill>
               <a:latin typeface="Aptos"/>
             </a:endParaRPr>
           </a:p>
-          <a:p>
-            <a:pPr lvl="1" marL="685800" indent="-228600">
-              <a:lnSpc>
-                <a:spcPct val="90000"/>
-              </a:lnSpc>
-              <a:spcBef>
-                <a:spcPts val="499"/>
-              </a:spcBef>
-              <a:buClr>
-                <a:srgbClr val="000000"/>
-              </a:buClr>
-              <a:buFont typeface="Arial"/>
-              <a:buChar char="•"/>
-            </a:pPr>
-            <a:r>
-              <a:rPr b="0" lang="en-US" sz="2400" spc="-1" strike="noStrike">
-                <a:solidFill>
-                  <a:srgbClr val="000000"/>
-                </a:solidFill>
-                <a:latin typeface="Aptos"/>
-              </a:rPr>
-              <a:t>Místo random šumu použit Gaussovský šum</a:t>
-            </a:r>
-            <a:endParaRPr b="0" lang="en-US" sz="2400" spc="-1" strike="noStrike">
-              <a:solidFill>
-                <a:srgbClr val="000000"/>
-              </a:solidFill>
-              <a:latin typeface="Aptos"/>
-            </a:endParaRPr>
-          </a:p>
-          <a:p>
-            <a:pPr lvl="1" marL="685800" indent="-228600">
-              <a:lnSpc>
-                <a:spcPct val="90000"/>
-              </a:lnSpc>
-              <a:spcBef>
-                <a:spcPts val="499"/>
-              </a:spcBef>
-              <a:buClr>
-                <a:srgbClr val="000000"/>
-              </a:buClr>
-              <a:buFont typeface="Arial"/>
-              <a:buChar char="•"/>
-            </a:pPr>
-            <a:r>
-              <a:rPr b="0" lang="en-US" sz="2400" spc="-1" strike="noStrike">
-                <a:solidFill>
-                  <a:srgbClr val="000000"/>
-                </a:solidFill>
-                <a:latin typeface="Aptos"/>
-              </a:rPr>
-              <a:t>Mutuje se pouze náhodná podmnožina vah a biasu</a:t>
-            </a:r>
-            <a:endParaRPr b="0" lang="en-US" sz="2400" spc="-1" strike="noStrike">
-              <a:solidFill>
-                <a:srgbClr val="000000"/>
-              </a:solidFill>
-              <a:latin typeface="Aptos"/>
-            </a:endParaRPr>
-          </a:p>
-          <a:p>
-            <a:pPr lvl="1" marL="685800" indent="-228600">
-              <a:lnSpc>
-                <a:spcPct val="90000"/>
-              </a:lnSpc>
-              <a:spcBef>
-                <a:spcPts val="499"/>
-              </a:spcBef>
-              <a:buClr>
-                <a:srgbClr val="000000"/>
-              </a:buClr>
-              <a:buFont typeface="Arial"/>
-              <a:buChar char="•"/>
-            </a:pPr>
-            <a:r>
-              <a:rPr b="0" lang="en-US" sz="2400" spc="-1" strike="noStrike">
-                <a:solidFill>
-                  <a:srgbClr val="000000"/>
-                </a:solidFill>
-                <a:latin typeface="Aptos"/>
-              </a:rPr>
-              <a:t>S postupem generací se:</a:t>
-            </a:r>
-            <a:endParaRPr b="0" lang="en-US" sz="2400" spc="-1" strike="noStrike">
-              <a:solidFill>
-                <a:srgbClr val="000000"/>
-              </a:solidFill>
-              <a:latin typeface="Aptos"/>
-            </a:endParaRPr>
-          </a:p>
-          <a:p>
-            <a:pPr lvl="2" marL="1143000" indent="-228600">
-              <a:lnSpc>
-                <a:spcPct val="90000"/>
-              </a:lnSpc>
-              <a:spcBef>
-                <a:spcPts val="499"/>
-              </a:spcBef>
-              <a:buClr>
-                <a:srgbClr val="000000"/>
-              </a:buClr>
-              <a:buFont typeface="Arial"/>
-              <a:buChar char="•"/>
-            </a:pPr>
-            <a:r>
-              <a:rPr b="0" lang="en-US" sz="2000" spc="-1" strike="noStrike">
-                <a:solidFill>
-                  <a:srgbClr val="000000"/>
-                </a:solidFill>
-                <a:latin typeface="Aptos"/>
-              </a:rPr>
-              <a:t>Snižuje počet vah a biasu, které se zmutují</a:t>
-            </a:r>
-            <a:endParaRPr b="0" lang="en-US" sz="2000" spc="-1" strike="noStrike">
-              <a:solidFill>
-                <a:srgbClr val="000000"/>
-              </a:solidFill>
-              <a:latin typeface="Aptos"/>
-            </a:endParaRPr>
-          </a:p>
-          <a:p>
-            <a:pPr lvl="2" marL="1143000" indent="-228600">
-              <a:lnSpc>
-                <a:spcPct val="90000"/>
-              </a:lnSpc>
-              <a:spcBef>
-                <a:spcPts val="499"/>
-              </a:spcBef>
-              <a:buClr>
-                <a:srgbClr val="000000"/>
-              </a:buClr>
-              <a:buFont typeface="Arial"/>
-              <a:buChar char="•"/>
-            </a:pPr>
-            <a:r>
-              <a:rPr b="0" lang="en-US" sz="2000" spc="-1" strike="noStrike">
-                <a:solidFill>
-                  <a:srgbClr val="000000"/>
-                </a:solidFill>
-                <a:latin typeface="Aptos"/>
-              </a:rPr>
-              <a:t>Snižuje se směrodatná odchylka pro Gaussovský šum</a:t>
-            </a:r>
-            <a:endParaRPr b="0" lang="en-US" sz="2000" spc="-1" strike="noStrike">
-              <a:solidFill>
-                <a:srgbClr val="000000"/>
-              </a:solidFill>
-              <a:latin typeface="Aptos"/>
-            </a:endParaRPr>
-          </a:p>
-          <a:p>
-            <a:pPr>
-              <a:lnSpc>
-                <a:spcPct val="90000"/>
-              </a:lnSpc>
-              <a:spcBef>
-                <a:spcPts val="1417"/>
-              </a:spcBef>
-              <a:buNone/>
-            </a:pPr>
-            <a:endParaRPr b="0" lang="en-US" sz="2400" spc="-1" strike="noStrike">
-              <a:solidFill>
-                <a:srgbClr val="000000"/>
-              </a:solidFill>
-              <a:latin typeface="Aptos"/>
-            </a:endParaRPr>
-          </a:p>
         </p:txBody>
       </p:sp>
       <p:sp>
@@ -8300,10 +8950,13 @@
         <p:spPr/>
         <p:txBody>
           <a:bodyPr/>
+          <a:lstStyle/>
           <a:p>
             <a:fld id="{1D9EE419-70B0-4364-865A-415135724160}" type="slidenum">
+              <a:rPr/>
               <a:t>5</a:t>
             </a:fld>
+            <a:endParaRPr/>
           </a:p>
         </p:txBody>
       </p:sp>
@@ -8320,29 +8973,26 @@
         <p:spPr/>
         <p:txBody>
           <a:bodyPr/>
+          <a:lstStyle/>
           <a:p>
             <a:fld id="{211E8DED-5F0B-4FB6-B746-BD29419F587D}" type="datetime1">
               <a:rPr lang="en-US"/>
-              <a:t>01/11/2026</a:t>
+              <a:t>1/11/26</a:t>
             </a:fld>
+            <a:endParaRPr lang="en-US"/>
           </a:p>
         </p:txBody>
       </p:sp>
     </p:spTree>
   </p:cSld>
-  <mc:AlternateContent>
-    <mc:Choice Requires="p14">
-      <p:transition spd="slow" p14:dur="2000"/>
-    </mc:Choice>
-    <mc:Fallback>
-      <p:transition spd="slow"/>
-    </mc:Fallback>
-  </mc:AlternateContent>
+  <p:clrMapOvr>
+    <a:masterClrMapping/>
+  </p:clrMapOvr>
 </p:sld>
 </file>
 
 <file path=ppt/slides/slide6.xml><?xml version="1.0" encoding="utf-8"?>
-<p:sld xmlns:a="http://schemas.openxmlformats.org/drawingml/2006/main" xmlns:p="http://schemas.openxmlformats.org/presentationml/2006/main" xmlns:r="http://schemas.openxmlformats.org/officeDocument/2006/relationships" xmlns:p14="http://schemas.microsoft.com/office/powerpoint/2010/main" xmlns:p15="http://schemas.microsoft.com/office/powerpoint/2012/main" xmlns:mc="http://schemas.openxmlformats.org/markup-compatibility/2006">
+<p:sld xmlns:a="http://schemas.openxmlformats.org/drawingml/2006/main" xmlns:r="http://schemas.openxmlformats.org/officeDocument/2006/relationships" xmlns:p="http://schemas.openxmlformats.org/presentationml/2006/main">
   <p:cSld>
     <p:spTree>
       <p:nvGrpSpPr>
@@ -8385,6 +9035,7 @@
           <a:bodyPr anchor="ctr">
             <a:noAutofit/>
           </a:bodyPr>
+          <a:lstStyle/>
           <a:p>
             <a:pPr>
               <a:lnSpc>
@@ -8393,7 +9044,7 @@
               <a:buNone/>
             </a:pPr>
             <a:r>
-              <a:rPr b="0" lang="en-US" sz="4400" spc="-1" strike="noStrike">
+              <a:rPr lang="en-US" sz="4400" b="0" strike="noStrike" spc="-1">
                 <a:solidFill>
                   <a:srgbClr val="000000"/>
                 </a:solidFill>
@@ -8401,7 +9052,7 @@
               </a:rPr>
               <a:t>Finální model</a:t>
             </a:r>
-            <a:endParaRPr b="0" lang="en-US" sz="4400" spc="-1" strike="noStrike">
+            <a:endParaRPr lang="en-US" sz="4400" b="0" strike="noStrike" spc="-1">
               <a:solidFill>
                 <a:srgbClr val="000000"/>
               </a:solidFill>
@@ -8437,6 +9088,7 @@
           <a:bodyPr anchor="t">
             <a:noAutofit/>
           </a:bodyPr>
+          <a:lstStyle/>
           <a:p>
             <a:pPr marL="228600" indent="-228600">
               <a:lnSpc>
@@ -8452,15 +9104,51 @@
               <a:buChar char="•"/>
             </a:pPr>
             <a:r>
-              <a:rPr b="0" lang="en-US" sz="2800" spc="-1" strike="noStrike">
-                <a:solidFill>
-                  <a:srgbClr val="000000"/>
-                </a:solidFill>
-                <a:latin typeface="Aptos"/>
-              </a:rPr>
-              <a:t>Hlubší neuronová síť</a:t>
-            </a:r>
-            <a:endParaRPr b="0" lang="en-US" sz="2800" spc="-1" strike="noStrike">
+              <a:rPr lang="en-US" sz="2800" b="0" strike="noStrike" spc="-1" dirty="0" err="1">
+                <a:solidFill>
+                  <a:srgbClr val="000000"/>
+                </a:solidFill>
+                <a:latin typeface="Aptos"/>
+              </a:rPr>
+              <a:t>Hlubší</a:t>
+            </a:r>
+            <a:r>
+              <a:rPr lang="en-US" sz="2800" b="0" strike="noStrike" spc="-1" dirty="0">
+                <a:solidFill>
+                  <a:srgbClr val="000000"/>
+                </a:solidFill>
+                <a:latin typeface="Aptos"/>
+              </a:rPr>
+              <a:t> </a:t>
+            </a:r>
+            <a:r>
+              <a:rPr lang="en-US" sz="2800" b="0" strike="noStrike" spc="-1" dirty="0" err="1">
+                <a:solidFill>
+                  <a:srgbClr val="000000"/>
+                </a:solidFill>
+                <a:latin typeface="Aptos"/>
+              </a:rPr>
+              <a:t>neuronová</a:t>
+            </a:r>
+            <a:r>
+              <a:rPr lang="en-US" sz="2800" b="0" strike="noStrike" spc="-1" dirty="0">
+                <a:solidFill>
+                  <a:srgbClr val="000000"/>
+                </a:solidFill>
+                <a:latin typeface="Aptos"/>
+              </a:rPr>
+              <a:t> </a:t>
+            </a:r>
+            <a:r>
+              <a:rPr lang="en-US" sz="2800" b="0" strike="noStrike" spc="-1" dirty="0" err="1">
+                <a:solidFill>
+                  <a:srgbClr val="000000"/>
+                </a:solidFill>
+                <a:latin typeface="Aptos"/>
+              </a:rPr>
+              <a:t>síť</a:t>
+            </a:r>
+            <a:endParaRPr lang="en-US" sz="2800" b="0" strike="noStrike" spc="-1" dirty="0">
               <a:solidFill>
                 <a:srgbClr val="000000"/>
               </a:solidFill>
@@ -8468,7 +9156,7 @@
             </a:endParaRPr>
           </a:p>
           <a:p>
-            <a:pPr lvl="1" marL="685800" indent="-228600">
+            <a:pPr marL="685800" lvl="1" indent="-228600">
               <a:lnSpc>
                 <a:spcPct val="90000"/>
               </a:lnSpc>
@@ -8482,15 +9170,33 @@
               <a:buChar char="•"/>
             </a:pPr>
             <a:r>
-              <a:rPr b="0" lang="en-US" sz="2400" spc="-1" strike="noStrike">
-                <a:solidFill>
-                  <a:srgbClr val="000000"/>
-                </a:solidFill>
-                <a:latin typeface="Aptos"/>
-              </a:rPr>
-              <a:t>Vstupní vrstva – 15 parametrů</a:t>
-            </a:r>
-            <a:endParaRPr b="0" lang="en-US" sz="2400" spc="-1" strike="noStrike">
+              <a:rPr lang="en-US" sz="2400" b="0" strike="noStrike" spc="-1" dirty="0" err="1">
+                <a:solidFill>
+                  <a:srgbClr val="000000"/>
+                </a:solidFill>
+                <a:latin typeface="Aptos"/>
+              </a:rPr>
+              <a:t>Vstupy</a:t>
+            </a:r>
+            <a:r>
+              <a:rPr lang="en-US" sz="2400" b="0" strike="noStrike" spc="-1" dirty="0">
+                <a:solidFill>
+                  <a:srgbClr val="000000"/>
+                </a:solidFill>
+                <a:latin typeface="Aptos"/>
+              </a:rPr>
+              <a:t> – 15 </a:t>
+            </a:r>
+            <a:r>
+              <a:rPr lang="en-US" sz="2400" b="0" strike="noStrike" spc="-1" dirty="0" err="1">
+                <a:solidFill>
+                  <a:srgbClr val="000000"/>
+                </a:solidFill>
+                <a:latin typeface="Aptos"/>
+              </a:rPr>
+              <a:t>parametrů</a:t>
+            </a:r>
+            <a:endParaRPr lang="en-US" sz="2400" b="0" strike="noStrike" spc="-1" dirty="0">
               <a:solidFill>
                 <a:srgbClr val="000000"/>
               </a:solidFill>
@@ -8498,7 +9204,7 @@
             </a:endParaRPr>
           </a:p>
           <a:p>
-            <a:pPr lvl="2" marL="1143000" indent="-228600">
+            <a:pPr marL="1143000" lvl="2" indent="-228600">
               <a:lnSpc>
                 <a:spcPct val="90000"/>
               </a:lnSpc>
@@ -8512,15 +9218,24 @@
               <a:buChar char="•"/>
             </a:pPr>
             <a:r>
-              <a:rPr b="0" lang="en-US" sz="2000" spc="-1" strike="noStrike">
-                <a:solidFill>
-                  <a:srgbClr val="000000"/>
-                </a:solidFill>
-                <a:latin typeface="Aptos"/>
-              </a:rPr>
-              <a:t>9 senzorů</a:t>
-            </a:r>
-            <a:endParaRPr b="0" lang="en-US" sz="2000" spc="-1" strike="noStrike">
+              <a:rPr lang="en-US" sz="2000" b="0" strike="noStrike" spc="-1" dirty="0">
+                <a:solidFill>
+                  <a:srgbClr val="000000"/>
+                </a:solidFill>
+                <a:latin typeface="Aptos"/>
+              </a:rPr>
+              <a:t>9 </a:t>
+            </a:r>
+            <a:r>
+              <a:rPr lang="en-US" sz="2000" b="0" strike="noStrike" spc="-1" dirty="0" err="1">
+                <a:solidFill>
+                  <a:srgbClr val="000000"/>
+                </a:solidFill>
+                <a:latin typeface="Aptos"/>
+              </a:rPr>
+              <a:t>senzorů</a:t>
+            </a:r>
+            <a:endParaRPr lang="en-US" sz="2000" b="0" strike="noStrike" spc="-1" dirty="0">
               <a:solidFill>
                 <a:srgbClr val="000000"/>
               </a:solidFill>
@@ -8528,7 +9243,7 @@
             </a:endParaRPr>
           </a:p>
           <a:p>
-            <a:pPr lvl="2" marL="1143000" indent="-228600">
+            <a:pPr marL="1143000" lvl="2" indent="-228600">
               <a:lnSpc>
                 <a:spcPct val="90000"/>
               </a:lnSpc>
@@ -8542,15 +9257,129 @@
               <a:buChar char="•"/>
             </a:pPr>
             <a:r>
-              <a:rPr b="0" lang="en-US" sz="2000" spc="-1" strike="noStrike">
-                <a:solidFill>
-                  <a:srgbClr val="000000"/>
-                </a:solidFill>
-                <a:latin typeface="Aptos"/>
-              </a:rPr>
-              <a:t>Rychlost (normalizovaná – dělená maximální rychlostí)</a:t>
-            </a:r>
-            <a:endParaRPr b="0" lang="en-US" sz="2000" spc="-1" strike="noStrike">
+              <a:rPr lang="en-US" sz="2000" b="0" strike="noStrike" spc="-1" dirty="0" err="1">
+                <a:solidFill>
+                  <a:srgbClr val="000000"/>
+                </a:solidFill>
+                <a:latin typeface="Aptos"/>
+              </a:rPr>
+              <a:t>Rychlost</a:t>
+            </a:r>
+            <a:r>
+              <a:rPr lang="en-US" sz="2000" b="0" strike="noStrike" spc="-1" dirty="0">
+                <a:solidFill>
+                  <a:srgbClr val="000000"/>
+                </a:solidFill>
+                <a:latin typeface="Aptos"/>
+              </a:rPr>
+              <a:t> (</a:t>
+            </a:r>
+            <a:r>
+              <a:rPr lang="en-US" sz="2000" b="0" strike="noStrike" spc="-1" dirty="0" err="1">
+                <a:solidFill>
+                  <a:srgbClr val="000000"/>
+                </a:solidFill>
+                <a:latin typeface="Aptos"/>
+              </a:rPr>
+              <a:t>normalizovaná</a:t>
+            </a:r>
+            <a:r>
+              <a:rPr lang="en-US" sz="2000" b="0" strike="noStrike" spc="-1" dirty="0">
+                <a:solidFill>
+                  <a:srgbClr val="000000"/>
+                </a:solidFill>
+                <a:latin typeface="Aptos"/>
+              </a:rPr>
+              <a:t> – </a:t>
+            </a:r>
+            <a:r>
+              <a:rPr lang="en-US" sz="2000" b="0" strike="noStrike" spc="-1" dirty="0" err="1">
+                <a:solidFill>
+                  <a:srgbClr val="000000"/>
+                </a:solidFill>
+                <a:latin typeface="Aptos"/>
+              </a:rPr>
+              <a:t>dělená</a:t>
+            </a:r>
+            <a:r>
+              <a:rPr lang="en-US" sz="2000" b="0" strike="noStrike" spc="-1" dirty="0">
+                <a:solidFill>
+                  <a:srgbClr val="000000"/>
+                </a:solidFill>
+                <a:latin typeface="Aptos"/>
+              </a:rPr>
+              <a:t> </a:t>
+            </a:r>
+            <a:r>
+              <a:rPr lang="en-US" sz="2000" b="0" strike="noStrike" spc="-1" dirty="0" err="1">
+                <a:solidFill>
+                  <a:srgbClr val="000000"/>
+                </a:solidFill>
+                <a:latin typeface="Aptos"/>
+              </a:rPr>
+              <a:t>maximální</a:t>
+            </a:r>
+            <a:r>
+              <a:rPr lang="en-US" sz="2000" b="0" strike="noStrike" spc="-1" dirty="0">
+                <a:solidFill>
+                  <a:srgbClr val="000000"/>
+                </a:solidFill>
+                <a:latin typeface="Aptos"/>
+              </a:rPr>
+              <a:t> </a:t>
+            </a:r>
+            <a:r>
+              <a:rPr lang="en-US" sz="2000" b="0" strike="noStrike" spc="-1" dirty="0" err="1">
+                <a:solidFill>
+                  <a:srgbClr val="000000"/>
+                </a:solidFill>
+                <a:latin typeface="Aptos"/>
+              </a:rPr>
+              <a:t>rychlostí</a:t>
+            </a:r>
+            <a:r>
+              <a:rPr lang="en-US" sz="2000" b="0" strike="noStrike" spc="-1" dirty="0">
+                <a:solidFill>
+                  <a:srgbClr val="000000"/>
+                </a:solidFill>
+                <a:latin typeface="Aptos"/>
+              </a:rPr>
+              <a:t>)</a:t>
+            </a:r>
+          </a:p>
+          <a:p>
+            <a:pPr marL="1143000" lvl="2" indent="-228600">
+              <a:lnSpc>
+                <a:spcPct val="90000"/>
+              </a:lnSpc>
+              <a:spcBef>
+                <a:spcPts val="499"/>
+              </a:spcBef>
+              <a:buClr>
+                <a:srgbClr val="000000"/>
+              </a:buClr>
+              <a:buFont typeface="Arial"/>
+              <a:buChar char="•"/>
+            </a:pPr>
+            <a:r>
+              <a:rPr lang="en-US" sz="2000" b="0" strike="noStrike" spc="-1" dirty="0">
+                <a:solidFill>
+                  <a:srgbClr val="000000"/>
+                </a:solidFill>
+                <a:latin typeface="Aptos"/>
+              </a:rPr>
+              <a:t>Umělé </a:t>
+            </a:r>
+            <a:r>
+              <a:rPr lang="en-US" sz="2000" b="0" strike="noStrike" spc="-1" dirty="0" err="1">
+                <a:solidFill>
+                  <a:srgbClr val="000000"/>
+                </a:solidFill>
+                <a:latin typeface="Aptos"/>
+              </a:rPr>
+              <a:t>parametry</a:t>
+            </a:r>
+            <a:endParaRPr lang="en-US" sz="2000" b="0" strike="noStrike" spc="-1" dirty="0">
               <a:solidFill>
                 <a:srgbClr val="000000"/>
               </a:solidFill>
@@ -8558,7 +9387,7 @@
             </a:endParaRPr>
           </a:p>
           <a:p>
-            <a:pPr lvl="2" marL="1143000" indent="-228600">
+            <a:pPr marL="1600200" lvl="3" indent="-228600">
               <a:lnSpc>
                 <a:spcPct val="90000"/>
               </a:lnSpc>
@@ -8572,23 +9401,134 @@
               <a:buChar char="•"/>
             </a:pPr>
             <a:r>
-              <a:rPr b="0" lang="en-US" sz="2000" spc="-1" strike="noStrike">
-                <a:solidFill>
-                  <a:srgbClr val="000000"/>
-                </a:solidFill>
-                <a:latin typeface="Aptos"/>
-              </a:rPr>
-              <a:t>Umělé parametry</a:t>
-            </a:r>
-            <a:endParaRPr b="0" lang="en-US" sz="2000" spc="-1" strike="noStrike">
-              <a:solidFill>
-                <a:srgbClr val="000000"/>
-              </a:solidFill>
-              <a:latin typeface="Aptos"/>
-            </a:endParaRPr>
-          </a:p>
-          <a:p>
-            <a:pPr lvl="3" marL="1600200" indent="-228600">
+              <a:rPr lang="en-US" sz="1800" b="0" strike="noStrike" spc="-1" dirty="0" err="1">
+                <a:solidFill>
+                  <a:srgbClr val="000000"/>
+                </a:solidFill>
+                <a:latin typeface="Aptos"/>
+              </a:rPr>
+              <a:t>Změna</a:t>
+            </a:r>
+            <a:r>
+              <a:rPr lang="en-US" sz="1800" b="0" strike="noStrike" spc="-1" dirty="0">
+                <a:solidFill>
+                  <a:srgbClr val="000000"/>
+                </a:solidFill>
+                <a:latin typeface="Aptos"/>
+              </a:rPr>
+              <a:t> </a:t>
+            </a:r>
+            <a:r>
+              <a:rPr lang="en-US" sz="1800" b="0" strike="noStrike" spc="-1" dirty="0" err="1">
+                <a:solidFill>
+                  <a:srgbClr val="000000"/>
+                </a:solidFill>
+                <a:latin typeface="Aptos"/>
+              </a:rPr>
+              <a:t>rychlosti</a:t>
+            </a:r>
+            <a:r>
+              <a:rPr lang="en-US" sz="1800" b="0" strike="noStrike" spc="-1" dirty="0">
+                <a:solidFill>
+                  <a:srgbClr val="000000"/>
+                </a:solidFill>
+                <a:latin typeface="Aptos"/>
+              </a:rPr>
+              <a:t> </a:t>
+            </a:r>
+            <a:r>
+              <a:rPr lang="en-US" sz="1800" b="0" strike="noStrike" spc="-1" dirty="0" err="1">
+                <a:solidFill>
+                  <a:srgbClr val="000000"/>
+                </a:solidFill>
+                <a:latin typeface="Aptos"/>
+              </a:rPr>
+              <a:t>vůči</a:t>
+            </a:r>
+            <a:r>
+              <a:rPr lang="en-US" sz="1800" b="0" strike="noStrike" spc="-1" dirty="0">
+                <a:solidFill>
+                  <a:srgbClr val="000000"/>
+                </a:solidFill>
+                <a:latin typeface="Aptos"/>
+              </a:rPr>
+              <a:t> </a:t>
+            </a:r>
+            <a:r>
+              <a:rPr lang="en-US" sz="1800" b="0" strike="noStrike" spc="-1" dirty="0" err="1">
+                <a:solidFill>
+                  <a:srgbClr val="000000"/>
+                </a:solidFill>
+                <a:latin typeface="Aptos"/>
+              </a:rPr>
+              <a:t>předchozí</a:t>
+            </a:r>
+            <a:r>
+              <a:rPr lang="en-US" sz="1800" b="0" strike="noStrike" spc="-1" dirty="0">
+                <a:solidFill>
+                  <a:srgbClr val="000000"/>
+                </a:solidFill>
+                <a:latin typeface="Aptos"/>
+              </a:rPr>
+              <a:t> (</a:t>
+            </a:r>
+            <a:r>
+              <a:rPr lang="en-US" sz="1800" b="0" strike="noStrike" spc="-1" dirty="0" err="1">
+                <a:solidFill>
+                  <a:srgbClr val="000000"/>
+                </a:solidFill>
+                <a:latin typeface="Aptos"/>
+              </a:rPr>
+              <a:t>efektivní</a:t>
+            </a:r>
+            <a:r>
+              <a:rPr lang="en-US" sz="1800" b="0" strike="noStrike" spc="-1" dirty="0">
+                <a:solidFill>
+                  <a:srgbClr val="000000"/>
+                </a:solidFill>
+                <a:latin typeface="Aptos"/>
+              </a:rPr>
+              <a:t> </a:t>
+            </a:r>
+            <a:r>
+              <a:rPr lang="en-US" sz="1800" b="0" strike="noStrike" spc="-1" dirty="0" err="1">
+                <a:solidFill>
+                  <a:srgbClr val="000000"/>
+                </a:solidFill>
+                <a:latin typeface="Aptos"/>
+              </a:rPr>
+              <a:t>zrychlování</a:t>
+            </a:r>
+            <a:r>
+              <a:rPr lang="en-US" sz="1800" b="0" strike="noStrike" spc="-1" dirty="0">
+                <a:solidFill>
+                  <a:srgbClr val="000000"/>
+                </a:solidFill>
+                <a:latin typeface="Aptos"/>
+              </a:rPr>
+              <a:t>/</a:t>
+            </a:r>
+            <a:r>
+              <a:rPr lang="en-US" sz="1800" b="0" strike="noStrike" spc="-1" dirty="0" err="1">
+                <a:solidFill>
+                  <a:srgbClr val="000000"/>
+                </a:solidFill>
+                <a:latin typeface="Aptos"/>
+              </a:rPr>
+              <a:t>brždění</a:t>
+            </a:r>
+            <a:r>
+              <a:rPr lang="en-US" sz="1800" b="0" strike="noStrike" spc="-1" dirty="0">
+                <a:solidFill>
+                  <a:srgbClr val="000000"/>
+                </a:solidFill>
+                <a:latin typeface="Aptos"/>
+              </a:rPr>
+              <a:t>)</a:t>
+            </a:r>
+          </a:p>
+          <a:p>
+            <a:pPr marL="1600200" lvl="3" indent="-228600">
               <a:lnSpc>
                 <a:spcPct val="90000"/>
               </a:lnSpc>
@@ -8602,23 +9542,134 @@
               <a:buChar char="•"/>
             </a:pPr>
             <a:r>
-              <a:rPr b="0" lang="en-US" sz="1800" spc="-1" strike="noStrike">
-                <a:solidFill>
-                  <a:srgbClr val="000000"/>
-                </a:solidFill>
-                <a:latin typeface="Aptos"/>
-              </a:rPr>
-              <a:t>Změna rychlosti vůči předchozí (efektivní zrychlování/brždění)</a:t>
-            </a:r>
-            <a:endParaRPr b="0" lang="en-US" sz="1800" spc="-1" strike="noStrike">
-              <a:solidFill>
-                <a:srgbClr val="000000"/>
-              </a:solidFill>
-              <a:latin typeface="Aptos"/>
-            </a:endParaRPr>
-          </a:p>
-          <a:p>
-            <a:pPr lvl="3" marL="1600200" indent="-228600">
+              <a:rPr lang="en-US" sz="1800" b="0" strike="noStrike" spc="-1" dirty="0" err="1">
+                <a:solidFill>
+                  <a:srgbClr val="000000"/>
+                </a:solidFill>
+                <a:latin typeface="Aptos"/>
+              </a:rPr>
+              <a:t>Nejmenší</a:t>
+            </a:r>
+            <a:r>
+              <a:rPr lang="en-US" sz="1800" b="0" strike="noStrike" spc="-1" dirty="0">
+                <a:solidFill>
+                  <a:srgbClr val="000000"/>
+                </a:solidFill>
+                <a:latin typeface="Aptos"/>
+              </a:rPr>
+              <a:t> </a:t>
+            </a:r>
+            <a:r>
+              <a:rPr lang="en-US" sz="1800" b="0" strike="noStrike" spc="-1" dirty="0" err="1">
+                <a:solidFill>
+                  <a:srgbClr val="000000"/>
+                </a:solidFill>
+                <a:latin typeface="Aptos"/>
+              </a:rPr>
+              <a:t>vzdálenost</a:t>
+            </a:r>
+            <a:r>
+              <a:rPr lang="en-US" sz="1800" b="0" strike="noStrike" spc="-1" dirty="0">
+                <a:solidFill>
+                  <a:srgbClr val="000000"/>
+                </a:solidFill>
+                <a:latin typeface="Aptos"/>
+              </a:rPr>
+              <a:t> k </a:t>
+            </a:r>
+            <a:r>
+              <a:rPr lang="en-US" sz="1800" b="0" strike="noStrike" spc="-1" dirty="0" err="1">
+                <a:solidFill>
+                  <a:srgbClr val="000000"/>
+                </a:solidFill>
+                <a:latin typeface="Aptos"/>
+              </a:rPr>
+              <a:t>překážkám</a:t>
+            </a:r>
+            <a:r>
+              <a:rPr lang="en-US" sz="1800" b="0" strike="noStrike" spc="-1" dirty="0">
+                <a:solidFill>
+                  <a:srgbClr val="000000"/>
+                </a:solidFill>
+                <a:latin typeface="Aptos"/>
+              </a:rPr>
+              <a:t> (</a:t>
+            </a:r>
+            <a:r>
+              <a:rPr lang="en-US" sz="1800" b="0" strike="noStrike" spc="-1" dirty="0" err="1">
+                <a:solidFill>
+                  <a:srgbClr val="000000"/>
+                </a:solidFill>
+                <a:latin typeface="Aptos"/>
+              </a:rPr>
+              <a:t>držení</a:t>
+            </a:r>
+            <a:r>
+              <a:rPr lang="en-US" sz="1800" b="0" strike="noStrike" spc="-1" dirty="0">
+                <a:solidFill>
+                  <a:srgbClr val="000000"/>
+                </a:solidFill>
+                <a:latin typeface="Aptos"/>
+              </a:rPr>
+              <a:t> </a:t>
+            </a:r>
+            <a:r>
+              <a:rPr lang="en-US" sz="1800" b="0" strike="noStrike" spc="-1" dirty="0" err="1">
+                <a:solidFill>
+                  <a:srgbClr val="000000"/>
+                </a:solidFill>
+                <a:latin typeface="Aptos"/>
+              </a:rPr>
+              <a:t>minimální</a:t>
+            </a:r>
+            <a:r>
+              <a:rPr lang="en-US" sz="1800" b="0" strike="noStrike" spc="-1" dirty="0">
+                <a:solidFill>
+                  <a:srgbClr val="000000"/>
+                </a:solidFill>
+                <a:latin typeface="Aptos"/>
+              </a:rPr>
+              <a:t> </a:t>
+            </a:r>
+            <a:r>
+              <a:rPr lang="en-US" sz="1800" b="0" strike="noStrike" spc="-1" dirty="0" err="1">
+                <a:solidFill>
+                  <a:srgbClr val="000000"/>
+                </a:solidFill>
+                <a:latin typeface="Aptos"/>
+              </a:rPr>
+              <a:t>vzdálenosti</a:t>
+            </a:r>
+            <a:r>
+              <a:rPr lang="en-US" sz="1800" b="0" strike="noStrike" spc="-1" dirty="0">
+                <a:solidFill>
+                  <a:srgbClr val="000000"/>
+                </a:solidFill>
+                <a:latin typeface="Aptos"/>
+              </a:rPr>
+              <a:t> od </a:t>
+            </a:r>
+            <a:r>
+              <a:rPr lang="en-US" sz="1800" b="0" strike="noStrike" spc="-1" dirty="0" err="1">
+                <a:solidFill>
+                  <a:srgbClr val="000000"/>
+                </a:solidFill>
+                <a:latin typeface="Aptos"/>
+              </a:rPr>
+              <a:t>překážek</a:t>
+            </a:r>
+            <a:r>
+              <a:rPr lang="en-US" sz="1800" b="0" strike="noStrike" spc="-1" dirty="0">
+                <a:solidFill>
+                  <a:srgbClr val="000000"/>
+                </a:solidFill>
+                <a:latin typeface="Aptos"/>
+              </a:rPr>
+              <a:t>)</a:t>
+            </a:r>
+          </a:p>
+          <a:p>
+            <a:pPr marL="1600200" lvl="3" indent="-228600">
               <a:lnSpc>
                 <a:spcPct val="90000"/>
               </a:lnSpc>
@@ -8632,23 +9683,170 @@
               <a:buChar char="•"/>
             </a:pPr>
             <a:r>
-              <a:rPr b="0" lang="en-US" sz="1800" spc="-1" strike="noStrike">
-                <a:solidFill>
-                  <a:srgbClr val="000000"/>
-                </a:solidFill>
-                <a:latin typeface="Aptos"/>
-              </a:rPr>
-              <a:t>Nejmenší vzdálenost k překážkám (držení minimální vzdálenosti od překážek)</a:t>
-            </a:r>
-            <a:endParaRPr b="0" lang="en-US" sz="1800" spc="-1" strike="noStrike">
-              <a:solidFill>
-                <a:srgbClr val="000000"/>
-              </a:solidFill>
-              <a:latin typeface="Aptos"/>
-            </a:endParaRPr>
-          </a:p>
-          <a:p>
-            <a:pPr lvl="3" marL="1600200" indent="-228600">
+              <a:rPr lang="en-US" sz="1800" b="0" strike="noStrike" spc="-1" dirty="0" err="1">
+                <a:solidFill>
+                  <a:srgbClr val="000000"/>
+                </a:solidFill>
+                <a:latin typeface="Aptos"/>
+              </a:rPr>
+              <a:t>Poměr</a:t>
+            </a:r>
+            <a:r>
+              <a:rPr lang="en-US" sz="1800" b="0" strike="noStrike" spc="-1" dirty="0">
+                <a:solidFill>
+                  <a:srgbClr val="000000"/>
+                </a:solidFill>
+                <a:latin typeface="Aptos"/>
+              </a:rPr>
+              <a:t> </a:t>
+            </a:r>
+            <a:r>
+              <a:rPr lang="en-US" sz="1800" b="0" strike="noStrike" spc="-1" dirty="0" err="1">
+                <a:solidFill>
+                  <a:srgbClr val="000000"/>
+                </a:solidFill>
+                <a:latin typeface="Aptos"/>
+              </a:rPr>
+              <a:t>nejmenší</a:t>
+            </a:r>
+            <a:r>
+              <a:rPr lang="en-US" sz="1800" b="0" strike="noStrike" spc="-1" dirty="0">
+                <a:solidFill>
+                  <a:srgbClr val="000000"/>
+                </a:solidFill>
+                <a:latin typeface="Aptos"/>
+              </a:rPr>
+              <a:t> </a:t>
+            </a:r>
+            <a:r>
+              <a:rPr lang="en-US" sz="1800" b="0" strike="noStrike" spc="-1" dirty="0" err="1">
+                <a:solidFill>
+                  <a:srgbClr val="000000"/>
+                </a:solidFill>
+                <a:latin typeface="Aptos"/>
+              </a:rPr>
+              <a:t>vzdálenosti</a:t>
+            </a:r>
+            <a:r>
+              <a:rPr lang="en-US" sz="1800" b="0" strike="noStrike" spc="-1" dirty="0">
+                <a:solidFill>
+                  <a:srgbClr val="000000"/>
+                </a:solidFill>
+                <a:latin typeface="Aptos"/>
+              </a:rPr>
+              <a:t> k </a:t>
+            </a:r>
+            <a:r>
+              <a:rPr lang="en-US" sz="1800" b="0" strike="noStrike" spc="-1" dirty="0" err="1">
+                <a:solidFill>
+                  <a:srgbClr val="000000"/>
+                </a:solidFill>
+                <a:latin typeface="Aptos"/>
+              </a:rPr>
+              <a:t>překážce</a:t>
+            </a:r>
+            <a:r>
+              <a:rPr lang="en-US" sz="1800" b="0" strike="noStrike" spc="-1" dirty="0">
+                <a:solidFill>
+                  <a:srgbClr val="000000"/>
+                </a:solidFill>
+                <a:latin typeface="Aptos"/>
+              </a:rPr>
+              <a:t> </a:t>
+            </a:r>
+            <a:r>
+              <a:rPr lang="en-US" sz="1800" b="0" strike="noStrike" spc="-1" dirty="0" err="1">
+                <a:solidFill>
+                  <a:srgbClr val="000000"/>
+                </a:solidFill>
+                <a:latin typeface="Aptos"/>
+              </a:rPr>
+              <a:t>vůči</a:t>
+            </a:r>
+            <a:r>
+              <a:rPr lang="en-US" sz="1800" b="0" strike="noStrike" spc="-1" dirty="0">
+                <a:solidFill>
+                  <a:srgbClr val="000000"/>
+                </a:solidFill>
+                <a:latin typeface="Aptos"/>
+              </a:rPr>
+              <a:t> </a:t>
+            </a:r>
+            <a:r>
+              <a:rPr lang="en-US" sz="1800" b="0" strike="noStrike" spc="-1" dirty="0" err="1">
+                <a:solidFill>
+                  <a:srgbClr val="000000"/>
+                </a:solidFill>
+                <a:latin typeface="Aptos"/>
+              </a:rPr>
+              <a:t>rychlosti</a:t>
+            </a:r>
+            <a:r>
+              <a:rPr lang="en-US" sz="1800" b="0" strike="noStrike" spc="-1" dirty="0">
+                <a:solidFill>
+                  <a:srgbClr val="000000"/>
+                </a:solidFill>
+                <a:latin typeface="Aptos"/>
+              </a:rPr>
+              <a:t> (</a:t>
+            </a:r>
+            <a:r>
+              <a:rPr lang="en-US" sz="1800" b="0" strike="noStrike" spc="-1" dirty="0" err="1">
+                <a:solidFill>
+                  <a:srgbClr val="000000"/>
+                </a:solidFill>
+                <a:latin typeface="Aptos"/>
+              </a:rPr>
+              <a:t>rovinky</a:t>
+            </a:r>
+            <a:r>
+              <a:rPr lang="en-US" sz="1800" b="0" strike="noStrike" spc="-1" dirty="0">
+                <a:solidFill>
+                  <a:srgbClr val="000000"/>
+                </a:solidFill>
+                <a:latin typeface="Aptos"/>
+              </a:rPr>
+              <a:t> + </a:t>
+            </a:r>
+            <a:r>
+              <a:rPr lang="en-US" sz="1800" b="0" strike="noStrike" spc="-1" dirty="0" err="1">
+                <a:solidFill>
+                  <a:srgbClr val="000000"/>
+                </a:solidFill>
+                <a:latin typeface="Aptos"/>
+              </a:rPr>
+              <a:t>zpomalení</a:t>
+            </a:r>
+            <a:r>
+              <a:rPr lang="en-US" sz="1800" b="0" strike="noStrike" spc="-1" dirty="0">
+                <a:solidFill>
+                  <a:srgbClr val="000000"/>
+                </a:solidFill>
+                <a:latin typeface="Aptos"/>
+              </a:rPr>
+              <a:t> do </a:t>
+            </a:r>
+            <a:r>
+              <a:rPr lang="en-US" sz="1800" b="0" strike="noStrike" spc="-1" dirty="0" err="1">
+                <a:solidFill>
+                  <a:srgbClr val="000000"/>
+                </a:solidFill>
+                <a:latin typeface="Aptos"/>
+              </a:rPr>
+              <a:t>zatáček</a:t>
+            </a:r>
+            <a:r>
+              <a:rPr lang="en-US" sz="1800" b="0" strike="noStrike" spc="-1" dirty="0">
+                <a:solidFill>
+                  <a:srgbClr val="000000"/>
+                </a:solidFill>
+                <a:latin typeface="Aptos"/>
+              </a:rPr>
+              <a:t>)</a:t>
+            </a:r>
+          </a:p>
+          <a:p>
+            <a:pPr marL="1600200" lvl="3" indent="-228600">
               <a:lnSpc>
                 <a:spcPct val="90000"/>
               </a:lnSpc>
@@ -8662,23 +9860,80 @@
               <a:buChar char="•"/>
             </a:pPr>
             <a:r>
-              <a:rPr b="0" lang="en-US" sz="1800" spc="-1" strike="noStrike">
-                <a:solidFill>
-                  <a:srgbClr val="000000"/>
-                </a:solidFill>
-                <a:latin typeface="Aptos"/>
-              </a:rPr>
-              <a:t>Poměr nejmenší vzdálenosti k překážce vůči rychlosti (rovinky + zpomalení do zatáček)</a:t>
-            </a:r>
-            <a:endParaRPr b="0" lang="en-US" sz="1800" spc="-1" strike="noStrike">
-              <a:solidFill>
-                <a:srgbClr val="000000"/>
-              </a:solidFill>
-              <a:latin typeface="Aptos"/>
-            </a:endParaRPr>
-          </a:p>
-          <a:p>
-            <a:pPr lvl="3" marL="1600200" indent="-228600">
+              <a:rPr lang="en-US" sz="1800" b="0" strike="noStrike" spc="-1" dirty="0" err="1">
+                <a:solidFill>
+                  <a:srgbClr val="000000"/>
+                </a:solidFill>
+                <a:latin typeface="Aptos"/>
+              </a:rPr>
+              <a:t>Držení</a:t>
+            </a:r>
+            <a:r>
+              <a:rPr lang="en-US" sz="1800" b="0" strike="noStrike" spc="-1" dirty="0">
+                <a:solidFill>
+                  <a:srgbClr val="000000"/>
+                </a:solidFill>
+                <a:latin typeface="Aptos"/>
+              </a:rPr>
+              <a:t> </a:t>
+            </a:r>
+            <a:r>
+              <a:rPr lang="en-US" sz="1800" b="0" strike="noStrike" spc="-1" dirty="0" err="1">
+                <a:solidFill>
+                  <a:srgbClr val="000000"/>
+                </a:solidFill>
+                <a:latin typeface="Aptos"/>
+              </a:rPr>
+              <a:t>středu</a:t>
+            </a:r>
+            <a:r>
+              <a:rPr lang="en-US" sz="1800" b="0" strike="noStrike" spc="-1" dirty="0">
+                <a:solidFill>
+                  <a:srgbClr val="000000"/>
+                </a:solidFill>
+                <a:latin typeface="Aptos"/>
+              </a:rPr>
+              <a:t> (</a:t>
+            </a:r>
+            <a:r>
+              <a:rPr lang="en-US" sz="1800" b="0" strike="noStrike" spc="-1" dirty="0" err="1">
+                <a:solidFill>
+                  <a:srgbClr val="000000"/>
+                </a:solidFill>
+                <a:latin typeface="Aptos"/>
+              </a:rPr>
+              <a:t>bezpečný</a:t>
+            </a:r>
+            <a:r>
+              <a:rPr lang="en-US" sz="1800" b="0" strike="noStrike" spc="-1" dirty="0">
+                <a:solidFill>
+                  <a:srgbClr val="000000"/>
+                </a:solidFill>
+                <a:latin typeface="Aptos"/>
+              </a:rPr>
+              <a:t> </a:t>
+            </a:r>
+            <a:r>
+              <a:rPr lang="en-US" sz="1800" b="0" strike="noStrike" spc="-1" dirty="0" err="1">
+                <a:solidFill>
+                  <a:srgbClr val="000000"/>
+                </a:solidFill>
+                <a:latin typeface="Aptos"/>
+              </a:rPr>
+              <a:t>odstup</a:t>
+            </a:r>
+            <a:r>
+              <a:rPr lang="en-US" sz="1800" b="0" strike="noStrike" spc="-1" dirty="0">
+                <a:solidFill>
+                  <a:srgbClr val="000000"/>
+                </a:solidFill>
+                <a:latin typeface="Aptos"/>
+              </a:rPr>
+              <a:t>)</a:t>
+            </a:r>
+          </a:p>
+          <a:p>
+            <a:pPr marL="1600200" lvl="3" indent="-228600">
               <a:lnSpc>
                 <a:spcPct val="90000"/>
               </a:lnSpc>
@@ -8692,50 +9947,113 @@
               <a:buChar char="•"/>
             </a:pPr>
             <a:r>
-              <a:rPr b="0" lang="en-US" sz="1800" spc="-1" strike="noStrike">
-                <a:solidFill>
-                  <a:srgbClr val="000000"/>
-                </a:solidFill>
-                <a:latin typeface="Aptos"/>
-              </a:rPr>
-              <a:t>Držení středu (bezpečný odstup)</a:t>
-            </a:r>
-            <a:endParaRPr b="0" lang="en-US" sz="1800" spc="-1" strike="noStrike">
-              <a:solidFill>
-                <a:srgbClr val="000000"/>
-              </a:solidFill>
-              <a:latin typeface="Aptos"/>
-            </a:endParaRPr>
-          </a:p>
-          <a:p>
-            <a:pPr lvl="3" marL="1600200" indent="-228600">
-              <a:lnSpc>
-                <a:spcPct val="90000"/>
-              </a:lnSpc>
-              <a:spcBef>
-                <a:spcPts val="499"/>
-              </a:spcBef>
-              <a:buClr>
-                <a:srgbClr val="000000"/>
-              </a:buClr>
-              <a:buFont typeface="Arial"/>
-              <a:buChar char="•"/>
-            </a:pPr>
-            <a:r>
-              <a:rPr b="0" lang="en-US" sz="1800" spc="-1" strike="noStrike">
-                <a:solidFill>
-                  <a:srgbClr val="000000"/>
-                </a:solidFill>
-                <a:latin typeface="Aptos"/>
-              </a:rPr>
-              <a:t>Předchozí stav zatáčení (držení směru zatáčení)</a:t>
-            </a:r>
-            <a:endParaRPr b="0" lang="en-US" sz="1800" spc="-1" strike="noStrike">
-              <a:solidFill>
-                <a:srgbClr val="000000"/>
-              </a:solidFill>
-              <a:latin typeface="Aptos"/>
-            </a:endParaRPr>
+              <a:rPr lang="en-US" sz="1800" b="0" strike="noStrike" spc="-1" dirty="0" err="1">
+                <a:solidFill>
+                  <a:srgbClr val="000000"/>
+                </a:solidFill>
+                <a:latin typeface="Aptos"/>
+              </a:rPr>
+              <a:t>Předchozí</a:t>
+            </a:r>
+            <a:r>
+              <a:rPr lang="en-US" sz="1800" b="0" strike="noStrike" spc="-1" dirty="0">
+                <a:solidFill>
+                  <a:srgbClr val="000000"/>
+                </a:solidFill>
+                <a:latin typeface="Aptos"/>
+              </a:rPr>
+              <a:t> </a:t>
+            </a:r>
+            <a:r>
+              <a:rPr lang="en-US" sz="1800" b="0" strike="noStrike" spc="-1" dirty="0" err="1">
+                <a:solidFill>
+                  <a:srgbClr val="000000"/>
+                </a:solidFill>
+                <a:latin typeface="Aptos"/>
+              </a:rPr>
+              <a:t>stav</a:t>
+            </a:r>
+            <a:r>
+              <a:rPr lang="en-US" sz="1800" b="0" strike="noStrike" spc="-1" dirty="0">
+                <a:solidFill>
+                  <a:srgbClr val="000000"/>
+                </a:solidFill>
+                <a:latin typeface="Aptos"/>
+              </a:rPr>
+              <a:t> </a:t>
+            </a:r>
+            <a:r>
+              <a:rPr lang="en-US" sz="1800" b="0" strike="noStrike" spc="-1" dirty="0" err="1">
+                <a:solidFill>
+                  <a:srgbClr val="000000"/>
+                </a:solidFill>
+                <a:latin typeface="Aptos"/>
+              </a:rPr>
+              <a:t>zatáčení</a:t>
+            </a:r>
+            <a:r>
+              <a:rPr lang="en-US" sz="1800" b="0" strike="noStrike" spc="-1" dirty="0">
+                <a:solidFill>
+                  <a:srgbClr val="000000"/>
+                </a:solidFill>
+                <a:latin typeface="Aptos"/>
+              </a:rPr>
+              <a:t> (</a:t>
+            </a:r>
+            <a:r>
+              <a:rPr lang="en-US" sz="1800" b="0" strike="noStrike" spc="-1" dirty="0" err="1">
+                <a:solidFill>
+                  <a:srgbClr val="000000"/>
+                </a:solidFill>
+                <a:latin typeface="Aptos"/>
+              </a:rPr>
+              <a:t>držení</a:t>
+            </a:r>
+            <a:r>
+              <a:rPr lang="en-US" sz="1800" b="0" strike="noStrike" spc="-1" dirty="0">
+                <a:solidFill>
+                  <a:srgbClr val="000000"/>
+                </a:solidFill>
+                <a:latin typeface="Aptos"/>
+              </a:rPr>
+              <a:t> </a:t>
+            </a:r>
+            <a:r>
+              <a:rPr lang="en-US" sz="1800" b="0" strike="noStrike" spc="-1" dirty="0" err="1">
+                <a:solidFill>
+                  <a:srgbClr val="000000"/>
+                </a:solidFill>
+                <a:latin typeface="Aptos"/>
+              </a:rPr>
+              <a:t>směru</a:t>
+            </a:r>
+            <a:r>
+              <a:rPr lang="en-US" sz="1800" b="0" strike="noStrike" spc="-1" dirty="0">
+                <a:solidFill>
+                  <a:srgbClr val="000000"/>
+                </a:solidFill>
+                <a:latin typeface="Aptos"/>
+              </a:rPr>
+              <a:t> </a:t>
+            </a:r>
+            <a:r>
+              <a:rPr lang="en-US" sz="1800" b="0" strike="noStrike" spc="-1" dirty="0" err="1">
+                <a:solidFill>
+                  <a:srgbClr val="000000"/>
+                </a:solidFill>
+                <a:latin typeface="Aptos"/>
+              </a:rPr>
+              <a:t>zatáčení</a:t>
+            </a:r>
+            <a:r>
+              <a:rPr lang="en-US" sz="1800" b="0" strike="noStrike" spc="-1" dirty="0">
+                <a:solidFill>
+                  <a:srgbClr val="000000"/>
+                </a:solidFill>
+                <a:latin typeface="Aptos"/>
+              </a:rPr>
+              <a:t>)</a:t>
+            </a:r>
           </a:p>
         </p:txBody>
       </p:sp>
@@ -8752,10 +10070,13 @@
         <p:spPr/>
         <p:txBody>
           <a:bodyPr/>
+          <a:lstStyle/>
           <a:p>
             <a:fld id="{467F0549-9E8B-4ACD-8AD3-EC95001A54EF}" type="slidenum">
+              <a:rPr/>
               <a:t>6</a:t>
             </a:fld>
+            <a:endParaRPr/>
           </a:p>
         </p:txBody>
       </p:sp>
@@ -8772,29 +10093,26 @@
         <p:spPr/>
         <p:txBody>
           <a:bodyPr/>
+          <a:lstStyle/>
           <a:p>
             <a:fld id="{6F550E31-8C61-4BE1-B6EA-4C66BEC40B8D}" type="datetime1">
               <a:rPr lang="en-US"/>
-              <a:t>01/11/2026</a:t>
+              <a:t>1/11/26</a:t>
             </a:fld>
+            <a:endParaRPr lang="en-US"/>
           </a:p>
         </p:txBody>
       </p:sp>
     </p:spTree>
   </p:cSld>
-  <mc:AlternateContent>
-    <mc:Choice Requires="p14">
-      <p:transition spd="slow" p14:dur="2000"/>
-    </mc:Choice>
-    <mc:Fallback>
-      <p:transition spd="slow"/>
-    </mc:Fallback>
-  </mc:AlternateContent>
+  <p:clrMapOvr>
+    <a:masterClrMapping/>
+  </p:clrMapOvr>
 </p:sld>
 </file>
 
 <file path=ppt/slides/slide7.xml><?xml version="1.0" encoding="utf-8"?>
-<p:sld xmlns:a="http://schemas.openxmlformats.org/drawingml/2006/main" xmlns:p="http://schemas.openxmlformats.org/presentationml/2006/main" xmlns:r="http://schemas.openxmlformats.org/officeDocument/2006/relationships" xmlns:p14="http://schemas.microsoft.com/office/powerpoint/2010/main" xmlns:p15="http://schemas.microsoft.com/office/powerpoint/2012/main" xmlns:mc="http://schemas.openxmlformats.org/markup-compatibility/2006">
+<p:sld xmlns:a="http://schemas.openxmlformats.org/drawingml/2006/main" xmlns:r="http://schemas.openxmlformats.org/officeDocument/2006/relationships" xmlns:p="http://schemas.openxmlformats.org/presentationml/2006/main">
   <p:cSld>
     <p:spTree>
       <p:nvGrpSpPr>
@@ -8837,6 +10155,7 @@
           <a:bodyPr anchor="ctr">
             <a:noAutofit/>
           </a:bodyPr>
+          <a:lstStyle/>
           <a:p>
             <a:pPr>
               <a:lnSpc>
@@ -8845,15 +10164,24 @@
               <a:buNone/>
             </a:pPr>
             <a:r>
-              <a:rPr b="0" lang="en-US" sz="4400" spc="-1" strike="noStrike">
+              <a:rPr lang="en-US" sz="4400" b="0" strike="noStrike" spc="-1" dirty="0" err="1">
                 <a:solidFill>
                   <a:srgbClr val="000000"/>
                 </a:solidFill>
                 <a:latin typeface="Aptos Display"/>
               </a:rPr>
-              <a:t>Finální model</a:t>
-            </a:r>
-            <a:endParaRPr b="0" lang="en-US" sz="4400" spc="-1" strike="noStrike">
+              <a:t>Finální</a:t>
+            </a:r>
+            <a:r>
+              <a:rPr lang="en-US" sz="4400" b="0" strike="noStrike" spc="-1" dirty="0">
+                <a:solidFill>
+                  <a:srgbClr val="000000"/>
+                </a:solidFill>
+                <a:latin typeface="Aptos Display"/>
+              </a:rPr>
+              <a:t> model</a:t>
+            </a:r>
+            <a:endParaRPr lang="en-US" sz="4400" b="0" strike="noStrike" spc="-1" dirty="0">
               <a:solidFill>
                 <a:srgbClr val="000000"/>
               </a:solidFill>
@@ -8889,6 +10217,7 @@
           <a:bodyPr anchor="t">
             <a:noAutofit/>
           </a:bodyPr>
+          <a:lstStyle/>
           <a:p>
             <a:pPr marL="228600" indent="-228600">
               <a:lnSpc>
@@ -8904,15 +10233,51 @@
               <a:buChar char="•"/>
             </a:pPr>
             <a:r>
-              <a:rPr b="0" lang="en-US" sz="2800" spc="-1" strike="noStrike">
-                <a:solidFill>
-                  <a:srgbClr val="000000"/>
-                </a:solidFill>
-                <a:latin typeface="Aptos"/>
-              </a:rPr>
-              <a:t>Hlubší neuronová síť</a:t>
-            </a:r>
-            <a:endParaRPr b="0" lang="en-US" sz="2800" spc="-1" strike="noStrike">
+              <a:rPr lang="en-US" sz="2800" b="0" strike="noStrike" spc="-1" dirty="0" err="1">
+                <a:solidFill>
+                  <a:srgbClr val="000000"/>
+                </a:solidFill>
+                <a:latin typeface="Aptos"/>
+              </a:rPr>
+              <a:t>Hlubší</a:t>
+            </a:r>
+            <a:r>
+              <a:rPr lang="en-US" sz="2800" b="0" strike="noStrike" spc="-1" dirty="0">
+                <a:solidFill>
+                  <a:srgbClr val="000000"/>
+                </a:solidFill>
+                <a:latin typeface="Aptos"/>
+              </a:rPr>
+              <a:t> </a:t>
+            </a:r>
+            <a:r>
+              <a:rPr lang="en-US" sz="2800" b="0" strike="noStrike" spc="-1" dirty="0" err="1">
+                <a:solidFill>
+                  <a:srgbClr val="000000"/>
+                </a:solidFill>
+                <a:latin typeface="Aptos"/>
+              </a:rPr>
+              <a:t>neuronová</a:t>
+            </a:r>
+            <a:r>
+              <a:rPr lang="en-US" sz="2800" b="0" strike="noStrike" spc="-1" dirty="0">
+                <a:solidFill>
+                  <a:srgbClr val="000000"/>
+                </a:solidFill>
+                <a:latin typeface="Aptos"/>
+              </a:rPr>
+              <a:t> </a:t>
+            </a:r>
+            <a:r>
+              <a:rPr lang="en-US" sz="2800" b="0" strike="noStrike" spc="-1" dirty="0" err="1">
+                <a:solidFill>
+                  <a:srgbClr val="000000"/>
+                </a:solidFill>
+                <a:latin typeface="Aptos"/>
+              </a:rPr>
+              <a:t>síť</a:t>
+            </a:r>
+            <a:endParaRPr lang="en-US" sz="2800" b="0" strike="noStrike" spc="-1" dirty="0">
               <a:solidFill>
                 <a:srgbClr val="000000"/>
               </a:solidFill>
@@ -8920,7 +10285,7 @@
             </a:endParaRPr>
           </a:p>
           <a:p>
-            <a:pPr lvl="1" marL="685800" indent="-228600">
+            <a:pPr marL="685800" lvl="1" indent="-228600">
               <a:lnSpc>
                 <a:spcPct val="90000"/>
               </a:lnSpc>
@@ -8934,15 +10299,33 @@
               <a:buChar char="•"/>
             </a:pPr>
             <a:r>
-              <a:rPr b="0" lang="en-US" sz="2400" spc="-1" strike="noStrike">
-                <a:solidFill>
-                  <a:srgbClr val="000000"/>
-                </a:solidFill>
-                <a:latin typeface="Aptos"/>
-              </a:rPr>
-              <a:t>Vstupní vrstva</a:t>
-            </a:r>
-            <a:endParaRPr b="0" lang="en-US" sz="2400" spc="-1" strike="noStrike">
+              <a:rPr lang="en-US" sz="2400" b="0" strike="noStrike" spc="-1" dirty="0" err="1">
+                <a:solidFill>
+                  <a:srgbClr val="000000"/>
+                </a:solidFill>
+                <a:latin typeface="Aptos"/>
+              </a:rPr>
+              <a:t>Skrytá</a:t>
+            </a:r>
+            <a:r>
+              <a:rPr lang="en-US" sz="2400" b="0" strike="noStrike" spc="-1" dirty="0">
+                <a:solidFill>
+                  <a:srgbClr val="000000"/>
+                </a:solidFill>
+                <a:latin typeface="Aptos"/>
+              </a:rPr>
+              <a:t> </a:t>
+            </a:r>
+            <a:r>
+              <a:rPr lang="en-US" sz="2400" b="0" strike="noStrike" spc="-1" dirty="0" err="1">
+                <a:solidFill>
+                  <a:srgbClr val="000000"/>
+                </a:solidFill>
+                <a:latin typeface="Aptos"/>
+              </a:rPr>
+              <a:t>vrstva</a:t>
+            </a:r>
+            <a:endParaRPr lang="en-US" sz="2400" b="0" strike="noStrike" spc="-1" dirty="0">
               <a:solidFill>
                 <a:srgbClr val="000000"/>
               </a:solidFill>
@@ -8950,7 +10333,7 @@
             </a:endParaRPr>
           </a:p>
           <a:p>
-            <a:pPr lvl="2" marL="1143000" indent="-228600">
+            <a:pPr marL="1143000" lvl="2" indent="-228600">
               <a:lnSpc>
                 <a:spcPct val="90000"/>
               </a:lnSpc>
@@ -8964,15 +10347,24 @@
               <a:buChar char="•"/>
             </a:pPr>
             <a:r>
-              <a:rPr b="0" lang="en-US" sz="2000" spc="-1" strike="noStrike">
-                <a:solidFill>
-                  <a:srgbClr val="000000"/>
-                </a:solidFill>
-                <a:latin typeface="Aptos"/>
-              </a:rPr>
-              <a:t>10 neuronů</a:t>
-            </a:r>
-            <a:endParaRPr b="0" lang="en-US" sz="2000" spc="-1" strike="noStrike">
+              <a:rPr lang="en-US" sz="2000" b="0" strike="noStrike" spc="-1" dirty="0">
+                <a:solidFill>
+                  <a:srgbClr val="000000"/>
+                </a:solidFill>
+                <a:latin typeface="Aptos"/>
+              </a:rPr>
+              <a:t>10 </a:t>
+            </a:r>
+            <a:r>
+              <a:rPr lang="en-US" sz="2000" b="0" strike="noStrike" spc="-1" dirty="0" err="1">
+                <a:solidFill>
+                  <a:srgbClr val="000000"/>
+                </a:solidFill>
+                <a:latin typeface="Aptos"/>
+              </a:rPr>
+              <a:t>neuronů</a:t>
+            </a:r>
+            <a:endParaRPr lang="en-US" sz="2000" b="0" strike="noStrike" spc="-1" dirty="0">
               <a:solidFill>
                 <a:srgbClr val="000000"/>
               </a:solidFill>
@@ -8980,7 +10372,7 @@
             </a:endParaRPr>
           </a:p>
           <a:p>
-            <a:pPr lvl="2" marL="1143000" indent="-228600">
+            <a:pPr marL="1143000" lvl="2" indent="-228600">
               <a:lnSpc>
                 <a:spcPct val="90000"/>
               </a:lnSpc>
@@ -8994,15 +10386,51 @@
               <a:buChar char="•"/>
             </a:pPr>
             <a:r>
-              <a:rPr b="0" lang="en-US" sz="2000" spc="-1" strike="noStrike">
-                <a:solidFill>
-                  <a:srgbClr val="000000"/>
-                </a:solidFill>
-                <a:latin typeface="Aptos"/>
-              </a:rPr>
-              <a:t>Aktivační funkce ReLU</a:t>
-            </a:r>
-            <a:endParaRPr b="0" lang="en-US" sz="2000" spc="-1" strike="noStrike">
+              <a:rPr lang="en-US" sz="2000" b="0" strike="noStrike" spc="-1" dirty="0" err="1">
+                <a:solidFill>
+                  <a:srgbClr val="000000"/>
+                </a:solidFill>
+                <a:latin typeface="Aptos"/>
+              </a:rPr>
+              <a:t>Aktivační</a:t>
+            </a:r>
+            <a:r>
+              <a:rPr lang="en-US" sz="2000" b="0" strike="noStrike" spc="-1" dirty="0">
+                <a:solidFill>
+                  <a:srgbClr val="000000"/>
+                </a:solidFill>
+                <a:latin typeface="Aptos"/>
+              </a:rPr>
+              <a:t> </a:t>
+            </a:r>
+            <a:r>
+              <a:rPr lang="en-US" sz="2000" b="0" strike="noStrike" spc="-1" dirty="0" err="1">
+                <a:solidFill>
+                  <a:srgbClr val="000000"/>
+                </a:solidFill>
+                <a:latin typeface="Aptos"/>
+              </a:rPr>
+              <a:t>funkce</a:t>
+            </a:r>
+            <a:r>
+              <a:rPr lang="en-US" sz="2000" b="0" strike="noStrike" spc="-1" dirty="0">
+                <a:solidFill>
+                  <a:srgbClr val="000000"/>
+                </a:solidFill>
+                <a:latin typeface="Aptos"/>
+              </a:rPr>
+              <a:t> </a:t>
+            </a:r>
+            <a:r>
+              <a:rPr lang="en-US" sz="2000" b="0" strike="noStrike" spc="-1" dirty="0" err="1">
+                <a:solidFill>
+                  <a:srgbClr val="000000"/>
+                </a:solidFill>
+                <a:latin typeface="Aptos"/>
+              </a:rPr>
+              <a:t>ReLU</a:t>
+            </a:r>
+            <a:endParaRPr lang="en-US" sz="2000" b="0" strike="noStrike" spc="-1" dirty="0">
               <a:solidFill>
                 <a:srgbClr val="000000"/>
               </a:solidFill>
@@ -9010,7 +10438,7 @@
             </a:endParaRPr>
           </a:p>
           <a:p>
-            <a:pPr lvl="1" marL="685800" indent="-228600">
+            <a:pPr marL="685800" lvl="1" indent="-228600">
               <a:lnSpc>
                 <a:spcPct val="90000"/>
               </a:lnSpc>
@@ -9024,15 +10452,42 @@
               <a:buChar char="•"/>
             </a:pPr>
             <a:r>
-              <a:rPr b="0" lang="en-US" sz="2400" spc="-1" strike="noStrike">
-                <a:solidFill>
-                  <a:srgbClr val="000000"/>
-                </a:solidFill>
-                <a:latin typeface="Aptos"/>
-              </a:rPr>
-              <a:t>Druhá skrytá vrstva</a:t>
-            </a:r>
-            <a:endParaRPr b="0" lang="en-US" sz="2400" spc="-1" strike="noStrike">
+              <a:rPr lang="en-US" spc="-1" dirty="0" err="1">
+                <a:solidFill>
+                  <a:srgbClr val="000000"/>
+                </a:solidFill>
+                <a:latin typeface="Aptos"/>
+              </a:rPr>
+              <a:t>S</a:t>
+            </a:r>
+            <a:r>
+              <a:rPr lang="en-US" sz="2400" b="0" strike="noStrike" spc="-1" dirty="0" err="1">
+                <a:solidFill>
+                  <a:srgbClr val="000000"/>
+                </a:solidFill>
+                <a:latin typeface="Aptos"/>
+              </a:rPr>
+              <a:t>krytá</a:t>
+            </a:r>
+            <a:r>
+              <a:rPr lang="en-US" sz="2400" b="0" strike="noStrike" spc="-1" dirty="0">
+                <a:solidFill>
+                  <a:srgbClr val="000000"/>
+                </a:solidFill>
+                <a:latin typeface="Aptos"/>
+              </a:rPr>
+              <a:t> </a:t>
+            </a:r>
+            <a:r>
+              <a:rPr lang="en-US" sz="2400" b="0" strike="noStrike" spc="-1" dirty="0" err="1">
+                <a:solidFill>
+                  <a:srgbClr val="000000"/>
+                </a:solidFill>
+                <a:latin typeface="Aptos"/>
+              </a:rPr>
+              <a:t>vrstva</a:t>
+            </a:r>
+            <a:endParaRPr lang="en-US" sz="2400" b="0" strike="noStrike" spc="-1" dirty="0">
               <a:solidFill>
                 <a:srgbClr val="000000"/>
               </a:solidFill>
@@ -9040,7 +10495,7 @@
             </a:endParaRPr>
           </a:p>
           <a:p>
-            <a:pPr lvl="2" marL="1143000" indent="-228600">
+            <a:pPr marL="1143000" lvl="2" indent="-228600">
               <a:lnSpc>
                 <a:spcPct val="90000"/>
               </a:lnSpc>
@@ -9054,15 +10509,24 @@
               <a:buChar char="•"/>
             </a:pPr>
             <a:r>
-              <a:rPr b="0" lang="en-US" sz="2000" spc="-1" strike="noStrike">
-                <a:solidFill>
-                  <a:srgbClr val="000000"/>
-                </a:solidFill>
-                <a:latin typeface="Aptos"/>
-              </a:rPr>
-              <a:t>4 neurony</a:t>
-            </a:r>
-            <a:endParaRPr b="0" lang="en-US" sz="2000" spc="-1" strike="noStrike">
+              <a:rPr lang="en-US" sz="2000" b="0" strike="noStrike" spc="-1" dirty="0">
+                <a:solidFill>
+                  <a:srgbClr val="000000"/>
+                </a:solidFill>
+                <a:latin typeface="Aptos"/>
+              </a:rPr>
+              <a:t>4 </a:t>
+            </a:r>
+            <a:r>
+              <a:rPr lang="en-US" sz="2000" b="0" strike="noStrike" spc="-1" dirty="0" err="1">
+                <a:solidFill>
+                  <a:srgbClr val="000000"/>
+                </a:solidFill>
+                <a:latin typeface="Aptos"/>
+              </a:rPr>
+              <a:t>neurony</a:t>
+            </a:r>
+            <a:endParaRPr lang="en-US" sz="2000" b="0" strike="noStrike" spc="-1" dirty="0">
               <a:solidFill>
                 <a:srgbClr val="000000"/>
               </a:solidFill>
@@ -9070,7 +10534,7 @@
             </a:endParaRPr>
           </a:p>
           <a:p>
-            <a:pPr lvl="2" marL="1143000" indent="-228600">
+            <a:pPr marL="1143000" lvl="2" indent="-228600">
               <a:lnSpc>
                 <a:spcPct val="90000"/>
               </a:lnSpc>
@@ -9084,15 +10548,51 @@
               <a:buChar char="•"/>
             </a:pPr>
             <a:r>
-              <a:rPr b="0" lang="en-US" sz="2000" spc="-1" strike="noStrike">
-                <a:solidFill>
-                  <a:srgbClr val="000000"/>
-                </a:solidFill>
-                <a:latin typeface="Aptos"/>
-              </a:rPr>
-              <a:t>Aktivační funkce ReLU</a:t>
-            </a:r>
-            <a:endParaRPr b="0" lang="en-US" sz="2000" spc="-1" strike="noStrike">
+              <a:rPr lang="en-US" sz="2000" b="0" strike="noStrike" spc="-1" dirty="0" err="1">
+                <a:solidFill>
+                  <a:srgbClr val="000000"/>
+                </a:solidFill>
+                <a:latin typeface="Aptos"/>
+              </a:rPr>
+              <a:t>Aktivační</a:t>
+            </a:r>
+            <a:r>
+              <a:rPr lang="en-US" sz="2000" b="0" strike="noStrike" spc="-1" dirty="0">
+                <a:solidFill>
+                  <a:srgbClr val="000000"/>
+                </a:solidFill>
+                <a:latin typeface="Aptos"/>
+              </a:rPr>
+              <a:t> </a:t>
+            </a:r>
+            <a:r>
+              <a:rPr lang="en-US" sz="2000" b="0" strike="noStrike" spc="-1" dirty="0" err="1">
+                <a:solidFill>
+                  <a:srgbClr val="000000"/>
+                </a:solidFill>
+                <a:latin typeface="Aptos"/>
+              </a:rPr>
+              <a:t>funkce</a:t>
+            </a:r>
+            <a:r>
+              <a:rPr lang="en-US" sz="2000" b="0" strike="noStrike" spc="-1" dirty="0">
+                <a:solidFill>
+                  <a:srgbClr val="000000"/>
+                </a:solidFill>
+                <a:latin typeface="Aptos"/>
+              </a:rPr>
+              <a:t> </a:t>
+            </a:r>
+            <a:r>
+              <a:rPr lang="en-US" sz="2000" b="0" strike="noStrike" spc="-1" dirty="0" err="1">
+                <a:solidFill>
+                  <a:srgbClr val="000000"/>
+                </a:solidFill>
+                <a:latin typeface="Aptos"/>
+              </a:rPr>
+              <a:t>ReLU</a:t>
+            </a:r>
+            <a:endParaRPr lang="en-US" sz="2000" b="0" strike="noStrike" spc="-1" dirty="0">
               <a:solidFill>
                 <a:srgbClr val="000000"/>
               </a:solidFill>
@@ -9100,7 +10600,7 @@
             </a:endParaRPr>
           </a:p>
           <a:p>
-            <a:pPr lvl="1" marL="685800" indent="-228600">
+            <a:pPr marL="685800" lvl="1" indent="-228600">
               <a:lnSpc>
                 <a:spcPct val="90000"/>
               </a:lnSpc>
@@ -9114,15 +10614,33 @@
               <a:buChar char="•"/>
             </a:pPr>
             <a:r>
-              <a:rPr b="0" lang="en-US" sz="2400" spc="-1" strike="noStrike">
-                <a:solidFill>
-                  <a:srgbClr val="000000"/>
-                </a:solidFill>
-                <a:latin typeface="Aptos"/>
-              </a:rPr>
-              <a:t>Výstupní vrstva</a:t>
-            </a:r>
-            <a:endParaRPr b="0" lang="en-US" sz="2400" spc="-1" strike="noStrike">
+              <a:rPr lang="en-US" sz="2400" b="0" strike="noStrike" spc="-1" dirty="0" err="1">
+                <a:solidFill>
+                  <a:srgbClr val="000000"/>
+                </a:solidFill>
+                <a:latin typeface="Aptos"/>
+              </a:rPr>
+              <a:t>Výstupní</a:t>
+            </a:r>
+            <a:r>
+              <a:rPr lang="en-US" sz="2400" b="0" strike="noStrike" spc="-1" dirty="0">
+                <a:solidFill>
+                  <a:srgbClr val="000000"/>
+                </a:solidFill>
+                <a:latin typeface="Aptos"/>
+              </a:rPr>
+              <a:t> </a:t>
+            </a:r>
+            <a:r>
+              <a:rPr lang="en-US" sz="2400" b="0" strike="noStrike" spc="-1" dirty="0" err="1">
+                <a:solidFill>
+                  <a:srgbClr val="000000"/>
+                </a:solidFill>
+                <a:latin typeface="Aptos"/>
+              </a:rPr>
+              <a:t>vrstva</a:t>
+            </a:r>
+            <a:endParaRPr lang="en-US" sz="2400" b="0" strike="noStrike" spc="-1" dirty="0">
               <a:solidFill>
                 <a:srgbClr val="000000"/>
               </a:solidFill>
@@ -9130,7 +10648,7 @@
             </a:endParaRPr>
           </a:p>
           <a:p>
-            <a:pPr lvl="2" marL="1143000" indent="-228600">
+            <a:pPr marL="1143000" lvl="2" indent="-228600">
               <a:lnSpc>
                 <a:spcPct val="90000"/>
               </a:lnSpc>
@@ -9144,23 +10662,143 @@
               <a:buChar char="•"/>
             </a:pPr>
             <a:r>
-              <a:rPr b="0" lang="en-US" sz="2000" spc="-1" strike="noStrike">
-                <a:solidFill>
-                  <a:srgbClr val="000000"/>
-                </a:solidFill>
-                <a:latin typeface="Aptos"/>
-              </a:rPr>
-              <a:t>2 neurony (spojení plyn/brzda a zatáčení vlevo/vpravo)</a:t>
-            </a:r>
-            <a:endParaRPr b="0" lang="en-US" sz="2000" spc="-1" strike="noStrike">
-              <a:solidFill>
-                <a:srgbClr val="000000"/>
-              </a:solidFill>
-              <a:latin typeface="Aptos"/>
-            </a:endParaRPr>
-          </a:p>
-          <a:p>
-            <a:pPr lvl="2" marL="1143000" indent="-228600">
+              <a:rPr lang="en-US" sz="2000" b="0" strike="noStrike" spc="-1" dirty="0">
+                <a:solidFill>
+                  <a:srgbClr val="000000"/>
+                </a:solidFill>
+                <a:latin typeface="Aptos"/>
+              </a:rPr>
+              <a:t>2 </a:t>
+            </a:r>
+            <a:r>
+              <a:rPr lang="en-US" sz="2000" b="0" strike="noStrike" spc="-1" dirty="0" err="1">
+                <a:solidFill>
+                  <a:srgbClr val="000000"/>
+                </a:solidFill>
+                <a:latin typeface="Aptos"/>
+              </a:rPr>
+              <a:t>neurony</a:t>
+            </a:r>
+            <a:r>
+              <a:rPr lang="en-US" sz="2000" b="0" strike="noStrike" spc="-1" dirty="0">
+                <a:solidFill>
+                  <a:srgbClr val="000000"/>
+                </a:solidFill>
+                <a:latin typeface="Aptos"/>
+              </a:rPr>
+              <a:t> (</a:t>
+            </a:r>
+            <a:r>
+              <a:rPr lang="en-US" sz="2000" b="0" strike="noStrike" spc="-1" dirty="0" err="1">
+                <a:solidFill>
+                  <a:srgbClr val="000000"/>
+                </a:solidFill>
+                <a:latin typeface="Aptos"/>
+              </a:rPr>
+              <a:t>spojení</a:t>
+            </a:r>
+            <a:r>
+              <a:rPr lang="en-US" sz="2000" b="0" strike="noStrike" spc="-1" dirty="0">
+                <a:solidFill>
+                  <a:srgbClr val="000000"/>
+                </a:solidFill>
+                <a:latin typeface="Aptos"/>
+              </a:rPr>
+              <a:t> </a:t>
+            </a:r>
+            <a:r>
+              <a:rPr lang="en-US" sz="2000" b="0" strike="noStrike" spc="-1" dirty="0" err="1">
+                <a:solidFill>
+                  <a:srgbClr val="000000"/>
+                </a:solidFill>
+                <a:latin typeface="Aptos"/>
+              </a:rPr>
+              <a:t>plyn</a:t>
+            </a:r>
+            <a:r>
+              <a:rPr lang="en-US" sz="2000" b="0" strike="noStrike" spc="-1" dirty="0">
+                <a:solidFill>
+                  <a:srgbClr val="000000"/>
+                </a:solidFill>
+                <a:latin typeface="Aptos"/>
+              </a:rPr>
+              <a:t>/</a:t>
+            </a:r>
+            <a:r>
+              <a:rPr lang="en-US" sz="2000" b="0" strike="noStrike" spc="-1" dirty="0" err="1">
+                <a:solidFill>
+                  <a:srgbClr val="000000"/>
+                </a:solidFill>
+                <a:latin typeface="Aptos"/>
+              </a:rPr>
+              <a:t>brzda</a:t>
+            </a:r>
+            <a:r>
+              <a:rPr lang="en-US" sz="2000" b="0" strike="noStrike" spc="-1" dirty="0">
+                <a:solidFill>
+                  <a:srgbClr val="000000"/>
+                </a:solidFill>
+                <a:latin typeface="Aptos"/>
+              </a:rPr>
+              <a:t> a </a:t>
+            </a:r>
+            <a:r>
+              <a:rPr lang="en-US" sz="2000" b="0" strike="noStrike" spc="-1" dirty="0" err="1">
+                <a:solidFill>
+                  <a:srgbClr val="000000"/>
+                </a:solidFill>
+                <a:latin typeface="Aptos"/>
+              </a:rPr>
+              <a:t>zatáčení</a:t>
+            </a:r>
+            <a:r>
+              <a:rPr lang="en-US" sz="2000" b="0" strike="noStrike" spc="-1" dirty="0">
+                <a:solidFill>
+                  <a:srgbClr val="000000"/>
+                </a:solidFill>
+                <a:latin typeface="Aptos"/>
+              </a:rPr>
+              <a:t> </a:t>
+            </a:r>
+            <a:r>
+              <a:rPr lang="en-US" sz="2000" b="0" strike="noStrike" spc="-1" dirty="0" err="1">
+                <a:solidFill>
+                  <a:srgbClr val="000000"/>
+                </a:solidFill>
+                <a:latin typeface="Aptos"/>
+              </a:rPr>
+              <a:t>vlevo</a:t>
+            </a:r>
+            <a:r>
+              <a:rPr lang="en-US" sz="2000" b="0" strike="noStrike" spc="-1" dirty="0">
+                <a:solidFill>
+                  <a:srgbClr val="000000"/>
+                </a:solidFill>
+                <a:latin typeface="Aptos"/>
+              </a:rPr>
+              <a:t>/</a:t>
+            </a:r>
+            <a:r>
+              <a:rPr lang="en-US" sz="2000" b="0" strike="noStrike" spc="-1" dirty="0" err="1">
+                <a:solidFill>
+                  <a:srgbClr val="000000"/>
+                </a:solidFill>
+                <a:latin typeface="Aptos"/>
+              </a:rPr>
+              <a:t>vpravo</a:t>
+            </a:r>
+            <a:r>
+              <a:rPr lang="en-US" sz="2000" b="0" strike="noStrike" spc="-1" dirty="0">
+                <a:solidFill>
+                  <a:srgbClr val="000000"/>
+                </a:solidFill>
+                <a:latin typeface="Aptos"/>
+              </a:rPr>
+              <a:t>)</a:t>
+            </a:r>
+          </a:p>
+          <a:p>
+            <a:pPr marL="1143000" lvl="2" indent="-228600">
               <a:lnSpc>
                 <a:spcPct val="90000"/>
               </a:lnSpc>
@@ -9174,20 +10812,41 @@
               <a:buChar char="•"/>
             </a:pPr>
             <a:r>
-              <a:rPr b="0" lang="en-US" sz="2000" spc="-1" strike="noStrike">
-                <a:solidFill>
-                  <a:srgbClr val="000000"/>
-                </a:solidFill>
-                <a:latin typeface="Aptos"/>
-              </a:rPr>
-              <a:t>Aktivační funkce Sigmoid</a:t>
-            </a:r>
-            <a:endParaRPr b="0" lang="en-US" sz="2000" spc="-1" strike="noStrike">
-              <a:solidFill>
-                <a:srgbClr val="000000"/>
-              </a:solidFill>
-              <a:latin typeface="Aptos"/>
-            </a:endParaRPr>
+              <a:rPr lang="en-US" sz="2000" b="0" strike="noStrike" spc="-1" dirty="0" err="1">
+                <a:solidFill>
+                  <a:srgbClr val="000000"/>
+                </a:solidFill>
+                <a:latin typeface="Aptos"/>
+              </a:rPr>
+              <a:t>Aktivační</a:t>
+            </a:r>
+            <a:r>
+              <a:rPr lang="en-US" sz="2000" b="0" strike="noStrike" spc="-1" dirty="0">
+                <a:solidFill>
+                  <a:srgbClr val="000000"/>
+                </a:solidFill>
+                <a:latin typeface="Aptos"/>
+              </a:rPr>
+              <a:t> </a:t>
+            </a:r>
+            <a:r>
+              <a:rPr lang="en-US" sz="2000" b="0" strike="noStrike" spc="-1" dirty="0" err="1">
+                <a:solidFill>
+                  <a:srgbClr val="000000"/>
+                </a:solidFill>
+                <a:latin typeface="Aptos"/>
+              </a:rPr>
+              <a:t>funkce</a:t>
+            </a:r>
+            <a:r>
+              <a:rPr lang="en-US" sz="2000" b="0" strike="noStrike" spc="-1" dirty="0">
+                <a:solidFill>
+                  <a:srgbClr val="000000"/>
+                </a:solidFill>
+                <a:latin typeface="Aptos"/>
+              </a:rPr>
+              <a:t> Sigmoid</a:t>
+            </a:r>
           </a:p>
         </p:txBody>
       </p:sp>
@@ -9204,10 +10863,13 @@
         <p:spPr/>
         <p:txBody>
           <a:bodyPr/>
+          <a:lstStyle/>
           <a:p>
             <a:fld id="{16CAFE06-2F66-43C4-B2A4-C8EF64EE2168}" type="slidenum">
+              <a:rPr/>
               <a:t>7</a:t>
             </a:fld>
+            <a:endParaRPr/>
           </a:p>
         </p:txBody>
       </p:sp>
@@ -9224,29 +10886,26 @@
         <p:spPr/>
         <p:txBody>
           <a:bodyPr/>
+          <a:lstStyle/>
           <a:p>
             <a:fld id="{7E0277FF-B1BD-423B-A7A2-4E8E338EA264}" type="datetime1">
               <a:rPr lang="en-US"/>
-              <a:t>01/11/2026</a:t>
+              <a:t>1/11/26</a:t>
             </a:fld>
+            <a:endParaRPr lang="en-US"/>
           </a:p>
         </p:txBody>
       </p:sp>
     </p:spTree>
   </p:cSld>
-  <mc:AlternateContent>
-    <mc:Choice Requires="p14">
-      <p:transition spd="slow" p14:dur="2000"/>
-    </mc:Choice>
-    <mc:Fallback>
-      <p:transition spd="slow"/>
-    </mc:Fallback>
-  </mc:AlternateContent>
+  <p:clrMapOvr>
+    <a:masterClrMapping/>
+  </p:clrMapOvr>
 </p:sld>
 </file>
 
 <file path=ppt/slides/slide8.xml><?xml version="1.0" encoding="utf-8"?>
-<p:sld xmlns:a="http://schemas.openxmlformats.org/drawingml/2006/main" xmlns:p="http://schemas.openxmlformats.org/presentationml/2006/main" xmlns:r="http://schemas.openxmlformats.org/officeDocument/2006/relationships" xmlns:p14="http://schemas.microsoft.com/office/powerpoint/2010/main" xmlns:p15="http://schemas.microsoft.com/office/powerpoint/2012/main" xmlns:mc="http://schemas.openxmlformats.org/markup-compatibility/2006">
+<p:sld xmlns:a="http://schemas.openxmlformats.org/drawingml/2006/main" xmlns:r="http://schemas.openxmlformats.org/officeDocument/2006/relationships" xmlns:p="http://schemas.openxmlformats.org/presentationml/2006/main">
   <p:cSld>
     <p:spTree>
       <p:nvGrpSpPr>
@@ -9289,6 +10948,7 @@
           <a:bodyPr anchor="ctr">
             <a:noAutofit/>
           </a:bodyPr>
+          <a:lstStyle/>
           <a:p>
             <a:pPr>
               <a:lnSpc>
@@ -9297,7 +10957,7 @@
               <a:buNone/>
             </a:pPr>
             <a:r>
-              <a:rPr b="0" lang="en-US" sz="4400" spc="-1" strike="noStrike">
+              <a:rPr lang="en-US" sz="4400" b="0" strike="noStrike" spc="-1">
                 <a:solidFill>
                   <a:srgbClr val="000000"/>
                 </a:solidFill>
@@ -9305,7 +10965,7 @@
               </a:rPr>
               <a:t>Neověřené postupy</a:t>
             </a:r>
-            <a:endParaRPr b="0" lang="en-US" sz="4400" spc="-1" strike="noStrike">
+            <a:endParaRPr lang="en-US" sz="4400" b="0" strike="noStrike" spc="-1">
               <a:solidFill>
                 <a:srgbClr val="000000"/>
               </a:solidFill>
@@ -9341,6 +11001,7 @@
           <a:bodyPr anchor="t">
             <a:noAutofit/>
           </a:bodyPr>
+          <a:lstStyle/>
           <a:p>
             <a:pPr marL="228600" indent="-228600">
               <a:lnSpc>
@@ -9356,7 +11017,7 @@
               <a:buChar char="•"/>
             </a:pPr>
             <a:r>
-              <a:rPr b="0" lang="en-US" sz="2800" spc="-1" strike="noStrike">
+              <a:rPr lang="en-US" sz="2800" b="0" strike="noStrike" spc="-1">
                 <a:solidFill>
                   <a:srgbClr val="000000"/>
                 </a:solidFill>
@@ -9364,153 +11025,123 @@
               </a:rPr>
               <a:t>Kvůli nedostatku generací jsme nevyzkoušeli plně:</a:t>
             </a:r>
-            <a:endParaRPr b="0" lang="en-US" sz="2800" spc="-1" strike="noStrike">
+          </a:p>
+          <a:p>
+            <a:pPr marL="685800" lvl="1" indent="-228600">
+              <a:lnSpc>
+                <a:spcPct val="90000"/>
+              </a:lnSpc>
+              <a:spcBef>
+                <a:spcPts val="499"/>
+              </a:spcBef>
+              <a:buClr>
+                <a:srgbClr val="000000"/>
+              </a:buClr>
+              <a:buFont typeface="Arial"/>
+              <a:buChar char="•"/>
+            </a:pPr>
+            <a:r>
+              <a:rPr lang="en-US" sz="2400" b="0" strike="noStrike" spc="-1">
+                <a:solidFill>
+                  <a:srgbClr val="000000"/>
+                </a:solidFill>
+                <a:latin typeface="Aptos"/>
+              </a:rPr>
+              <a:t>Přidání šumu do vstupních senzorů</a:t>
+            </a:r>
+          </a:p>
+          <a:p>
+            <a:pPr marL="1143000" lvl="2" indent="-228600">
+              <a:lnSpc>
+                <a:spcPct val="90000"/>
+              </a:lnSpc>
+              <a:spcBef>
+                <a:spcPts val="499"/>
+              </a:spcBef>
+              <a:buClr>
+                <a:srgbClr val="000000"/>
+              </a:buClr>
+              <a:buFont typeface="Arial"/>
+              <a:buChar char="•"/>
+            </a:pPr>
+            <a:r>
+              <a:rPr lang="en-US" sz="2000" b="0" strike="noStrike" spc="-1">
+                <a:solidFill>
+                  <a:srgbClr val="000000"/>
+                </a:solidFill>
+                <a:latin typeface="Aptos"/>
+              </a:rPr>
+              <a:t>Zlepšení robustnosti modelu</a:t>
+            </a:r>
+          </a:p>
+          <a:p>
+            <a:pPr marL="685800" lvl="1" indent="-228600">
+              <a:lnSpc>
+                <a:spcPct val="90000"/>
+              </a:lnSpc>
+              <a:spcBef>
+                <a:spcPts val="499"/>
+              </a:spcBef>
+              <a:buClr>
+                <a:srgbClr val="000000"/>
+              </a:buClr>
+              <a:buFont typeface="Arial"/>
+              <a:buChar char="•"/>
+            </a:pPr>
+            <a:r>
+              <a:rPr lang="en-US" sz="2400" b="0" strike="noStrike" spc="-1">
+                <a:solidFill>
+                  <a:srgbClr val="000000"/>
+                </a:solidFill>
+                <a:latin typeface="Aptos"/>
+              </a:rPr>
+              <a:t>Penalizaci za pomalou jízdu</a:t>
+            </a:r>
+          </a:p>
+          <a:p>
+            <a:pPr marL="685800" lvl="1" indent="-228600">
+              <a:lnSpc>
+                <a:spcPct val="90000"/>
+              </a:lnSpc>
+              <a:spcBef>
+                <a:spcPts val="499"/>
+              </a:spcBef>
+              <a:buClr>
+                <a:srgbClr val="000000"/>
+              </a:buClr>
+              <a:buFont typeface="Arial"/>
+              <a:buChar char="•"/>
+            </a:pPr>
+            <a:r>
+              <a:rPr lang="en-US" sz="2400" b="0" strike="noStrike" spc="-1">
+                <a:solidFill>
+                  <a:srgbClr val="000000"/>
+                </a:solidFill>
+                <a:latin typeface="Aptos"/>
+              </a:rPr>
+              <a:t>Kombinace odměňování rychlosti vůči času</a:t>
+            </a:r>
+          </a:p>
+          <a:p>
+            <a:pPr marL="914400">
+              <a:lnSpc>
+                <a:spcPct val="90000"/>
+              </a:lnSpc>
+              <a:spcBef>
+                <a:spcPts val="499"/>
+              </a:spcBef>
+              <a:buNone/>
+              <a:tabLst>
+                <a:tab pos="0" algn="l"/>
+              </a:tabLst>
+            </a:pPr>
+            <a:endParaRPr lang="en-US" sz="2000" b="0" strike="noStrike" spc="-1">
               <a:solidFill>
                 <a:srgbClr val="000000"/>
               </a:solidFill>
               <a:latin typeface="Aptos"/>
             </a:endParaRPr>
           </a:p>
-          <a:p>
-            <a:pPr lvl="1" marL="685800" indent="-228600">
-              <a:lnSpc>
-                <a:spcPct val="90000"/>
-              </a:lnSpc>
-              <a:spcBef>
-                <a:spcPts val="499"/>
-              </a:spcBef>
-              <a:buClr>
-                <a:srgbClr val="000000"/>
-              </a:buClr>
-              <a:buFont typeface="Arial"/>
-              <a:buChar char="•"/>
-            </a:pPr>
-            <a:r>
-              <a:rPr b="0" lang="en-US" sz="2400" spc="-1" strike="noStrike">
-                <a:solidFill>
-                  <a:srgbClr val="000000"/>
-                </a:solidFill>
-                <a:latin typeface="Aptos"/>
-              </a:rPr>
-              <a:t>Přidání šumu do vstupních senzorů</a:t>
-            </a:r>
-            <a:endParaRPr b="0" lang="en-US" sz="2400" spc="-1" strike="noStrike">
-              <a:solidFill>
-                <a:srgbClr val="000000"/>
-              </a:solidFill>
-              <a:latin typeface="Aptos"/>
-            </a:endParaRPr>
-          </a:p>
-          <a:p>
-            <a:pPr lvl="2" marL="1143000" indent="-228600">
-              <a:lnSpc>
-                <a:spcPct val="90000"/>
-              </a:lnSpc>
-              <a:spcBef>
-                <a:spcPts val="499"/>
-              </a:spcBef>
-              <a:buClr>
-                <a:srgbClr val="000000"/>
-              </a:buClr>
-              <a:buFont typeface="Arial"/>
-              <a:buChar char="•"/>
-            </a:pPr>
-            <a:r>
-              <a:rPr b="0" lang="en-US" sz="2000" spc="-1" strike="noStrike">
-                <a:solidFill>
-                  <a:srgbClr val="000000"/>
-                </a:solidFill>
-                <a:latin typeface="Aptos"/>
-              </a:rPr>
-              <a:t>Zlepšení robustnosti modelu</a:t>
-            </a:r>
-            <a:endParaRPr b="0" lang="en-US" sz="2000" spc="-1" strike="noStrike">
-              <a:solidFill>
-                <a:srgbClr val="000000"/>
-              </a:solidFill>
-              <a:latin typeface="Aptos"/>
-            </a:endParaRPr>
-          </a:p>
-          <a:p>
-            <a:pPr lvl="1" marL="685800" indent="-228600">
-              <a:lnSpc>
-                <a:spcPct val="90000"/>
-              </a:lnSpc>
-              <a:spcBef>
-                <a:spcPts val="499"/>
-              </a:spcBef>
-              <a:buClr>
-                <a:srgbClr val="000000"/>
-              </a:buClr>
-              <a:buFont typeface="Arial"/>
-              <a:buChar char="•"/>
-            </a:pPr>
-            <a:r>
-              <a:rPr b="0" lang="en-US" sz="2400" spc="-1" strike="noStrike">
-                <a:solidFill>
-                  <a:srgbClr val="000000"/>
-                </a:solidFill>
-                <a:latin typeface="Aptos"/>
-              </a:rPr>
-              <a:t>Penalizaci za pomalou jízdu</a:t>
-            </a:r>
-            <a:endParaRPr b="0" lang="en-US" sz="2400" spc="-1" strike="noStrike">
-              <a:solidFill>
-                <a:srgbClr val="000000"/>
-              </a:solidFill>
-              <a:latin typeface="Aptos"/>
-            </a:endParaRPr>
-          </a:p>
-          <a:p>
-            <a:pPr lvl="1" marL="685800" indent="-228600">
-              <a:lnSpc>
-                <a:spcPct val="90000"/>
-              </a:lnSpc>
-              <a:spcBef>
-                <a:spcPts val="499"/>
-              </a:spcBef>
-              <a:buClr>
-                <a:srgbClr val="000000"/>
-              </a:buClr>
-              <a:buFont typeface="Arial"/>
-              <a:buChar char="•"/>
-            </a:pPr>
-            <a:r>
-              <a:rPr b="0" lang="en-US" sz="2400" spc="-1" strike="noStrike">
-                <a:solidFill>
-                  <a:srgbClr val="000000"/>
-                </a:solidFill>
-                <a:latin typeface="Aptos"/>
-              </a:rPr>
-              <a:t>Kombinace odměňování rychlosti vůči času</a:t>
-            </a:r>
-            <a:endParaRPr b="0" lang="en-US" sz="2400" spc="-1" strike="noStrike">
-              <a:solidFill>
-                <a:srgbClr val="000000"/>
-              </a:solidFill>
-              <a:latin typeface="Aptos"/>
-            </a:endParaRPr>
-          </a:p>
-          <a:p>
-            <a:pPr marL="914400">
-              <a:lnSpc>
-                <a:spcPct val="90000"/>
-              </a:lnSpc>
-              <a:spcBef>
-                <a:spcPts val="499"/>
-              </a:spcBef>
-              <a:buNone/>
-              <a:tabLst>
-                <a:tab algn="l" pos="0"/>
-              </a:tabLst>
-            </a:pPr>
-            <a:endParaRPr b="0" lang="en-US" sz="2000" spc="-1" strike="noStrike">
-              <a:solidFill>
-                <a:srgbClr val="000000"/>
-              </a:solidFill>
-              <a:latin typeface="Aptos"/>
-            </a:endParaRPr>
-          </a:p>
         </p:txBody>
       </p:sp>
       <p:sp>
@@ -9526,10 +11157,12 @@
         <p:spPr/>
         <p:txBody>
           <a:bodyPr/>
+          <a:lstStyle/>
           <a:p>
             <a:fld id="{691DC615-B88D-4CC8-A0D8-EC3120C23890}" type="slidenum">
               <a:t>8</a:t>
             </a:fld>
+            <a:endParaRPr/>
           </a:p>
         </p:txBody>
       </p:sp>
@@ -9546,24 +11179,21 @@
         <p:spPr/>
         <p:txBody>
           <a:bodyPr/>
+          <a:lstStyle/>
           <a:p>
             <a:fld id="{B0F6D4EB-6713-4516-ACF9-D9921F0BC002}" type="datetime1">
               <a:rPr lang="en-US"/>
-              <a:t>01/11/2026</a:t>
+              <a:t>1/11/26</a:t>
             </a:fld>
+            <a:endParaRPr lang="en-US"/>
           </a:p>
         </p:txBody>
       </p:sp>
     </p:spTree>
   </p:cSld>
-  <mc:AlternateContent>
-    <mc:Choice Requires="p14">
-      <p:transition spd="slow" p14:dur="2000"/>
-    </mc:Choice>
-    <mc:Fallback>
-      <p:transition spd="slow"/>
-    </mc:Fallback>
-  </mc:AlternateContent>
+  <p:clrMapOvr>
+    <a:masterClrMapping/>
+  </p:clrMapOvr>
 </p:sld>
 </file>
 
@@ -9578,34 +11208,34 @@
         <a:sysClr val="window" lastClr="FFFFFF"/>
       </a:lt1>
       <a:dk2>
-        <a:srgbClr val="0e2841"/>
+        <a:srgbClr val="0E2841"/>
       </a:dk2>
       <a:lt2>
-        <a:srgbClr val="e8e8e8"/>
+        <a:srgbClr val="E8E8E8"/>
       </a:lt2>
       <a:accent1>
         <a:srgbClr val="156082"/>
       </a:accent1>
       <a:accent2>
-        <a:srgbClr val="e97132"/>
+        <a:srgbClr val="E97132"/>
       </a:accent2>
       <a:accent3>
-        <a:srgbClr val="196b24"/>
+        <a:srgbClr val="196B24"/>
       </a:accent3>
       <a:accent4>
-        <a:srgbClr val="0f9ed5"/>
+        <a:srgbClr val="0F9ED5"/>
       </a:accent4>
       <a:accent5>
-        <a:srgbClr val="a02b93"/>
+        <a:srgbClr val="A02B93"/>
       </a:accent5>
       <a:accent6>
-        <a:srgbClr val="4ea72e"/>
+        <a:srgbClr val="4EA72E"/>
       </a:accent6>
       <a:hlink>
         <a:srgbClr val="467886"/>
       </a:hlink>
       <a:folHlink>
-        <a:srgbClr val="96607d"/>
+        <a:srgbClr val="96607D"/>
       </a:folHlink>
     </a:clrScheme>
     <a:fontScheme name="Office">
@@ -9790,6 +11420,8 @@
       </a:bgFillStyleLst>
     </a:fmtScheme>
   </a:themeElements>
+  <a:objectDefaults/>
+  <a:extraClrSchemeLst/>
 </a:theme>
 </file>
 
@@ -9804,34 +11436,34 @@
         <a:sysClr val="window" lastClr="FFFFFF"/>
       </a:lt1>
       <a:dk2>
-        <a:srgbClr val="0e2841"/>
+        <a:srgbClr val="0E2841"/>
       </a:dk2>
       <a:lt2>
-        <a:srgbClr val="e8e8e8"/>
+        <a:srgbClr val="E8E8E8"/>
       </a:lt2>
       <a:accent1>
         <a:srgbClr val="156082"/>
       </a:accent1>
       <a:accent2>
-        <a:srgbClr val="e97132"/>
+        <a:srgbClr val="E97132"/>
       </a:accent2>
       <a:accent3>
-        <a:srgbClr val="196b24"/>
+        <a:srgbClr val="196B24"/>
       </a:accent3>
       <a:accent4>
-        <a:srgbClr val="0f9ed5"/>
+        <a:srgbClr val="0F9ED5"/>
       </a:accent4>
       <a:accent5>
-        <a:srgbClr val="a02b93"/>
+        <a:srgbClr val="A02B93"/>
       </a:accent5>
       <a:accent6>
-        <a:srgbClr val="4ea72e"/>
+        <a:srgbClr val="4EA72E"/>
       </a:accent6>
       <a:hlink>
         <a:srgbClr val="467886"/>
       </a:hlink>
       <a:folHlink>
-        <a:srgbClr val="96607d"/>
+        <a:srgbClr val="96607D"/>
       </a:folHlink>
     </a:clrScheme>
     <a:fontScheme name="Office">
@@ -10016,6 +11648,8 @@
       </a:bgFillStyleLst>
     </a:fmtScheme>
   </a:themeElements>
+  <a:objectDefaults/>
+  <a:extraClrSchemeLst/>
 </a:theme>
 </file>
 
@@ -10030,34 +11664,34 @@
         <a:sysClr val="window" lastClr="FFFFFF"/>
       </a:lt1>
       <a:dk2>
-        <a:srgbClr val="0e2841"/>
+        <a:srgbClr val="0E2841"/>
       </a:dk2>
       <a:lt2>
-        <a:srgbClr val="e8e8e8"/>
+        <a:srgbClr val="E8E8E8"/>
       </a:lt2>
       <a:accent1>
         <a:srgbClr val="156082"/>
       </a:accent1>
       <a:accent2>
-        <a:srgbClr val="e97132"/>
+        <a:srgbClr val="E97132"/>
       </a:accent2>
       <a:accent3>
-        <a:srgbClr val="196b24"/>
+        <a:srgbClr val="196B24"/>
       </a:accent3>
       <a:accent4>
-        <a:srgbClr val="0f9ed5"/>
+        <a:srgbClr val="0F9ED5"/>
       </a:accent4>
       <a:accent5>
-        <a:srgbClr val="a02b93"/>
+        <a:srgbClr val="A02B93"/>
       </a:accent5>
       <a:accent6>
-        <a:srgbClr val="4ea72e"/>
+        <a:srgbClr val="4EA72E"/>
       </a:accent6>
       <a:hlink>
         <a:srgbClr val="467886"/>
       </a:hlink>
       <a:folHlink>
-        <a:srgbClr val="96607d"/>
+        <a:srgbClr val="96607D"/>
       </a:folHlink>
     </a:clrScheme>
     <a:fontScheme name="Office">
@@ -10242,5 +11876,7 @@
       </a:bgFillStyleLst>
     </a:fmtScheme>
   </a:themeElements>
+  <a:objectDefaults/>
+  <a:extraClrSchemeLst/>
 </a:theme>
 </file>